--- a/trunk/School/AnalysisProject/BuildByRequest.pptx
+++ b/trunk/School/AnalysisProject/BuildByRequest.pptx
@@ -11921,25 +11921,25 @@
     </dgm:pt>
   </dgm:ptLst>
   <dgm:cxnLst>
+    <dgm:cxn modelId="{2E015315-0F7C-4CED-B1DE-FF3196F6D9BA}" type="presOf" srcId="{8F1289BE-DD7C-4A63-8837-BA69B040F8F0}" destId="{F99486B8-06BA-413D-942A-050A666A2F8F}" srcOrd="0" destOrd="0" presId="urn:microsoft.com/office/officeart/2005/8/layout/chevron1"/>
+    <dgm:cxn modelId="{1F06E117-1147-4EA4-B587-0D04DB9FAC28}" type="presOf" srcId="{5834218C-C92D-4665-B192-C15D6D03587F}" destId="{50B942A8-2635-496E-9B53-66FEC4E1BF8D}" srcOrd="0" destOrd="0" presId="urn:microsoft.com/office/officeart/2005/8/layout/chevron1"/>
+    <dgm:cxn modelId="{74101973-9614-4E89-A649-F0C4E927C23E}" srcId="{A99D1D09-03E3-455E-9E41-BE59FAF02762}" destId="{CDFDC68C-A9B9-4CED-A91E-186AADF8D57B}" srcOrd="6" destOrd="0" parTransId="{B183CF44-C600-4578-AFB8-AF85AB03C108}" sibTransId="{2E4FDDBD-5AF0-404E-8BBF-0C7CFA6DD67B}"/>
+    <dgm:cxn modelId="{97448DA6-8F2D-4399-9B95-55EB00700F49}" type="presOf" srcId="{34073B4A-510E-47BE-9DA1-BBB95DC65D58}" destId="{FD6E0CAB-ACAC-419F-B118-1B6D2CAAF881}" srcOrd="0" destOrd="0" presId="urn:microsoft.com/office/officeart/2005/8/layout/chevron1"/>
+    <dgm:cxn modelId="{6263F0CE-4D5A-4B53-B07A-71D019C74FCE}" type="presOf" srcId="{CDFDC68C-A9B9-4CED-A91E-186AADF8D57B}" destId="{2DCCB369-6422-4B00-A934-ABD3F7152F42}" srcOrd="0" destOrd="0" presId="urn:microsoft.com/office/officeart/2005/8/layout/chevron1"/>
+    <dgm:cxn modelId="{789B210F-0BC9-4CE7-BDC7-F347BB491390}" type="presOf" srcId="{E76B18FF-0A22-44F7-A90D-4A2ACCF250E6}" destId="{C0EF204C-47E7-4D60-8A74-C3F91D43F84F}" srcOrd="0" destOrd="0" presId="urn:microsoft.com/office/officeart/2005/8/layout/chevron1"/>
+    <dgm:cxn modelId="{2D097E55-9972-456E-B886-E65DB415ED01}" type="presOf" srcId="{0EE1BA67-1B0C-4552-A497-93C4D025B156}" destId="{0A2E70FD-7832-4C83-9F49-710889BED68A}" srcOrd="0" destOrd="0" presId="urn:microsoft.com/office/officeart/2005/8/layout/chevron1"/>
+    <dgm:cxn modelId="{19D7D62A-666F-41F7-9D5C-AF620C4910F6}" srcId="{A99D1D09-03E3-455E-9E41-BE59FAF02762}" destId="{8F1289BE-DD7C-4A63-8837-BA69B040F8F0}" srcOrd="5" destOrd="0" parTransId="{2B5CA5E9-7840-4F65-90F6-433B3F3E591E}" sibTransId="{122CADE7-D357-42A3-818D-52191F626540}"/>
+    <dgm:cxn modelId="{1860E767-C25C-4ED1-A38D-265EBF0E7B6D}" type="presOf" srcId="{0EC5B3E7-4C2E-4BF4-92D9-B7FB06D767A5}" destId="{3D4C531D-5E05-42E7-9E8A-FFAF4E9FE23F}" srcOrd="0" destOrd="0" presId="urn:microsoft.com/office/officeart/2005/8/layout/chevron1"/>
     <dgm:cxn modelId="{E0ED8870-CFF6-4697-A562-A5CC9B4F467A}" type="presOf" srcId="{FDBAF0B1-2048-49B7-B5EB-CC3E29D91963}" destId="{0D749ED6-4D2E-4837-81E5-75DEFA6553D5}" srcOrd="0" destOrd="0" presId="urn:microsoft.com/office/officeart/2005/8/layout/chevron1"/>
-    <dgm:cxn modelId="{1F06E117-1147-4EA4-B587-0D04DB9FAC28}" type="presOf" srcId="{5834218C-C92D-4665-B192-C15D6D03587F}" destId="{50B942A8-2635-496E-9B53-66FEC4E1BF8D}" srcOrd="0" destOrd="0" presId="urn:microsoft.com/office/officeart/2005/8/layout/chevron1"/>
+    <dgm:cxn modelId="{6F2871A2-A1BB-4F7A-86D0-6FBF7506DAAE}" srcId="{A99D1D09-03E3-455E-9E41-BE59FAF02762}" destId="{ADB1AC0C-C80E-4553-B68A-B9ED25CA06E9}" srcOrd="8" destOrd="0" parTransId="{444DABAD-7B76-4BBB-9A80-5A26211C7573}" sibTransId="{71BD6C98-0063-4240-BB38-97D762BD5A92}"/>
     <dgm:cxn modelId="{7B4BD2B0-11C6-4A67-85D4-1E2D6B0CD7CF}" srcId="{A99D1D09-03E3-455E-9E41-BE59FAF02762}" destId="{E76B18FF-0A22-44F7-A90D-4A2ACCF250E6}" srcOrd="1" destOrd="0" parTransId="{6104FC49-46C6-49FA-A587-07E8C72FAF20}" sibTransId="{457E3304-672E-4FF8-8444-5CDF3A9EF271}"/>
-    <dgm:cxn modelId="{74101973-9614-4E89-A649-F0C4E927C23E}" srcId="{A99D1D09-03E3-455E-9E41-BE59FAF02762}" destId="{CDFDC68C-A9B9-4CED-A91E-186AADF8D57B}" srcOrd="6" destOrd="0" parTransId="{B183CF44-C600-4578-AFB8-AF85AB03C108}" sibTransId="{2E4FDDBD-5AF0-404E-8BBF-0C7CFA6DD67B}"/>
     <dgm:cxn modelId="{6800A663-056D-44E2-912B-36D23E7021F6}" type="presOf" srcId="{A99D1D09-03E3-455E-9E41-BE59FAF02762}" destId="{65F9B252-E640-4161-B138-F04E133526C0}" srcOrd="0" destOrd="0" presId="urn:microsoft.com/office/officeart/2005/8/layout/chevron1"/>
+    <dgm:cxn modelId="{0BA8E660-9974-4469-B166-04B725AC2478}" srcId="{A99D1D09-03E3-455E-9E41-BE59FAF02762}" destId="{34073B4A-510E-47BE-9DA1-BBB95DC65D58}" srcOrd="0" destOrd="0" parTransId="{CCEFF9A9-37F8-4F35-A132-635401313468}" sibTransId="{5654DA42-7522-44AD-BAE1-E81DACF0A806}"/>
+    <dgm:cxn modelId="{60921007-7621-49D0-BB2B-240B6422F0C8}" srcId="{A99D1D09-03E3-455E-9E41-BE59FAF02762}" destId="{0EE1BA67-1B0C-4552-A497-93C4D025B156}" srcOrd="2" destOrd="0" parTransId="{DB15AC51-8154-4D58-A6A2-1ED49CAEFDFB}" sibTransId="{96517727-1E4A-48C1-BAAB-9C40EF1D5365}"/>
+    <dgm:cxn modelId="{E11D966A-B220-4815-B96F-9E828357F910}" srcId="{A99D1D09-03E3-455E-9E41-BE59FAF02762}" destId="{5834218C-C92D-4665-B192-C15D6D03587F}" srcOrd="7" destOrd="0" parTransId="{B17853FD-B891-4BB8-8F57-CEC27FCF7FF5}" sibTransId="{6D030134-280A-42DA-985C-9258F84665ED}"/>
+    <dgm:cxn modelId="{DB7E62A7-4BEC-45A5-8B36-1AD65CDA2968}" srcId="{A99D1D09-03E3-455E-9E41-BE59FAF02762}" destId="{FDBAF0B1-2048-49B7-B5EB-CC3E29D91963}" srcOrd="4" destOrd="0" parTransId="{D22FC569-F8B3-47AF-9116-8D440024DF9B}" sibTransId="{674256ED-ACAF-438D-BA5A-693744ADF8DF}"/>
+    <dgm:cxn modelId="{C48BF702-723A-4ECD-BA6E-EC8B92971291}" srcId="{A99D1D09-03E3-455E-9E41-BE59FAF02762}" destId="{0EC5B3E7-4C2E-4BF4-92D9-B7FB06D767A5}" srcOrd="3" destOrd="0" parTransId="{8A34AAB8-55FB-4449-99C0-28DE8C33C1BA}" sibTransId="{5F4D3D1B-9D51-467F-8A67-034A5CF94490}"/>
     <dgm:cxn modelId="{E657A49F-3A2B-4E38-A83C-9016B4B127F1}" type="presOf" srcId="{ADB1AC0C-C80E-4553-B68A-B9ED25CA06E9}" destId="{C0DB5679-3723-4D0A-943A-C159495F7D3C}" srcOrd="0" destOrd="0" presId="urn:microsoft.com/office/officeart/2005/8/layout/chevron1"/>
-    <dgm:cxn modelId="{60921007-7621-49D0-BB2B-240B6422F0C8}" srcId="{A99D1D09-03E3-455E-9E41-BE59FAF02762}" destId="{0EE1BA67-1B0C-4552-A497-93C4D025B156}" srcOrd="2" destOrd="0" parTransId="{DB15AC51-8154-4D58-A6A2-1ED49CAEFDFB}" sibTransId="{96517727-1E4A-48C1-BAAB-9C40EF1D5365}"/>
-    <dgm:cxn modelId="{97448DA6-8F2D-4399-9B95-55EB00700F49}" type="presOf" srcId="{34073B4A-510E-47BE-9DA1-BBB95DC65D58}" destId="{FD6E0CAB-ACAC-419F-B118-1B6D2CAAF881}" srcOrd="0" destOrd="0" presId="urn:microsoft.com/office/officeart/2005/8/layout/chevron1"/>
-    <dgm:cxn modelId="{DB7E62A7-4BEC-45A5-8B36-1AD65CDA2968}" srcId="{A99D1D09-03E3-455E-9E41-BE59FAF02762}" destId="{FDBAF0B1-2048-49B7-B5EB-CC3E29D91963}" srcOrd="4" destOrd="0" parTransId="{D22FC569-F8B3-47AF-9116-8D440024DF9B}" sibTransId="{674256ED-ACAF-438D-BA5A-693744ADF8DF}"/>
-    <dgm:cxn modelId="{2D097E55-9972-456E-B886-E65DB415ED01}" type="presOf" srcId="{0EE1BA67-1B0C-4552-A497-93C4D025B156}" destId="{0A2E70FD-7832-4C83-9F49-710889BED68A}" srcOrd="0" destOrd="0" presId="urn:microsoft.com/office/officeart/2005/8/layout/chevron1"/>
-    <dgm:cxn modelId="{2E015315-0F7C-4CED-B1DE-FF3196F6D9BA}" type="presOf" srcId="{8F1289BE-DD7C-4A63-8837-BA69B040F8F0}" destId="{F99486B8-06BA-413D-942A-050A666A2F8F}" srcOrd="0" destOrd="0" presId="urn:microsoft.com/office/officeart/2005/8/layout/chevron1"/>
-    <dgm:cxn modelId="{E11D966A-B220-4815-B96F-9E828357F910}" srcId="{A99D1D09-03E3-455E-9E41-BE59FAF02762}" destId="{5834218C-C92D-4665-B192-C15D6D03587F}" srcOrd="7" destOrd="0" parTransId="{B17853FD-B891-4BB8-8F57-CEC27FCF7FF5}" sibTransId="{6D030134-280A-42DA-985C-9258F84665ED}"/>
-    <dgm:cxn modelId="{6263F0CE-4D5A-4B53-B07A-71D019C74FCE}" type="presOf" srcId="{CDFDC68C-A9B9-4CED-A91E-186AADF8D57B}" destId="{2DCCB369-6422-4B00-A934-ABD3F7152F42}" srcOrd="0" destOrd="0" presId="urn:microsoft.com/office/officeart/2005/8/layout/chevron1"/>
-    <dgm:cxn modelId="{0BA8E660-9974-4469-B166-04B725AC2478}" srcId="{A99D1D09-03E3-455E-9E41-BE59FAF02762}" destId="{34073B4A-510E-47BE-9DA1-BBB95DC65D58}" srcOrd="0" destOrd="0" parTransId="{CCEFF9A9-37F8-4F35-A132-635401313468}" sibTransId="{5654DA42-7522-44AD-BAE1-E81DACF0A806}"/>
-    <dgm:cxn modelId="{C48BF702-723A-4ECD-BA6E-EC8B92971291}" srcId="{A99D1D09-03E3-455E-9E41-BE59FAF02762}" destId="{0EC5B3E7-4C2E-4BF4-92D9-B7FB06D767A5}" srcOrd="3" destOrd="0" parTransId="{8A34AAB8-55FB-4449-99C0-28DE8C33C1BA}" sibTransId="{5F4D3D1B-9D51-467F-8A67-034A5CF94490}"/>
-    <dgm:cxn modelId="{19D7D62A-666F-41F7-9D5C-AF620C4910F6}" srcId="{A99D1D09-03E3-455E-9E41-BE59FAF02762}" destId="{8F1289BE-DD7C-4A63-8837-BA69B040F8F0}" srcOrd="5" destOrd="0" parTransId="{2B5CA5E9-7840-4F65-90F6-433B3F3E591E}" sibTransId="{122CADE7-D357-42A3-818D-52191F626540}"/>
-    <dgm:cxn modelId="{789B210F-0BC9-4CE7-BDC7-F347BB491390}" type="presOf" srcId="{E76B18FF-0A22-44F7-A90D-4A2ACCF250E6}" destId="{C0EF204C-47E7-4D60-8A74-C3F91D43F84F}" srcOrd="0" destOrd="0" presId="urn:microsoft.com/office/officeart/2005/8/layout/chevron1"/>
-    <dgm:cxn modelId="{1860E767-C25C-4ED1-A38D-265EBF0E7B6D}" type="presOf" srcId="{0EC5B3E7-4C2E-4BF4-92D9-B7FB06D767A5}" destId="{3D4C531D-5E05-42E7-9E8A-FFAF4E9FE23F}" srcOrd="0" destOrd="0" presId="urn:microsoft.com/office/officeart/2005/8/layout/chevron1"/>
-    <dgm:cxn modelId="{6F2871A2-A1BB-4F7A-86D0-6FBF7506DAAE}" srcId="{A99D1D09-03E3-455E-9E41-BE59FAF02762}" destId="{ADB1AC0C-C80E-4553-B68A-B9ED25CA06E9}" srcOrd="8" destOrd="0" parTransId="{444DABAD-7B76-4BBB-9A80-5A26211C7573}" sibTransId="{71BD6C98-0063-4240-BB38-97D762BD5A92}"/>
     <dgm:cxn modelId="{3E3E1A3A-A206-4FFF-AD8D-7C0CC9799A68}" type="presParOf" srcId="{65F9B252-E640-4161-B138-F04E133526C0}" destId="{FD6E0CAB-ACAC-419F-B118-1B6D2CAAF881}" srcOrd="0" destOrd="0" presId="urn:microsoft.com/office/officeart/2005/8/layout/chevron1"/>
     <dgm:cxn modelId="{9866C69A-EB03-49EF-AE6B-76F8518BB9AE}" type="presParOf" srcId="{65F9B252-E640-4161-B138-F04E133526C0}" destId="{71F66531-5B77-4FA5-8E0C-4A11EAA8348D}" srcOrd="1" destOrd="0" presId="urn:microsoft.com/office/officeart/2005/8/layout/chevron1"/>
     <dgm:cxn modelId="{125875D1-5A17-4DC6-A26B-6DBA7542F8A9}" type="presParOf" srcId="{65F9B252-E640-4161-B138-F04E133526C0}" destId="{C0EF204C-47E7-4D60-8A74-C3F91D43F84F}" srcOrd="2" destOrd="0" presId="urn:microsoft.com/office/officeart/2005/8/layout/chevron1"/>
@@ -12366,6 +12366,13 @@
         </dgm:presLayoutVars>
       </dgm:prSet>
       <dgm:spPr/>
+      <dgm:t>
+        <a:bodyPr/>
+        <a:lstStyle/>
+        <a:p>
+          <a:endParaRPr lang="en-US"/>
+        </a:p>
+      </dgm:t>
     </dgm:pt>
     <dgm:pt modelId="{A8CE13D0-B6D0-4B39-A0B1-3D7A726F5A4D}" type="pres">
       <dgm:prSet presAssocID="{357E3B21-997C-4C6E-ABA4-BBAD12891520}" presName="parTxOnly" presStyleLbl="node1" presStyleIdx="0" presStyleCnt="9">
@@ -12376,6 +12383,13 @@
         </dgm:presLayoutVars>
       </dgm:prSet>
       <dgm:spPr/>
+      <dgm:t>
+        <a:bodyPr/>
+        <a:lstStyle/>
+        <a:p>
+          <a:endParaRPr lang="en-US"/>
+        </a:p>
+      </dgm:t>
     </dgm:pt>
     <dgm:pt modelId="{B08E3481-8569-446E-91CD-A99827E67E41}" type="pres">
       <dgm:prSet presAssocID="{303884A4-60CC-40B2-965F-6079DFD0DA86}" presName="parTxOnlySpace" presStyleCnt="0"/>
@@ -12390,6 +12404,13 @@
         </dgm:presLayoutVars>
       </dgm:prSet>
       <dgm:spPr/>
+      <dgm:t>
+        <a:bodyPr/>
+        <a:lstStyle/>
+        <a:p>
+          <a:endParaRPr lang="en-US"/>
+        </a:p>
+      </dgm:t>
     </dgm:pt>
     <dgm:pt modelId="{DDD17FA7-721B-4E4B-AFFD-F0A5CD857DF4}" type="pres">
       <dgm:prSet presAssocID="{92E226BA-7391-45ED-AF47-6C2EF586FB49}" presName="parTxOnlySpace" presStyleCnt="0"/>
@@ -12404,6 +12425,13 @@
         </dgm:presLayoutVars>
       </dgm:prSet>
       <dgm:spPr/>
+      <dgm:t>
+        <a:bodyPr/>
+        <a:lstStyle/>
+        <a:p>
+          <a:endParaRPr lang="en-US"/>
+        </a:p>
+      </dgm:t>
     </dgm:pt>
     <dgm:pt modelId="{EA86B01A-AFDA-4410-A8B6-498E08FA6331}" type="pres">
       <dgm:prSet presAssocID="{3B590487-B16F-439C-AA15-15F07D33E333}" presName="parTxOnlySpace" presStyleCnt="0"/>
@@ -12418,6 +12446,13 @@
         </dgm:presLayoutVars>
       </dgm:prSet>
       <dgm:spPr/>
+      <dgm:t>
+        <a:bodyPr/>
+        <a:lstStyle/>
+        <a:p>
+          <a:endParaRPr lang="en-US"/>
+        </a:p>
+      </dgm:t>
     </dgm:pt>
     <dgm:pt modelId="{3D889840-3935-4BDD-BD39-4478B03ECB47}" type="pres">
       <dgm:prSet presAssocID="{D7AF7D06-AD7B-42B4-9A36-9570C13DECEB}" presName="parTxOnlySpace" presStyleCnt="0"/>
@@ -12432,6 +12467,13 @@
         </dgm:presLayoutVars>
       </dgm:prSet>
       <dgm:spPr/>
+      <dgm:t>
+        <a:bodyPr/>
+        <a:lstStyle/>
+        <a:p>
+          <a:endParaRPr lang="en-US"/>
+        </a:p>
+      </dgm:t>
     </dgm:pt>
     <dgm:pt modelId="{EA84F895-3753-487F-840E-EF10E7E4BEA9}" type="pres">
       <dgm:prSet presAssocID="{4AF1FC4D-595A-430B-9AB9-9318417B172B}" presName="parTxOnlySpace" presStyleCnt="0"/>
@@ -12446,6 +12488,13 @@
         </dgm:presLayoutVars>
       </dgm:prSet>
       <dgm:spPr/>
+      <dgm:t>
+        <a:bodyPr/>
+        <a:lstStyle/>
+        <a:p>
+          <a:endParaRPr lang="en-US"/>
+        </a:p>
+      </dgm:t>
     </dgm:pt>
     <dgm:pt modelId="{5F6D5F60-C33E-4733-BE20-166E6B5DC3A7}" type="pres">
       <dgm:prSet presAssocID="{1DE313CF-52A9-400E-A7EA-591FA91485E6}" presName="parTxOnlySpace" presStyleCnt="0"/>
@@ -12460,6 +12509,13 @@
         </dgm:presLayoutVars>
       </dgm:prSet>
       <dgm:spPr/>
+      <dgm:t>
+        <a:bodyPr/>
+        <a:lstStyle/>
+        <a:p>
+          <a:endParaRPr lang="en-US"/>
+        </a:p>
+      </dgm:t>
     </dgm:pt>
     <dgm:pt modelId="{70C8FBB5-EBFA-4F20-AD40-899725D70CC5}" type="pres">
       <dgm:prSet presAssocID="{A0ECAFD1-63A2-472E-A9F4-EEAC7A6B0A44}" presName="parTxOnlySpace" presStyleCnt="0"/>
@@ -12474,6 +12530,13 @@
         </dgm:presLayoutVars>
       </dgm:prSet>
       <dgm:spPr/>
+      <dgm:t>
+        <a:bodyPr/>
+        <a:lstStyle/>
+        <a:p>
+          <a:endParaRPr lang="en-US"/>
+        </a:p>
+      </dgm:t>
     </dgm:pt>
     <dgm:pt modelId="{63030954-492A-4B89-B9DA-C88F832BBA3D}" type="pres">
       <dgm:prSet presAssocID="{692F2119-B066-4303-A6CF-33F300E41904}" presName="parTxOnlySpace" presStyleCnt="0"/>
@@ -12488,6 +12551,13 @@
         </dgm:presLayoutVars>
       </dgm:prSet>
       <dgm:spPr/>
+      <dgm:t>
+        <a:bodyPr/>
+        <a:lstStyle/>
+        <a:p>
+          <a:endParaRPr lang="en-US"/>
+        </a:p>
+      </dgm:t>
     </dgm:pt>
   </dgm:ptLst>
   <dgm:cxnLst>
@@ -12495,8 +12565,8 @@
     <dgm:cxn modelId="{6BF5AC4B-F4C7-4E1E-AC12-736AE263874F}" srcId="{A99D1D09-03E3-455E-9E41-BE59FAF02762}" destId="{EEB16369-227A-4F73-99E8-3046BC2153CC}" srcOrd="3" destOrd="0" parTransId="{A1C9E283-FCA1-4B63-85FC-28EA3E1DC86B}" sibTransId="{D7AF7D06-AD7B-42B4-9A36-9570C13DECEB}"/>
     <dgm:cxn modelId="{7F9ACCAC-E9ED-4E0A-9482-1ED00ED91868}" type="presOf" srcId="{D11A6A48-2CCE-488D-804E-B869CA04C699}" destId="{A3568ACC-247E-493B-BFA0-06172138FD55}" srcOrd="0" destOrd="0" presId="urn:microsoft.com/office/officeart/2005/8/layout/chevron1"/>
     <dgm:cxn modelId="{54CB6358-10F7-4016-A570-782BC85805D1}" type="presOf" srcId="{EEB16369-227A-4F73-99E8-3046BC2153CC}" destId="{00AEE490-3D42-45B7-BA7B-777DC8754998}" srcOrd="0" destOrd="0" presId="urn:microsoft.com/office/officeart/2005/8/layout/chevron1"/>
+    <dgm:cxn modelId="{DB880A6C-7C08-4D92-8180-7AD5F0E8ACF7}" type="presOf" srcId="{B589BAAF-1177-4FA2-B99D-921E6294EE94}" destId="{D7286C2B-CFA9-46A5-98D2-F1AEAAD85EEE}" srcOrd="0" destOrd="0" presId="urn:microsoft.com/office/officeart/2005/8/layout/chevron1"/>
     <dgm:cxn modelId="{97D929A6-3113-464C-8E34-B4C0C2279ADC}" srcId="{A99D1D09-03E3-455E-9E41-BE59FAF02762}" destId="{425F72D4-B01A-4688-855B-1113EEBEABEF}" srcOrd="7" destOrd="0" parTransId="{F1C7930F-F8E7-481C-907F-5CEEE4C63A42}" sibTransId="{692F2119-B066-4303-A6CF-33F300E41904}"/>
-    <dgm:cxn modelId="{DB880A6C-7C08-4D92-8180-7AD5F0E8ACF7}" type="presOf" srcId="{B589BAAF-1177-4FA2-B99D-921E6294EE94}" destId="{D7286C2B-CFA9-46A5-98D2-F1AEAAD85EEE}" srcOrd="0" destOrd="0" presId="urn:microsoft.com/office/officeart/2005/8/layout/chevron1"/>
     <dgm:cxn modelId="{79B8B12E-18EF-4893-86C7-C5DA761503D5}" type="presOf" srcId="{D20EA25F-4E78-45B9-BADA-2C047A660FE5}" destId="{E79756B4-BDE4-4A97-88AB-FE5D1E732813}" srcOrd="0" destOrd="0" presId="urn:microsoft.com/office/officeart/2005/8/layout/chevron1"/>
     <dgm:cxn modelId="{7AD3C438-CDCB-4536-859E-1CE77B1548CB}" srcId="{A99D1D09-03E3-455E-9E41-BE59FAF02762}" destId="{357E3B21-997C-4C6E-ABA4-BBAD12891520}" srcOrd="0" destOrd="0" parTransId="{AAD9265D-EF4C-443B-BC4B-532C97D8A4C3}" sibTransId="{303884A4-60CC-40B2-965F-6079DFD0DA86}"/>
     <dgm:cxn modelId="{44549331-21DF-4F7D-8C4E-F5E8A14C19C7}" srcId="{A99D1D09-03E3-455E-9E41-BE59FAF02762}" destId="{D20EA25F-4E78-45B9-BADA-2C047A660FE5}" srcOrd="2" destOrd="0" parTransId="{9E08477F-F84A-4B7D-8A16-B32065E04F86}" sibTransId="{3B590487-B16F-439C-AA15-15F07D33E333}"/>
@@ -12532,7 +12602,7 @@
   <dgm:whole/>
   <dgm:extLst>
     <a:ext uri="http://schemas.microsoft.com/office/drawing/2008/diagram">
-      <dsp:dataModelExt xmlns:dsp="http://schemas.microsoft.com/office/drawing/2008/diagram" xmlns="" relId="rId6" minVer="http://schemas.openxmlformats.org/drawingml/2006/diagram"/>
+      <dsp:dataModelExt xmlns:dsp="http://schemas.microsoft.com/office/drawing/2008/diagram" xmlns="" relId="rId7" minVer="http://schemas.openxmlformats.org/drawingml/2006/diagram"/>
     </a:ext>
   </dgm:extLst>
 </dgm:dataModel>
@@ -12940,6 +13010,13 @@
         </dgm:presLayoutVars>
       </dgm:prSet>
       <dgm:spPr/>
+      <dgm:t>
+        <a:bodyPr/>
+        <a:lstStyle/>
+        <a:p>
+          <a:endParaRPr lang="en-US"/>
+        </a:p>
+      </dgm:t>
     </dgm:pt>
     <dgm:pt modelId="{D2201DFE-69C9-49EE-AD62-634CA9FBC2F6}" type="pres">
       <dgm:prSet presAssocID="{D8AE3FB1-8BBF-42B1-95D6-7F0158BB94BB}" presName="parTxOnly" presStyleLbl="node1" presStyleIdx="0" presStyleCnt="9">
@@ -12950,6 +13027,13 @@
         </dgm:presLayoutVars>
       </dgm:prSet>
       <dgm:spPr/>
+      <dgm:t>
+        <a:bodyPr/>
+        <a:lstStyle/>
+        <a:p>
+          <a:endParaRPr lang="en-US"/>
+        </a:p>
+      </dgm:t>
     </dgm:pt>
     <dgm:pt modelId="{04256661-5CEB-41E5-8116-4FAFC95BECF3}" type="pres">
       <dgm:prSet presAssocID="{08EE9A40-A30A-456E-9814-CC3554CF39A3}" presName="parTxOnlySpace" presStyleCnt="0"/>
@@ -12964,6 +13048,13 @@
         </dgm:presLayoutVars>
       </dgm:prSet>
       <dgm:spPr/>
+      <dgm:t>
+        <a:bodyPr/>
+        <a:lstStyle/>
+        <a:p>
+          <a:endParaRPr lang="en-US"/>
+        </a:p>
+      </dgm:t>
     </dgm:pt>
     <dgm:pt modelId="{7FE1E6DA-4EB5-43D3-9F3D-0BEA16B67D47}" type="pres">
       <dgm:prSet presAssocID="{B605BF13-BD59-461B-81D3-51831FFEE460}" presName="parTxOnlySpace" presStyleCnt="0"/>
@@ -12978,6 +13069,13 @@
         </dgm:presLayoutVars>
       </dgm:prSet>
       <dgm:spPr/>
+      <dgm:t>
+        <a:bodyPr/>
+        <a:lstStyle/>
+        <a:p>
+          <a:endParaRPr lang="en-US"/>
+        </a:p>
+      </dgm:t>
     </dgm:pt>
     <dgm:pt modelId="{4A07CFF7-24AA-45CA-BF23-F0033CA5A82E}" type="pres">
       <dgm:prSet presAssocID="{97604772-5B3B-47DC-A955-461A0DC4D526}" presName="parTxOnlySpace" presStyleCnt="0"/>
@@ -12992,6 +13090,13 @@
         </dgm:presLayoutVars>
       </dgm:prSet>
       <dgm:spPr/>
+      <dgm:t>
+        <a:bodyPr/>
+        <a:lstStyle/>
+        <a:p>
+          <a:endParaRPr lang="en-US"/>
+        </a:p>
+      </dgm:t>
     </dgm:pt>
     <dgm:pt modelId="{DC0F1E75-5503-45B4-8CA9-4E6F576C4A9B}" type="pres">
       <dgm:prSet presAssocID="{3F21E1AB-5D46-4703-BC39-336049C31C8E}" presName="parTxOnlySpace" presStyleCnt="0"/>
@@ -13006,6 +13111,13 @@
         </dgm:presLayoutVars>
       </dgm:prSet>
       <dgm:spPr/>
+      <dgm:t>
+        <a:bodyPr/>
+        <a:lstStyle/>
+        <a:p>
+          <a:endParaRPr lang="en-US"/>
+        </a:p>
+      </dgm:t>
     </dgm:pt>
     <dgm:pt modelId="{E1B5A4EC-C73D-4229-9EC9-63AD18661B63}" type="pres">
       <dgm:prSet presAssocID="{C27DA05C-1A10-4B8F-82D4-404320DB6AD5}" presName="parTxOnlySpace" presStyleCnt="0"/>
@@ -13020,6 +13132,13 @@
         </dgm:presLayoutVars>
       </dgm:prSet>
       <dgm:spPr/>
+      <dgm:t>
+        <a:bodyPr/>
+        <a:lstStyle/>
+        <a:p>
+          <a:endParaRPr lang="en-US"/>
+        </a:p>
+      </dgm:t>
     </dgm:pt>
     <dgm:pt modelId="{73F59EA3-08F2-42C3-B3E8-FD49F67AF783}" type="pres">
       <dgm:prSet presAssocID="{1DA8E2E2-ACE2-4809-9E1A-02C38495D592}" presName="parTxOnlySpace" presStyleCnt="0"/>
@@ -13034,6 +13153,13 @@
         </dgm:presLayoutVars>
       </dgm:prSet>
       <dgm:spPr/>
+      <dgm:t>
+        <a:bodyPr/>
+        <a:lstStyle/>
+        <a:p>
+          <a:endParaRPr lang="en-US"/>
+        </a:p>
+      </dgm:t>
     </dgm:pt>
     <dgm:pt modelId="{7A78D98F-1B5A-4FFA-B45E-54B4544AF8EF}" type="pres">
       <dgm:prSet presAssocID="{8F924991-34D6-407E-A641-5673C19C2108}" presName="parTxOnlySpace" presStyleCnt="0"/>
@@ -13048,6 +13174,13 @@
         </dgm:presLayoutVars>
       </dgm:prSet>
       <dgm:spPr/>
+      <dgm:t>
+        <a:bodyPr/>
+        <a:lstStyle/>
+        <a:p>
+          <a:endParaRPr lang="en-US"/>
+        </a:p>
+      </dgm:t>
     </dgm:pt>
     <dgm:pt modelId="{4C4EB399-0146-48A5-BDB1-04FC03E07E4C}" type="pres">
       <dgm:prSet presAssocID="{BA3BCD82-9B1E-4F56-AEA1-C3725BFEF750}" presName="parTxOnlySpace" presStyleCnt="0"/>
@@ -13062,28 +13195,35 @@
         </dgm:presLayoutVars>
       </dgm:prSet>
       <dgm:spPr/>
+      <dgm:t>
+        <a:bodyPr/>
+        <a:lstStyle/>
+        <a:p>
+          <a:endParaRPr lang="en-US"/>
+        </a:p>
+      </dgm:t>
     </dgm:pt>
   </dgm:ptLst>
   <dgm:cxnLst>
+    <dgm:cxn modelId="{30342990-EC9F-4948-A4E1-6C4800CAAC49}" type="presOf" srcId="{9DD45F7A-B0C8-4C2B-A538-01F8910C0269}" destId="{84EB2283-05B4-4A4A-A400-ECE9D2A13645}" srcOrd="0" destOrd="0" presId="urn:microsoft.com/office/officeart/2005/8/layout/chevron1"/>
     <dgm:cxn modelId="{C12B2B68-8AE9-4080-8318-D627D2EA732F}" srcId="{A99D1D09-03E3-455E-9E41-BE59FAF02762}" destId="{9DD45F7A-B0C8-4C2B-A538-01F8910C0269}" srcOrd="3" destOrd="0" parTransId="{999802F2-2939-444C-AD69-25AF039F9257}" sibTransId="{3F21E1AB-5D46-4703-BC39-336049C31C8E}"/>
-    <dgm:cxn modelId="{1D329398-4277-4087-86D2-503D21FA8B76}" srcId="{A99D1D09-03E3-455E-9E41-BE59FAF02762}" destId="{C798A6AD-4A98-4CAE-AE7D-3A80757F4772}" srcOrd="5" destOrd="0" parTransId="{5C27468A-1E09-48D5-8FD3-3368B7A91AA0}" sibTransId="{1DA8E2E2-ACE2-4809-9E1A-02C38495D592}"/>
-    <dgm:cxn modelId="{708AF363-48FD-4B34-B194-1723A098FECB}" type="presOf" srcId="{84E2AC4F-DE88-4CE4-ADB6-9127F3706523}" destId="{E8731090-C2BB-4BB6-918F-DE59A657F7F3}" srcOrd="0" destOrd="0" presId="urn:microsoft.com/office/officeart/2005/8/layout/chevron1"/>
-    <dgm:cxn modelId="{30342990-EC9F-4948-A4E1-6C4800CAAC49}" type="presOf" srcId="{9DD45F7A-B0C8-4C2B-A538-01F8910C0269}" destId="{84EB2283-05B4-4A4A-A400-ECE9D2A13645}" srcOrd="0" destOrd="0" presId="urn:microsoft.com/office/officeart/2005/8/layout/chevron1"/>
-    <dgm:cxn modelId="{C5755C04-58CE-431C-9F30-F7CA05244B61}" type="presOf" srcId="{5894FFAE-B434-4A45-AC45-32ED71F1FA65}" destId="{9874D4F5-A16B-4420-97DE-97DE0BDF9030}" srcOrd="0" destOrd="0" presId="urn:microsoft.com/office/officeart/2005/8/layout/chevron1"/>
-    <dgm:cxn modelId="{859C6B08-53EA-4AC0-8CD2-DB466C72E20E}" srcId="{A99D1D09-03E3-455E-9E41-BE59FAF02762}" destId="{DF24E953-2666-44CE-9793-8E85DCFD01E5}" srcOrd="1" destOrd="0" parTransId="{91FCDF71-7710-42E9-AC26-B84C52FC91E2}" sibTransId="{B605BF13-BD59-461B-81D3-51831FFEE460}"/>
-    <dgm:cxn modelId="{3E1DE0D7-AB30-4147-98F9-D87EEFA26EC9}" srcId="{A99D1D09-03E3-455E-9E41-BE59FAF02762}" destId="{7C6C0FA1-BBD7-4538-A8F3-5C0E29D4FA65}" srcOrd="7" destOrd="0" parTransId="{44CEFF18-8C50-40AC-90FD-92A209CB3B68}" sibTransId="{BA3BCD82-9B1E-4F56-AEA1-C3725BFEF750}"/>
+    <dgm:cxn modelId="{FB4EAE9D-292D-429D-9E5F-C224FAD8BC13}" srcId="{A99D1D09-03E3-455E-9E41-BE59FAF02762}" destId="{5894FFAE-B434-4A45-AC45-32ED71F1FA65}" srcOrd="2" destOrd="0" parTransId="{3E937B78-94EB-4265-9F7B-A7E52EAF10B6}" sibTransId="{97604772-5B3B-47DC-A955-461A0DC4D526}"/>
+    <dgm:cxn modelId="{7DAA6096-AB97-4519-BF68-2F9F53FB8344}" type="presOf" srcId="{C798A6AD-4A98-4CAE-AE7D-3A80757F4772}" destId="{99389D92-CF26-4D9C-BFDA-02D8E4E66AFE}" srcOrd="0" destOrd="0" presId="urn:microsoft.com/office/officeart/2005/8/layout/chevron1"/>
+    <dgm:cxn modelId="{E7EC4BE0-3DB0-4ECA-B4BB-F315B0904DC5}" srcId="{A99D1D09-03E3-455E-9E41-BE59FAF02762}" destId="{D8AE3FB1-8BBF-42B1-95D6-7F0158BB94BB}" srcOrd="0" destOrd="0" parTransId="{9FD56D2A-6535-49DE-B7BE-4BAB29B5A823}" sibTransId="{08EE9A40-A30A-456E-9814-CC3554CF39A3}"/>
     <dgm:cxn modelId="{1F198EF0-28FC-49D4-B98B-AAA9555FDFBC}" type="presOf" srcId="{D8AE3FB1-8BBF-42B1-95D6-7F0158BB94BB}" destId="{D2201DFE-69C9-49EE-AD62-634CA9FBC2F6}" srcOrd="0" destOrd="0" presId="urn:microsoft.com/office/officeart/2005/8/layout/chevron1"/>
-    <dgm:cxn modelId="{8F159FCA-5D46-4A7A-9327-C0E248396A1C}" type="presOf" srcId="{A99D1D09-03E3-455E-9E41-BE59FAF02762}" destId="{65F9B252-E640-4161-B138-F04E133526C0}" srcOrd="0" destOrd="0" presId="urn:microsoft.com/office/officeart/2005/8/layout/chevron1"/>
-    <dgm:cxn modelId="{6179BE63-1646-4ABC-9D41-47ECCFAED8CC}" type="presOf" srcId="{7C6C0FA1-BBD7-4538-A8F3-5C0E29D4FA65}" destId="{DC6383D4-3471-412B-A3FB-642D060D657D}" srcOrd="0" destOrd="0" presId="urn:microsoft.com/office/officeart/2005/8/layout/chevron1"/>
-    <dgm:cxn modelId="{E7EC4BE0-3DB0-4ECA-B4BB-F315B0904DC5}" srcId="{A99D1D09-03E3-455E-9E41-BE59FAF02762}" destId="{D8AE3FB1-8BBF-42B1-95D6-7F0158BB94BB}" srcOrd="0" destOrd="0" parTransId="{9FD56D2A-6535-49DE-B7BE-4BAB29B5A823}" sibTransId="{08EE9A40-A30A-456E-9814-CC3554CF39A3}"/>
-    <dgm:cxn modelId="{7DAA6096-AB97-4519-BF68-2F9F53FB8344}" type="presOf" srcId="{C798A6AD-4A98-4CAE-AE7D-3A80757F4772}" destId="{99389D92-CF26-4D9C-BFDA-02D8E4E66AFE}" srcOrd="0" destOrd="0" presId="urn:microsoft.com/office/officeart/2005/8/layout/chevron1"/>
-    <dgm:cxn modelId="{C039A9C0-274A-4C3B-A15A-A4DE4B61D777}" type="presOf" srcId="{DF24E953-2666-44CE-9793-8E85DCFD01E5}" destId="{E3FD7227-9C9F-4290-B225-B4A7CBA5F7CF}" srcOrd="0" destOrd="0" presId="urn:microsoft.com/office/officeart/2005/8/layout/chevron1"/>
-    <dgm:cxn modelId="{FB4EAE9D-292D-429D-9E5F-C224FAD8BC13}" srcId="{A99D1D09-03E3-455E-9E41-BE59FAF02762}" destId="{5894FFAE-B434-4A45-AC45-32ED71F1FA65}" srcOrd="2" destOrd="0" parTransId="{3E937B78-94EB-4265-9F7B-A7E52EAF10B6}" sibTransId="{97604772-5B3B-47DC-A955-461A0DC4D526}"/>
     <dgm:cxn modelId="{6965BCDD-F2E2-48BF-9309-508F80006965}" srcId="{A99D1D09-03E3-455E-9E41-BE59FAF02762}" destId="{4A3E82CD-6394-4C69-BD2C-14E0F1990CEC}" srcOrd="6" destOrd="0" parTransId="{EBF3F69B-85E1-46C8-8D3E-942B7C2018DF}" sibTransId="{8F924991-34D6-407E-A641-5673C19C2108}"/>
     <dgm:cxn modelId="{DF81AA8E-8F08-4FE7-B958-806F346738E9}" srcId="{A99D1D09-03E3-455E-9E41-BE59FAF02762}" destId="{E5BB49DC-C2E2-4D2A-9AFE-94E4A49AD47E}" srcOrd="8" destOrd="0" parTransId="{FF01A651-62C5-4E0C-BF09-B9FAAC11FE21}" sibTransId="{5796C685-CFA3-4AC2-96FF-ACB64D76C417}"/>
+    <dgm:cxn modelId="{859C6B08-53EA-4AC0-8CD2-DB466C72E20E}" srcId="{A99D1D09-03E3-455E-9E41-BE59FAF02762}" destId="{DF24E953-2666-44CE-9793-8E85DCFD01E5}" srcOrd="1" destOrd="0" parTransId="{91FCDF71-7710-42E9-AC26-B84C52FC91E2}" sibTransId="{B605BF13-BD59-461B-81D3-51831FFEE460}"/>
+    <dgm:cxn modelId="{EE652609-38EA-4C7C-8559-ACA0E8E72B60}" type="presOf" srcId="{4A3E82CD-6394-4C69-BD2C-14E0F1990CEC}" destId="{35C42C90-1169-462D-8AA8-1180A948B17A}" srcOrd="0" destOrd="0" presId="urn:microsoft.com/office/officeart/2005/8/layout/chevron1"/>
+    <dgm:cxn modelId="{6179BE63-1646-4ABC-9D41-47ECCFAED8CC}" type="presOf" srcId="{7C6C0FA1-BBD7-4538-A8F3-5C0E29D4FA65}" destId="{DC6383D4-3471-412B-A3FB-642D060D657D}" srcOrd="0" destOrd="0" presId="urn:microsoft.com/office/officeart/2005/8/layout/chevron1"/>
+    <dgm:cxn modelId="{8F159FCA-5D46-4A7A-9327-C0E248396A1C}" type="presOf" srcId="{A99D1D09-03E3-455E-9E41-BE59FAF02762}" destId="{65F9B252-E640-4161-B138-F04E133526C0}" srcOrd="0" destOrd="0" presId="urn:microsoft.com/office/officeart/2005/8/layout/chevron1"/>
+    <dgm:cxn modelId="{C5755C04-58CE-431C-9F30-F7CA05244B61}" type="presOf" srcId="{5894FFAE-B434-4A45-AC45-32ED71F1FA65}" destId="{9874D4F5-A16B-4420-97DE-97DE0BDF9030}" srcOrd="0" destOrd="0" presId="urn:microsoft.com/office/officeart/2005/8/layout/chevron1"/>
     <dgm:cxn modelId="{629CB0FB-83C5-413F-928C-7B9BEAC4535F}" type="presOf" srcId="{E5BB49DC-C2E2-4D2A-9AFE-94E4A49AD47E}" destId="{3710451C-C962-4116-99C4-B85B06962AA2}" srcOrd="0" destOrd="0" presId="urn:microsoft.com/office/officeart/2005/8/layout/chevron1"/>
+    <dgm:cxn modelId="{3E1DE0D7-AB30-4147-98F9-D87EEFA26EC9}" srcId="{A99D1D09-03E3-455E-9E41-BE59FAF02762}" destId="{7C6C0FA1-BBD7-4538-A8F3-5C0E29D4FA65}" srcOrd="7" destOrd="0" parTransId="{44CEFF18-8C50-40AC-90FD-92A209CB3B68}" sibTransId="{BA3BCD82-9B1E-4F56-AEA1-C3725BFEF750}"/>
+    <dgm:cxn modelId="{1D329398-4277-4087-86D2-503D21FA8B76}" srcId="{A99D1D09-03E3-455E-9E41-BE59FAF02762}" destId="{C798A6AD-4A98-4CAE-AE7D-3A80757F4772}" srcOrd="5" destOrd="0" parTransId="{5C27468A-1E09-48D5-8FD3-3368B7A91AA0}" sibTransId="{1DA8E2E2-ACE2-4809-9E1A-02C38495D592}"/>
+    <dgm:cxn modelId="{C039A9C0-274A-4C3B-A15A-A4DE4B61D777}" type="presOf" srcId="{DF24E953-2666-44CE-9793-8E85DCFD01E5}" destId="{E3FD7227-9C9F-4290-B225-B4A7CBA5F7CF}" srcOrd="0" destOrd="0" presId="urn:microsoft.com/office/officeart/2005/8/layout/chevron1"/>
     <dgm:cxn modelId="{F473F099-0588-44DB-B3E8-D4257BF1B252}" srcId="{A99D1D09-03E3-455E-9E41-BE59FAF02762}" destId="{84E2AC4F-DE88-4CE4-ADB6-9127F3706523}" srcOrd="4" destOrd="0" parTransId="{3671058E-AA20-4F58-AAF6-BE8ED6212BFA}" sibTransId="{C27DA05C-1A10-4B8F-82D4-404320DB6AD5}"/>
-    <dgm:cxn modelId="{EE652609-38EA-4C7C-8559-ACA0E8E72B60}" type="presOf" srcId="{4A3E82CD-6394-4C69-BD2C-14E0F1990CEC}" destId="{35C42C90-1169-462D-8AA8-1180A948B17A}" srcOrd="0" destOrd="0" presId="urn:microsoft.com/office/officeart/2005/8/layout/chevron1"/>
+    <dgm:cxn modelId="{708AF363-48FD-4B34-B194-1723A098FECB}" type="presOf" srcId="{84E2AC4F-DE88-4CE4-ADB6-9127F3706523}" destId="{E8731090-C2BB-4BB6-918F-DE59A657F7F3}" srcOrd="0" destOrd="0" presId="urn:microsoft.com/office/officeart/2005/8/layout/chevron1"/>
     <dgm:cxn modelId="{1CB90DA9-CCAC-4CE2-9511-1606FE9BF93E}" type="presParOf" srcId="{65F9B252-E640-4161-B138-F04E133526C0}" destId="{D2201DFE-69C9-49EE-AD62-634CA9FBC2F6}" srcOrd="0" destOrd="0" presId="urn:microsoft.com/office/officeart/2005/8/layout/chevron1"/>
     <dgm:cxn modelId="{049B4A9E-B130-4760-80D5-D8237CB005B1}" type="presParOf" srcId="{65F9B252-E640-4161-B138-F04E133526C0}" destId="{04256661-5CEB-41E5-8116-4FAFC95BECF3}" srcOrd="1" destOrd="0" presId="urn:microsoft.com/office/officeart/2005/8/layout/chevron1"/>
     <dgm:cxn modelId="{2F0B4418-B92D-4371-9D1F-40F93CB6558E}" type="presParOf" srcId="{65F9B252-E640-4161-B138-F04E133526C0}" destId="{E3FD7227-9C9F-4290-B225-B4A7CBA5F7CF}" srcOrd="2" destOrd="0" presId="urn:microsoft.com/office/officeart/2005/8/layout/chevron1"/>
@@ -13602,6 +13742,13 @@
         </dgm:presLayoutVars>
       </dgm:prSet>
       <dgm:spPr/>
+      <dgm:t>
+        <a:bodyPr/>
+        <a:lstStyle/>
+        <a:p>
+          <a:endParaRPr lang="en-US"/>
+        </a:p>
+      </dgm:t>
     </dgm:pt>
     <dgm:pt modelId="{847ACE30-1C9C-46C2-B336-ABF714EDC2DF}" type="pres">
       <dgm:prSet presAssocID="{B264D395-7C78-41C2-A2FC-88DBBCB987FA}" presName="parTxOnlySpace" presStyleCnt="0"/>
@@ -13638,6 +13785,13 @@
         </dgm:presLayoutVars>
       </dgm:prSet>
       <dgm:spPr/>
+      <dgm:t>
+        <a:bodyPr/>
+        <a:lstStyle/>
+        <a:p>
+          <a:endParaRPr lang="en-US"/>
+        </a:p>
+      </dgm:t>
     </dgm:pt>
     <dgm:pt modelId="{7C72BC1C-F4DF-45AC-9AEB-C7C146985FF9}" type="pres">
       <dgm:prSet presAssocID="{51A7B21D-95A0-4ACB-A9D4-689B9452DB9A}" presName="parTxOnlySpace" presStyleCnt="0"/>
@@ -13663,25 +13817,25 @@
     </dgm:pt>
   </dgm:ptLst>
   <dgm:cxnLst>
+    <dgm:cxn modelId="{FB6DD15B-7ABC-4317-86BF-D587C8FD549A}" type="presOf" srcId="{0EC5B3E7-4C2E-4BF4-92D9-B7FB06D767A5}" destId="{3D4C531D-5E05-42E7-9E8A-FFAF4E9FE23F}" srcOrd="0" destOrd="0" presId="urn:microsoft.com/office/officeart/2005/8/layout/chevron1"/>
+    <dgm:cxn modelId="{3D293DB5-4380-4DC5-B9E1-364E900154C3}" type="presOf" srcId="{CDFDC68C-A9B9-4CED-A91E-186AADF8D57B}" destId="{2DCCB369-6422-4B00-A934-ABD3F7152F42}" srcOrd="0" destOrd="0" presId="urn:microsoft.com/office/officeart/2005/8/layout/chevron1"/>
+    <dgm:cxn modelId="{72C93752-A7F3-4D4A-8719-959D0BE534AD}" type="presOf" srcId="{34073B4A-510E-47BE-9DA1-BBB95DC65D58}" destId="{FD6E0CAB-ACAC-419F-B118-1B6D2CAAF881}" srcOrd="0" destOrd="0" presId="urn:microsoft.com/office/officeart/2005/8/layout/chevron1"/>
+    <dgm:cxn modelId="{5210F7C9-1FB8-4F73-8518-09CEDFAAC86B}" type="presOf" srcId="{A99D1D09-03E3-455E-9E41-BE59FAF02762}" destId="{65F9B252-E640-4161-B138-F04E133526C0}" srcOrd="0" destOrd="0" presId="urn:microsoft.com/office/officeart/2005/8/layout/chevron1"/>
+    <dgm:cxn modelId="{858DB1FF-B0D5-4B51-A9A7-DCC13B0F170F}" type="presOf" srcId="{CD9A5499-ACC9-4C39-A1AE-6D751F55DF80}" destId="{2693F262-02E8-4852-965D-83A184ACB21E}" srcOrd="0" destOrd="0" presId="urn:microsoft.com/office/officeart/2005/8/layout/chevron1"/>
+    <dgm:cxn modelId="{6C97D02A-EF14-44F5-BAB9-C5F95527D410}" srcId="{A99D1D09-03E3-455E-9E41-BE59FAF02762}" destId="{EC4C33D7-EC32-4747-B45A-EDF5BA4C0538}" srcOrd="7" destOrd="0" parTransId="{3F039D8C-ABD1-4813-884D-1918905C02D0}" sibTransId="{51A7B21D-95A0-4ACB-A9D4-689B9452DB9A}"/>
+    <dgm:cxn modelId="{74101973-9614-4E89-A649-F0C4E927C23E}" srcId="{A99D1D09-03E3-455E-9E41-BE59FAF02762}" destId="{CDFDC68C-A9B9-4CED-A91E-186AADF8D57B}" srcOrd="6" destOrd="0" parTransId="{B183CF44-C600-4578-AFB8-AF85AB03C108}" sibTransId="{2E4FDDBD-5AF0-404E-8BBF-0C7CFA6DD67B}"/>
+    <dgm:cxn modelId="{6F2871A2-A1BB-4F7A-86D0-6FBF7506DAAE}" srcId="{A99D1D09-03E3-455E-9E41-BE59FAF02762}" destId="{ADB1AC0C-C80E-4553-B68A-B9ED25CA06E9}" srcOrd="8" destOrd="0" parTransId="{444DABAD-7B76-4BBB-9A80-5A26211C7573}" sibTransId="{71BD6C98-0063-4240-BB38-97D762BD5A92}"/>
     <dgm:cxn modelId="{92AF3478-CC38-4F5C-B9FD-0EF3C2094110}" type="presOf" srcId="{FDBAF0B1-2048-49B7-B5EB-CC3E29D91963}" destId="{0D749ED6-4D2E-4837-81E5-75DEFA6553D5}" srcOrd="0" destOrd="0" presId="urn:microsoft.com/office/officeart/2005/8/layout/chevron1"/>
+    <dgm:cxn modelId="{7B4BD2B0-11C6-4A67-85D4-1E2D6B0CD7CF}" srcId="{A99D1D09-03E3-455E-9E41-BE59FAF02762}" destId="{E76B18FF-0A22-44F7-A90D-4A2ACCF250E6}" srcOrd="1" destOrd="0" parTransId="{6104FC49-46C6-49FA-A587-07E8C72FAF20}" sibTransId="{457E3304-672E-4FF8-8444-5CDF3A9EF271}"/>
+    <dgm:cxn modelId="{0BA8E660-9974-4469-B166-04B725AC2478}" srcId="{A99D1D09-03E3-455E-9E41-BE59FAF02762}" destId="{34073B4A-510E-47BE-9DA1-BBB95DC65D58}" srcOrd="0" destOrd="0" parTransId="{CCEFF9A9-37F8-4F35-A132-635401313468}" sibTransId="{5654DA42-7522-44AD-BAE1-E81DACF0A806}"/>
     <dgm:cxn modelId="{A12E74D7-D904-4588-B506-2D4F06897082}" type="presOf" srcId="{ADB1AC0C-C80E-4553-B68A-B9ED25CA06E9}" destId="{C0DB5679-3723-4D0A-943A-C159495F7D3C}" srcOrd="0" destOrd="0" presId="urn:microsoft.com/office/officeart/2005/8/layout/chevron1"/>
-    <dgm:cxn modelId="{6C97D02A-EF14-44F5-BAB9-C5F95527D410}" srcId="{A99D1D09-03E3-455E-9E41-BE59FAF02762}" destId="{EC4C33D7-EC32-4747-B45A-EDF5BA4C0538}" srcOrd="7" destOrd="0" parTransId="{3F039D8C-ABD1-4813-884D-1918905C02D0}" sibTransId="{51A7B21D-95A0-4ACB-A9D4-689B9452DB9A}"/>
-    <dgm:cxn modelId="{7B4BD2B0-11C6-4A67-85D4-1E2D6B0CD7CF}" srcId="{A99D1D09-03E3-455E-9E41-BE59FAF02762}" destId="{E76B18FF-0A22-44F7-A90D-4A2ACCF250E6}" srcOrd="1" destOrd="0" parTransId="{6104FC49-46C6-49FA-A587-07E8C72FAF20}" sibTransId="{457E3304-672E-4FF8-8444-5CDF3A9EF271}"/>
-    <dgm:cxn modelId="{1CE8D106-BFD3-42C3-9213-092FCDA426BE}" srcId="{A99D1D09-03E3-455E-9E41-BE59FAF02762}" destId="{CD9A5499-ACC9-4C39-A1AE-6D751F55DF80}" srcOrd="5" destOrd="0" parTransId="{7687E066-0979-490C-8D25-1B5740F76F30}" sibTransId="{B264D395-7C78-41C2-A2FC-88DBBCB987FA}"/>
-    <dgm:cxn modelId="{74101973-9614-4E89-A649-F0C4E927C23E}" srcId="{A99D1D09-03E3-455E-9E41-BE59FAF02762}" destId="{CDFDC68C-A9B9-4CED-A91E-186AADF8D57B}" srcOrd="6" destOrd="0" parTransId="{B183CF44-C600-4578-AFB8-AF85AB03C108}" sibTransId="{2E4FDDBD-5AF0-404E-8BBF-0C7CFA6DD67B}"/>
+    <dgm:cxn modelId="{4F9B6C61-EDBA-41A1-BBEC-E79A35AB7EE5}" type="presOf" srcId="{EC4C33D7-EC32-4747-B45A-EDF5BA4C0538}" destId="{BA8ACBC6-45A2-425D-8D4B-E81F751B4886}" srcOrd="0" destOrd="0" presId="urn:microsoft.com/office/officeart/2005/8/layout/chevron1"/>
+    <dgm:cxn modelId="{0E86A5A7-A607-41A6-8F6C-58182A11B299}" type="presOf" srcId="{0EE1BA67-1B0C-4552-A497-93C4D025B156}" destId="{0A2E70FD-7832-4C83-9F49-710889BED68A}" srcOrd="0" destOrd="0" presId="urn:microsoft.com/office/officeart/2005/8/layout/chevron1"/>
     <dgm:cxn modelId="{60921007-7621-49D0-BB2B-240B6422F0C8}" srcId="{A99D1D09-03E3-455E-9E41-BE59FAF02762}" destId="{0EE1BA67-1B0C-4552-A497-93C4D025B156}" srcOrd="2" destOrd="0" parTransId="{DB15AC51-8154-4D58-A6A2-1ED49CAEFDFB}" sibTransId="{96517727-1E4A-48C1-BAAB-9C40EF1D5365}"/>
     <dgm:cxn modelId="{D0E9EBF2-AAE9-43E5-9EB8-41C718E96FEB}" type="presOf" srcId="{E76B18FF-0A22-44F7-A90D-4A2ACCF250E6}" destId="{C0EF204C-47E7-4D60-8A74-C3F91D43F84F}" srcOrd="0" destOrd="0" presId="urn:microsoft.com/office/officeart/2005/8/layout/chevron1"/>
     <dgm:cxn modelId="{DB7E62A7-4BEC-45A5-8B36-1AD65CDA2968}" srcId="{A99D1D09-03E3-455E-9E41-BE59FAF02762}" destId="{FDBAF0B1-2048-49B7-B5EB-CC3E29D91963}" srcOrd="4" destOrd="0" parTransId="{D22FC569-F8B3-47AF-9116-8D440024DF9B}" sibTransId="{674256ED-ACAF-438D-BA5A-693744ADF8DF}"/>
-    <dgm:cxn modelId="{3D293DB5-4380-4DC5-B9E1-364E900154C3}" type="presOf" srcId="{CDFDC68C-A9B9-4CED-A91E-186AADF8D57B}" destId="{2DCCB369-6422-4B00-A934-ABD3F7152F42}" srcOrd="0" destOrd="0" presId="urn:microsoft.com/office/officeart/2005/8/layout/chevron1"/>
-    <dgm:cxn modelId="{5210F7C9-1FB8-4F73-8518-09CEDFAAC86B}" type="presOf" srcId="{A99D1D09-03E3-455E-9E41-BE59FAF02762}" destId="{65F9B252-E640-4161-B138-F04E133526C0}" srcOrd="0" destOrd="0" presId="urn:microsoft.com/office/officeart/2005/8/layout/chevron1"/>
-    <dgm:cxn modelId="{72C93752-A7F3-4D4A-8719-959D0BE534AD}" type="presOf" srcId="{34073B4A-510E-47BE-9DA1-BBB95DC65D58}" destId="{FD6E0CAB-ACAC-419F-B118-1B6D2CAAF881}" srcOrd="0" destOrd="0" presId="urn:microsoft.com/office/officeart/2005/8/layout/chevron1"/>
-    <dgm:cxn modelId="{0E86A5A7-A607-41A6-8F6C-58182A11B299}" type="presOf" srcId="{0EE1BA67-1B0C-4552-A497-93C4D025B156}" destId="{0A2E70FD-7832-4C83-9F49-710889BED68A}" srcOrd="0" destOrd="0" presId="urn:microsoft.com/office/officeart/2005/8/layout/chevron1"/>
-    <dgm:cxn modelId="{0BA8E660-9974-4469-B166-04B725AC2478}" srcId="{A99D1D09-03E3-455E-9E41-BE59FAF02762}" destId="{34073B4A-510E-47BE-9DA1-BBB95DC65D58}" srcOrd="0" destOrd="0" parTransId="{CCEFF9A9-37F8-4F35-A132-635401313468}" sibTransId="{5654DA42-7522-44AD-BAE1-E81DACF0A806}"/>
-    <dgm:cxn modelId="{858DB1FF-B0D5-4B51-A9A7-DCC13B0F170F}" type="presOf" srcId="{CD9A5499-ACC9-4C39-A1AE-6D751F55DF80}" destId="{2693F262-02E8-4852-965D-83A184ACB21E}" srcOrd="0" destOrd="0" presId="urn:microsoft.com/office/officeart/2005/8/layout/chevron1"/>
     <dgm:cxn modelId="{C48BF702-723A-4ECD-BA6E-EC8B92971291}" srcId="{A99D1D09-03E3-455E-9E41-BE59FAF02762}" destId="{0EC5B3E7-4C2E-4BF4-92D9-B7FB06D767A5}" srcOrd="3" destOrd="0" parTransId="{8A34AAB8-55FB-4449-99C0-28DE8C33C1BA}" sibTransId="{5F4D3D1B-9D51-467F-8A67-034A5CF94490}"/>
-    <dgm:cxn modelId="{FB6DD15B-7ABC-4317-86BF-D587C8FD549A}" type="presOf" srcId="{0EC5B3E7-4C2E-4BF4-92D9-B7FB06D767A5}" destId="{3D4C531D-5E05-42E7-9E8A-FFAF4E9FE23F}" srcOrd="0" destOrd="0" presId="urn:microsoft.com/office/officeart/2005/8/layout/chevron1"/>
-    <dgm:cxn modelId="{4F9B6C61-EDBA-41A1-BBEC-E79A35AB7EE5}" type="presOf" srcId="{EC4C33D7-EC32-4747-B45A-EDF5BA4C0538}" destId="{BA8ACBC6-45A2-425D-8D4B-E81F751B4886}" srcOrd="0" destOrd="0" presId="urn:microsoft.com/office/officeart/2005/8/layout/chevron1"/>
-    <dgm:cxn modelId="{6F2871A2-A1BB-4F7A-86D0-6FBF7506DAAE}" srcId="{A99D1D09-03E3-455E-9E41-BE59FAF02762}" destId="{ADB1AC0C-C80E-4553-B68A-B9ED25CA06E9}" srcOrd="8" destOrd="0" parTransId="{444DABAD-7B76-4BBB-9A80-5A26211C7573}" sibTransId="{71BD6C98-0063-4240-BB38-97D762BD5A92}"/>
+    <dgm:cxn modelId="{1CE8D106-BFD3-42C3-9213-092FCDA426BE}" srcId="{A99D1D09-03E3-455E-9E41-BE59FAF02762}" destId="{CD9A5499-ACC9-4C39-A1AE-6D751F55DF80}" srcOrd="5" destOrd="0" parTransId="{7687E066-0979-490C-8D25-1B5740F76F30}" sibTransId="{B264D395-7C78-41C2-A2FC-88DBBCB987FA}"/>
     <dgm:cxn modelId="{9919B5C7-581F-4A88-91CC-3F6E479F7D77}" type="presParOf" srcId="{65F9B252-E640-4161-B138-F04E133526C0}" destId="{FD6E0CAB-ACAC-419F-B118-1B6D2CAAF881}" srcOrd="0" destOrd="0" presId="urn:microsoft.com/office/officeart/2005/8/layout/chevron1"/>
     <dgm:cxn modelId="{16092E89-53A6-41EB-AF34-1C9EC6356161}" type="presParOf" srcId="{65F9B252-E640-4161-B138-F04E133526C0}" destId="{71F66531-5B77-4FA5-8E0C-4A11EAA8348D}" srcOrd="1" destOrd="0" presId="urn:microsoft.com/office/officeart/2005/8/layout/chevron1"/>
     <dgm:cxn modelId="{7E254732-EC11-4337-81E3-FF106F8C40D1}" type="presParOf" srcId="{65F9B252-E640-4161-B138-F04E133526C0}" destId="{C0EF204C-47E7-4D60-8A74-C3F91D43F84F}" srcOrd="2" destOrd="0" presId="urn:microsoft.com/office/officeart/2005/8/layout/chevron1"/>
@@ -14216,6 +14370,13 @@
         </dgm:presLayoutVars>
       </dgm:prSet>
       <dgm:spPr/>
+      <dgm:t>
+        <a:bodyPr/>
+        <a:lstStyle/>
+        <a:p>
+          <a:endParaRPr lang="en-US"/>
+        </a:p>
+      </dgm:t>
     </dgm:pt>
     <dgm:pt modelId="{61880612-49AC-4A49-A7F1-EAEE7577AB8C}" type="pres">
       <dgm:prSet presAssocID="{F9E08707-1BED-48F9-9615-DAC140552925}" presName="parTxOnlySpace" presStyleCnt="0"/>
@@ -14289,13 +14450,13 @@
     <dgm:cxn modelId="{74101973-9614-4E89-A649-F0C4E927C23E}" srcId="{A99D1D09-03E3-455E-9E41-BE59FAF02762}" destId="{CDFDC68C-A9B9-4CED-A91E-186AADF8D57B}" srcOrd="6" destOrd="0" parTransId="{B183CF44-C600-4578-AFB8-AF85AB03C108}" sibTransId="{2E4FDDBD-5AF0-404E-8BBF-0C7CFA6DD67B}"/>
     <dgm:cxn modelId="{6F2871A2-A1BB-4F7A-86D0-6FBF7506DAAE}" srcId="{A99D1D09-03E3-455E-9E41-BE59FAF02762}" destId="{ADB1AC0C-C80E-4553-B68A-B9ED25CA06E9}" srcOrd="8" destOrd="0" parTransId="{444DABAD-7B76-4BBB-9A80-5A26211C7573}" sibTransId="{71BD6C98-0063-4240-BB38-97D762BD5A92}"/>
     <dgm:cxn modelId="{AF65A567-D417-4279-A7EE-11316BF38BFE}" type="presOf" srcId="{A99D1D09-03E3-455E-9E41-BE59FAF02762}" destId="{65F9B252-E640-4161-B138-F04E133526C0}" srcOrd="0" destOrd="0" presId="urn:microsoft.com/office/officeart/2005/8/layout/chevron1"/>
-    <dgm:cxn modelId="{FA850AF8-ABF8-4EB8-9CB5-831108C1E324}" type="presOf" srcId="{34073B4A-510E-47BE-9DA1-BBB95DC65D58}" destId="{FD6E0CAB-ACAC-419F-B118-1B6D2CAAF881}" srcOrd="0" destOrd="0" presId="urn:microsoft.com/office/officeart/2005/8/layout/chevron1"/>
     <dgm:cxn modelId="{A684A1DF-1B09-4692-8B2B-E67F068B47ED}" type="presOf" srcId="{C7CFA56C-8CD6-461D-8004-E30EF905D0E0}" destId="{6D7C2162-BB12-4D57-8F05-FF5808E767B1}" srcOrd="0" destOrd="0" presId="urn:microsoft.com/office/officeart/2005/8/layout/chevron1"/>
     <dgm:cxn modelId="{7B4BD2B0-11C6-4A67-85D4-1E2D6B0CD7CF}" srcId="{A99D1D09-03E3-455E-9E41-BE59FAF02762}" destId="{E76B18FF-0A22-44F7-A90D-4A2ACCF250E6}" srcOrd="1" destOrd="0" parTransId="{6104FC49-46C6-49FA-A587-07E8C72FAF20}" sibTransId="{457E3304-672E-4FF8-8444-5CDF3A9EF271}"/>
+    <dgm:cxn modelId="{FA850AF8-ABF8-4EB8-9CB5-831108C1E324}" type="presOf" srcId="{34073B4A-510E-47BE-9DA1-BBB95DC65D58}" destId="{FD6E0CAB-ACAC-419F-B118-1B6D2CAAF881}" srcOrd="0" destOrd="0" presId="urn:microsoft.com/office/officeart/2005/8/layout/chevron1"/>
     <dgm:cxn modelId="{0BA8E660-9974-4469-B166-04B725AC2478}" srcId="{A99D1D09-03E3-455E-9E41-BE59FAF02762}" destId="{34073B4A-510E-47BE-9DA1-BBB95DC65D58}" srcOrd="0" destOrd="0" parTransId="{CCEFF9A9-37F8-4F35-A132-635401313468}" sibTransId="{5654DA42-7522-44AD-BAE1-E81DACF0A806}"/>
     <dgm:cxn modelId="{60921007-7621-49D0-BB2B-240B6422F0C8}" srcId="{A99D1D09-03E3-455E-9E41-BE59FAF02762}" destId="{0EE1BA67-1B0C-4552-A497-93C4D025B156}" srcOrd="2" destOrd="0" parTransId="{DB15AC51-8154-4D58-A6A2-1ED49CAEFDFB}" sibTransId="{96517727-1E4A-48C1-BAAB-9C40EF1D5365}"/>
+    <dgm:cxn modelId="{AD1B0D57-76A1-4BB3-A33B-F5322DDD9487}" type="presOf" srcId="{ADB1AC0C-C80E-4553-B68A-B9ED25CA06E9}" destId="{C0DB5679-3723-4D0A-943A-C159495F7D3C}" srcOrd="0" destOrd="0" presId="urn:microsoft.com/office/officeart/2005/8/layout/chevron1"/>
     <dgm:cxn modelId="{50059D79-E247-4779-8F3E-8E5B5E6C9401}" type="presOf" srcId="{0EC5B3E7-4C2E-4BF4-92D9-B7FB06D767A5}" destId="{3D4C531D-5E05-42E7-9E8A-FFAF4E9FE23F}" srcOrd="0" destOrd="0" presId="urn:microsoft.com/office/officeart/2005/8/layout/chevron1"/>
-    <dgm:cxn modelId="{AD1B0D57-76A1-4BB3-A33B-F5322DDD9487}" type="presOf" srcId="{ADB1AC0C-C80E-4553-B68A-B9ED25CA06E9}" destId="{C0DB5679-3723-4D0A-943A-C159495F7D3C}" srcOrd="0" destOrd="0" presId="urn:microsoft.com/office/officeart/2005/8/layout/chevron1"/>
     <dgm:cxn modelId="{E11D966A-B220-4815-B96F-9E828357F910}" srcId="{A99D1D09-03E3-455E-9E41-BE59FAF02762}" destId="{5834218C-C92D-4665-B192-C15D6D03587F}" srcOrd="7" destOrd="0" parTransId="{B17853FD-B891-4BB8-8F57-CEC27FCF7FF5}" sibTransId="{6D030134-280A-42DA-985C-9258F84665ED}"/>
     <dgm:cxn modelId="{CC6AAF76-2CEA-4F27-898B-811B6E972C58}" type="presOf" srcId="{CDFDC68C-A9B9-4CED-A91E-186AADF8D57B}" destId="{2DCCB369-6422-4B00-A934-ABD3F7152F42}" srcOrd="0" destOrd="0" presId="urn:microsoft.com/office/officeart/2005/8/layout/chevron1"/>
     <dgm:cxn modelId="{8876B0F4-25BD-48F0-8B91-24A4A4237B3B}" type="presOf" srcId="{0EE1BA67-1B0C-4552-A497-93C4D025B156}" destId="{0A2E70FD-7832-4C83-9F49-710889BED68A}" srcOrd="0" destOrd="0" presId="urn:microsoft.com/office/officeart/2005/8/layout/chevron1"/>
@@ -14838,6 +14999,13 @@
         </dgm:presLayoutVars>
       </dgm:prSet>
       <dgm:spPr/>
+      <dgm:t>
+        <a:bodyPr/>
+        <a:lstStyle/>
+        <a:p>
+          <a:endParaRPr lang="en-US"/>
+        </a:p>
+      </dgm:t>
     </dgm:pt>
     <dgm:pt modelId="{1E0B6B35-600B-4DF0-A704-40C055A91491}" type="pres">
       <dgm:prSet presAssocID="{DCFF255A-0E7D-489E-A16B-A2CDD738286E}" presName="parTxOnlySpace" presStyleCnt="0"/>
@@ -14916,8 +15084,8 @@
     <dgm:cxn modelId="{7B4BD2B0-11C6-4A67-85D4-1E2D6B0CD7CF}" srcId="{A99D1D09-03E3-455E-9E41-BE59FAF02762}" destId="{E76B18FF-0A22-44F7-A90D-4A2ACCF250E6}" srcOrd="1" destOrd="0" parTransId="{6104FC49-46C6-49FA-A587-07E8C72FAF20}" sibTransId="{457E3304-672E-4FF8-8444-5CDF3A9EF271}"/>
     <dgm:cxn modelId="{539B4397-5CEB-4EF9-B0C1-AB7A5378F413}" type="presOf" srcId="{0EE1BA67-1B0C-4552-A497-93C4D025B156}" destId="{0A2E70FD-7832-4C83-9F49-710889BED68A}" srcOrd="0" destOrd="0" presId="urn:microsoft.com/office/officeart/2005/8/layout/chevron1"/>
     <dgm:cxn modelId="{0BA8E660-9974-4469-B166-04B725AC2478}" srcId="{A99D1D09-03E3-455E-9E41-BE59FAF02762}" destId="{34073B4A-510E-47BE-9DA1-BBB95DC65D58}" srcOrd="0" destOrd="0" parTransId="{CCEFF9A9-37F8-4F35-A132-635401313468}" sibTransId="{5654DA42-7522-44AD-BAE1-E81DACF0A806}"/>
+    <dgm:cxn modelId="{7AC33725-2641-4DBF-B229-735F33793F61}" type="presOf" srcId="{DEED6488-1243-47DD-A6DE-5FAC66796FF9}" destId="{B9CD1D84-2745-4E14-A0DF-F98F98582133}" srcOrd="0" destOrd="0" presId="urn:microsoft.com/office/officeart/2005/8/layout/chevron1"/>
     <dgm:cxn modelId="{6FE8C9DB-C99B-452B-A420-017926552AAE}" type="presOf" srcId="{ADB1AC0C-C80E-4553-B68A-B9ED25CA06E9}" destId="{C0DB5679-3723-4D0A-943A-C159495F7D3C}" srcOrd="0" destOrd="0" presId="urn:microsoft.com/office/officeart/2005/8/layout/chevron1"/>
-    <dgm:cxn modelId="{7AC33725-2641-4DBF-B229-735F33793F61}" type="presOf" srcId="{DEED6488-1243-47DD-A6DE-5FAC66796FF9}" destId="{B9CD1D84-2745-4E14-A0DF-F98F98582133}" srcOrd="0" destOrd="0" presId="urn:microsoft.com/office/officeart/2005/8/layout/chevron1"/>
     <dgm:cxn modelId="{60921007-7621-49D0-BB2B-240B6422F0C8}" srcId="{A99D1D09-03E3-455E-9E41-BE59FAF02762}" destId="{0EE1BA67-1B0C-4552-A497-93C4D025B156}" srcOrd="2" destOrd="0" parTransId="{DB15AC51-8154-4D58-A6A2-1ED49CAEFDFB}" sibTransId="{96517727-1E4A-48C1-BAAB-9C40EF1D5365}"/>
     <dgm:cxn modelId="{E11D966A-B220-4815-B96F-9E828357F910}" srcId="{A99D1D09-03E3-455E-9E41-BE59FAF02762}" destId="{5834218C-C92D-4665-B192-C15D6D03587F}" srcOrd="7" destOrd="0" parTransId="{B17853FD-B891-4BB8-8F57-CEC27FCF7FF5}" sibTransId="{6D030134-280A-42DA-985C-9258F84665ED}"/>
     <dgm:cxn modelId="{DB7E62A7-4BEC-45A5-8B36-1AD65CDA2968}" srcId="{A99D1D09-03E3-455E-9E41-BE59FAF02762}" destId="{FDBAF0B1-2048-49B7-B5EB-CC3E29D91963}" srcOrd="4" destOrd="0" parTransId="{D22FC569-F8B3-47AF-9116-8D440024DF9B}" sibTransId="{674256ED-ACAF-438D-BA5A-693744ADF8DF}"/>
@@ -15464,6 +15632,13 @@
         </dgm:presLayoutVars>
       </dgm:prSet>
       <dgm:spPr/>
+      <dgm:t>
+        <a:bodyPr/>
+        <a:lstStyle/>
+        <a:p>
+          <a:endParaRPr lang="en-US"/>
+        </a:p>
+      </dgm:t>
     </dgm:pt>
     <dgm:pt modelId="{62A76D95-EE4A-4FEA-A51A-C6D75363B429}" type="pres">
       <dgm:prSet presAssocID="{18C774C6-79C5-4510-9A5E-400D43DF55AE}" presName="parTxOnlySpace" presStyleCnt="0"/>
@@ -15542,8 +15717,8 @@
     <dgm:cxn modelId="{6F2871A2-A1BB-4F7A-86D0-6FBF7506DAAE}" srcId="{A99D1D09-03E3-455E-9E41-BE59FAF02762}" destId="{ADB1AC0C-C80E-4553-B68A-B9ED25CA06E9}" srcOrd="8" destOrd="0" parTransId="{444DABAD-7B76-4BBB-9A80-5A26211C7573}" sibTransId="{71BD6C98-0063-4240-BB38-97D762BD5A92}"/>
     <dgm:cxn modelId="{BEB350AC-1552-4202-95D3-B27C275A54CB}" type="presOf" srcId="{34073B4A-510E-47BE-9DA1-BBB95DC65D58}" destId="{FD6E0CAB-ACAC-419F-B118-1B6D2CAAF881}" srcOrd="0" destOrd="0" presId="urn:microsoft.com/office/officeart/2005/8/layout/chevron1"/>
     <dgm:cxn modelId="{7B4BD2B0-11C6-4A67-85D4-1E2D6B0CD7CF}" srcId="{A99D1D09-03E3-455E-9E41-BE59FAF02762}" destId="{E76B18FF-0A22-44F7-A90D-4A2ACCF250E6}" srcOrd="1" destOrd="0" parTransId="{6104FC49-46C6-49FA-A587-07E8C72FAF20}" sibTransId="{457E3304-672E-4FF8-8444-5CDF3A9EF271}"/>
+    <dgm:cxn modelId="{0BA8E660-9974-4469-B166-04B725AC2478}" srcId="{A99D1D09-03E3-455E-9E41-BE59FAF02762}" destId="{34073B4A-510E-47BE-9DA1-BBB95DC65D58}" srcOrd="0" destOrd="0" parTransId="{CCEFF9A9-37F8-4F35-A132-635401313468}" sibTransId="{5654DA42-7522-44AD-BAE1-E81DACF0A806}"/>
     <dgm:cxn modelId="{E3FCFEB1-8E87-48DC-888B-D6CF7FA475C1}" type="presOf" srcId="{A99D1D09-03E3-455E-9E41-BE59FAF02762}" destId="{65F9B252-E640-4161-B138-F04E133526C0}" srcOrd="0" destOrd="0" presId="urn:microsoft.com/office/officeart/2005/8/layout/chevron1"/>
-    <dgm:cxn modelId="{0BA8E660-9974-4469-B166-04B725AC2478}" srcId="{A99D1D09-03E3-455E-9E41-BE59FAF02762}" destId="{34073B4A-510E-47BE-9DA1-BBB95DC65D58}" srcOrd="0" destOrd="0" parTransId="{CCEFF9A9-37F8-4F35-A132-635401313468}" sibTransId="{5654DA42-7522-44AD-BAE1-E81DACF0A806}"/>
     <dgm:cxn modelId="{74777B2C-05FE-4DE9-869C-F697B92B2432}" srcId="{A99D1D09-03E3-455E-9E41-BE59FAF02762}" destId="{ADC127A6-92A3-43F7-A0E2-993C00AB0774}" srcOrd="5" destOrd="0" parTransId="{30F9B40B-EF8E-43A3-94ED-3554B83AB038}" sibTransId="{18C774C6-79C5-4510-9A5E-400D43DF55AE}"/>
     <dgm:cxn modelId="{60921007-7621-49D0-BB2B-240B6422F0C8}" srcId="{A99D1D09-03E3-455E-9E41-BE59FAF02762}" destId="{0EE1BA67-1B0C-4552-A497-93C4D025B156}" srcOrd="2" destOrd="0" parTransId="{DB15AC51-8154-4D58-A6A2-1ED49CAEFDFB}" sibTransId="{96517727-1E4A-48C1-BAAB-9C40EF1D5365}"/>
     <dgm:cxn modelId="{E11D966A-B220-4815-B96F-9E828357F910}" srcId="{A99D1D09-03E3-455E-9E41-BE59FAF02762}" destId="{5834218C-C92D-4665-B192-C15D6D03587F}" srcOrd="7" destOrd="0" parTransId="{B17853FD-B891-4BB8-8F57-CEC27FCF7FF5}" sibTransId="{6D030134-280A-42DA-985C-9258F84665ED}"/>
@@ -16170,8 +16345,8 @@
   </dgm:ptLst>
   <dgm:cxnLst>
     <dgm:cxn modelId="{942D43FC-F6AB-457C-AFDC-83AE95F83714}" type="presOf" srcId="{0EE1BA67-1B0C-4552-A497-93C4D025B156}" destId="{0A2E70FD-7832-4C83-9F49-710889BED68A}" srcOrd="0" destOrd="0" presId="urn:microsoft.com/office/officeart/2005/8/layout/chevron1"/>
+    <dgm:cxn modelId="{E227BB2F-53DC-4FF6-8FD7-1A215466054C}" type="presOf" srcId="{CB79354B-6307-4268-AD19-89408F00B5A6}" destId="{0E1E05FD-DA8D-4FC3-8C9C-C5E0BBDFD2D0}" srcOrd="0" destOrd="0" presId="urn:microsoft.com/office/officeart/2005/8/layout/chevron1"/>
     <dgm:cxn modelId="{CDBAE6B1-1231-4608-87D9-9881B160BF17}" type="presOf" srcId="{0EC5B3E7-4C2E-4BF4-92D9-B7FB06D767A5}" destId="{3D4C531D-5E05-42E7-9E8A-FFAF4E9FE23F}" srcOrd="0" destOrd="0" presId="urn:microsoft.com/office/officeart/2005/8/layout/chevron1"/>
-    <dgm:cxn modelId="{E227BB2F-53DC-4FF6-8FD7-1A215466054C}" type="presOf" srcId="{CB79354B-6307-4268-AD19-89408F00B5A6}" destId="{0E1E05FD-DA8D-4FC3-8C9C-C5E0BBDFD2D0}" srcOrd="0" destOrd="0" presId="urn:microsoft.com/office/officeart/2005/8/layout/chevron1"/>
     <dgm:cxn modelId="{A4FDD0D8-19CD-4588-9B9A-9B9D3DC2BF3F}" type="presOf" srcId="{5834218C-C92D-4665-B192-C15D6D03587F}" destId="{50B942A8-2635-496E-9B53-66FEC4E1BF8D}" srcOrd="0" destOrd="0" presId="urn:microsoft.com/office/officeart/2005/8/layout/chevron1"/>
     <dgm:cxn modelId="{625C02CF-3233-4C65-8DB6-2249F22AEC34}" type="presOf" srcId="{CDFDC68C-A9B9-4CED-A91E-186AADF8D57B}" destId="{2DCCB369-6422-4B00-A934-ABD3F7152F42}" srcOrd="0" destOrd="0" presId="urn:microsoft.com/office/officeart/2005/8/layout/chevron1"/>
     <dgm:cxn modelId="{74101973-9614-4E89-A649-F0C4E927C23E}" srcId="{A99D1D09-03E3-455E-9E41-BE59FAF02762}" destId="{CDFDC68C-A9B9-4CED-A91E-186AADF8D57B}" srcOrd="6" destOrd="0" parTransId="{B183CF44-C600-4578-AFB8-AF85AB03C108}" sibTransId="{2E4FDDBD-5AF0-404E-8BBF-0C7CFA6DD67B}"/>
@@ -16783,8 +16958,8 @@
     <dgm:cxn modelId="{74101973-9614-4E89-A649-F0C4E927C23E}" srcId="{A99D1D09-03E3-455E-9E41-BE59FAF02762}" destId="{CDFDC68C-A9B9-4CED-A91E-186AADF8D57B}" srcOrd="6" destOrd="0" parTransId="{B183CF44-C600-4578-AFB8-AF85AB03C108}" sibTransId="{2E4FDDBD-5AF0-404E-8BBF-0C7CFA6DD67B}"/>
     <dgm:cxn modelId="{A3064A52-62EA-4FD5-9F97-0E0447C112BD}" type="presOf" srcId="{FDBAF0B1-2048-49B7-B5EB-CC3E29D91963}" destId="{0D749ED6-4D2E-4837-81E5-75DEFA6553D5}" srcOrd="0" destOrd="0" presId="urn:microsoft.com/office/officeart/2005/8/layout/chevron1"/>
     <dgm:cxn modelId="{31A19D5E-B578-4533-9D3E-039CFFD4DB73}" type="presOf" srcId="{E76B18FF-0A22-44F7-A90D-4A2ACCF250E6}" destId="{C0EF204C-47E7-4D60-8A74-C3F91D43F84F}" srcOrd="0" destOrd="0" presId="urn:microsoft.com/office/officeart/2005/8/layout/chevron1"/>
+    <dgm:cxn modelId="{6F2871A2-A1BB-4F7A-86D0-6FBF7506DAAE}" srcId="{A99D1D09-03E3-455E-9E41-BE59FAF02762}" destId="{ADB1AC0C-C80E-4553-B68A-B9ED25CA06E9}" srcOrd="8" destOrd="0" parTransId="{444DABAD-7B76-4BBB-9A80-5A26211C7573}" sibTransId="{71BD6C98-0063-4240-BB38-97D762BD5A92}"/>
     <dgm:cxn modelId="{AF731FF8-8F2D-493B-8960-D2FDDBA54DB5}" type="presOf" srcId="{CDFDC68C-A9B9-4CED-A91E-186AADF8D57B}" destId="{2DCCB369-6422-4B00-A934-ABD3F7152F42}" srcOrd="0" destOrd="0" presId="urn:microsoft.com/office/officeart/2005/8/layout/chevron1"/>
-    <dgm:cxn modelId="{6F2871A2-A1BB-4F7A-86D0-6FBF7506DAAE}" srcId="{A99D1D09-03E3-455E-9E41-BE59FAF02762}" destId="{ADB1AC0C-C80E-4553-B68A-B9ED25CA06E9}" srcOrd="8" destOrd="0" parTransId="{444DABAD-7B76-4BBB-9A80-5A26211C7573}" sibTransId="{71BD6C98-0063-4240-BB38-97D762BD5A92}"/>
     <dgm:cxn modelId="{7B4BD2B0-11C6-4A67-85D4-1E2D6B0CD7CF}" srcId="{A99D1D09-03E3-455E-9E41-BE59FAF02762}" destId="{E76B18FF-0A22-44F7-A90D-4A2ACCF250E6}" srcOrd="1" destOrd="0" parTransId="{6104FC49-46C6-49FA-A587-07E8C72FAF20}" sibTransId="{457E3304-672E-4FF8-8444-5CDF3A9EF271}"/>
     <dgm:cxn modelId="{6F110E0B-1398-4920-B9C7-AF92B05BC4B9}" type="presOf" srcId="{0EE1BA67-1B0C-4552-A497-93C4D025B156}" destId="{0A2E70FD-7832-4C83-9F49-710889BED68A}" srcOrd="0" destOrd="0" presId="urn:microsoft.com/office/officeart/2005/8/layout/chevron1"/>
     <dgm:cxn modelId="{0BA8E660-9974-4469-B166-04B725AC2478}" srcId="{A99D1D09-03E3-455E-9E41-BE59FAF02762}" destId="{34073B4A-510E-47BE-9DA1-BBB95DC65D58}" srcOrd="0" destOrd="0" parTransId="{CCEFF9A9-37F8-4F35-A132-635401313468}" sibTransId="{5654DA42-7522-44AD-BAE1-E81DACF0A806}"/>
@@ -16794,10 +16969,10 @@
     <dgm:cxn modelId="{E11D966A-B220-4815-B96F-9E828357F910}" srcId="{A99D1D09-03E3-455E-9E41-BE59FAF02762}" destId="{5834218C-C92D-4665-B192-C15D6D03587F}" srcOrd="7" destOrd="0" parTransId="{B17853FD-B891-4BB8-8F57-CEC27FCF7FF5}" sibTransId="{6D030134-280A-42DA-985C-9258F84665ED}"/>
     <dgm:cxn modelId="{6E9C802C-41E0-47FE-BFF1-A6DFA66582B1}" type="presOf" srcId="{2518E86B-E866-48A3-98D0-E6CE61C75D26}" destId="{54112D38-479E-4E03-8AF4-9176EBC7EB20}" srcOrd="0" destOrd="0" presId="urn:microsoft.com/office/officeart/2005/8/layout/chevron1"/>
     <dgm:cxn modelId="{DB7E62A7-4BEC-45A5-8B36-1AD65CDA2968}" srcId="{A99D1D09-03E3-455E-9E41-BE59FAF02762}" destId="{FDBAF0B1-2048-49B7-B5EB-CC3E29D91963}" srcOrd="4" destOrd="0" parTransId="{D22FC569-F8B3-47AF-9116-8D440024DF9B}" sibTransId="{674256ED-ACAF-438D-BA5A-693744ADF8DF}"/>
+    <dgm:cxn modelId="{43A825F1-D7D4-4E1E-8279-2E76505BFD2A}" type="presOf" srcId="{ADB1AC0C-C80E-4553-B68A-B9ED25CA06E9}" destId="{C0DB5679-3723-4D0A-943A-C159495F7D3C}" srcOrd="0" destOrd="0" presId="urn:microsoft.com/office/officeart/2005/8/layout/chevron1"/>
     <dgm:cxn modelId="{C48BF702-723A-4ECD-BA6E-EC8B92971291}" srcId="{A99D1D09-03E3-455E-9E41-BE59FAF02762}" destId="{0EC5B3E7-4C2E-4BF4-92D9-B7FB06D767A5}" srcOrd="3" destOrd="0" parTransId="{8A34AAB8-55FB-4449-99C0-28DE8C33C1BA}" sibTransId="{5F4D3D1B-9D51-467F-8A67-034A5CF94490}"/>
-    <dgm:cxn modelId="{43A825F1-D7D4-4E1E-8279-2E76505BFD2A}" type="presOf" srcId="{ADB1AC0C-C80E-4553-B68A-B9ED25CA06E9}" destId="{C0DB5679-3723-4D0A-943A-C159495F7D3C}" srcOrd="0" destOrd="0" presId="urn:microsoft.com/office/officeart/2005/8/layout/chevron1"/>
+    <dgm:cxn modelId="{CBEFF97B-8A8A-4D35-A424-9F2746A0ED29}" type="presOf" srcId="{A99D1D09-03E3-455E-9E41-BE59FAF02762}" destId="{65F9B252-E640-4161-B138-F04E133526C0}" srcOrd="0" destOrd="0" presId="urn:microsoft.com/office/officeart/2005/8/layout/chevron1"/>
     <dgm:cxn modelId="{30DBB6E6-9071-4771-9B3D-6BC3EEDB8337}" srcId="{A99D1D09-03E3-455E-9E41-BE59FAF02762}" destId="{2518E86B-E866-48A3-98D0-E6CE61C75D26}" srcOrd="5" destOrd="0" parTransId="{CE3DF90C-2A5A-480D-AFA2-A8CF8E6205AF}" sibTransId="{3BC7034C-4F78-4757-8E96-810B4A896C2D}"/>
-    <dgm:cxn modelId="{CBEFF97B-8A8A-4D35-A424-9F2746A0ED29}" type="presOf" srcId="{A99D1D09-03E3-455E-9E41-BE59FAF02762}" destId="{65F9B252-E640-4161-B138-F04E133526C0}" srcOrd="0" destOrd="0" presId="urn:microsoft.com/office/officeart/2005/8/layout/chevron1"/>
     <dgm:cxn modelId="{7B025786-7ADA-4926-8E88-BDBC311D6DC3}" type="presParOf" srcId="{65F9B252-E640-4161-B138-F04E133526C0}" destId="{FD6E0CAB-ACAC-419F-B118-1B6D2CAAF881}" srcOrd="0" destOrd="0" presId="urn:microsoft.com/office/officeart/2005/8/layout/chevron1"/>
     <dgm:cxn modelId="{1EC00782-F113-4B57-8B79-414055CDA217}" type="presParOf" srcId="{65F9B252-E640-4161-B138-F04E133526C0}" destId="{71F66531-5B77-4FA5-8E0C-4A11EAA8348D}" srcOrd="1" destOrd="0" presId="urn:microsoft.com/office/officeart/2005/8/layout/chevron1"/>
     <dgm:cxn modelId="{071FD368-5A43-4A59-9246-1A466424A5BE}" type="presParOf" srcId="{65F9B252-E640-4161-B138-F04E133526C0}" destId="{C0EF204C-47E7-4D60-8A74-C3F91D43F84F}" srcOrd="2" destOrd="0" presId="urn:microsoft.com/office/officeart/2005/8/layout/chevron1"/>
@@ -17834,6 +18009,13 @@
         </dgm:presLayoutVars>
       </dgm:prSet>
       <dgm:spPr/>
+      <dgm:t>
+        <a:bodyPr/>
+        <a:lstStyle/>
+        <a:p>
+          <a:endParaRPr lang="en-US"/>
+        </a:p>
+      </dgm:t>
     </dgm:pt>
     <dgm:pt modelId="{6E43E26A-2764-4383-A406-C871C15985C1}" type="pres">
       <dgm:prSet presAssocID="{F9D68BCC-5AF2-41DB-9CD5-7AA8821CE046}" presName="parTxOnly" presStyleLbl="node1" presStyleIdx="0" presStyleCnt="9">
@@ -17844,6 +18026,13 @@
         </dgm:presLayoutVars>
       </dgm:prSet>
       <dgm:spPr/>
+      <dgm:t>
+        <a:bodyPr/>
+        <a:lstStyle/>
+        <a:p>
+          <a:endParaRPr lang="en-US"/>
+        </a:p>
+      </dgm:t>
     </dgm:pt>
     <dgm:pt modelId="{0108244F-1797-4D7C-9CF4-86184348661B}" type="pres">
       <dgm:prSet presAssocID="{19095084-7D7E-4D6B-9DDF-A14FB77E92F5}" presName="parTxOnlySpace" presStyleCnt="0"/>
@@ -17858,6 +18047,13 @@
         </dgm:presLayoutVars>
       </dgm:prSet>
       <dgm:spPr/>
+      <dgm:t>
+        <a:bodyPr/>
+        <a:lstStyle/>
+        <a:p>
+          <a:endParaRPr lang="en-US"/>
+        </a:p>
+      </dgm:t>
     </dgm:pt>
     <dgm:pt modelId="{2DAB3106-E35D-482D-820C-062C7DB80E83}" type="pres">
       <dgm:prSet presAssocID="{B58B001D-0E1C-4EE7-9313-A85CE125C84F}" presName="parTxOnlySpace" presStyleCnt="0"/>
@@ -17872,6 +18068,13 @@
         </dgm:presLayoutVars>
       </dgm:prSet>
       <dgm:spPr/>
+      <dgm:t>
+        <a:bodyPr/>
+        <a:lstStyle/>
+        <a:p>
+          <a:endParaRPr lang="en-US"/>
+        </a:p>
+      </dgm:t>
     </dgm:pt>
     <dgm:pt modelId="{547E793E-BC22-4604-AFA6-2048D232181F}" type="pres">
       <dgm:prSet presAssocID="{969227A3-3654-45A3-8CD9-750CDA4978F4}" presName="parTxOnlySpace" presStyleCnt="0"/>
@@ -17886,6 +18089,13 @@
         </dgm:presLayoutVars>
       </dgm:prSet>
       <dgm:spPr/>
+      <dgm:t>
+        <a:bodyPr/>
+        <a:lstStyle/>
+        <a:p>
+          <a:endParaRPr lang="en-US"/>
+        </a:p>
+      </dgm:t>
     </dgm:pt>
     <dgm:pt modelId="{320D4A6F-652A-4D18-8AAD-CD3680EE0EE0}" type="pres">
       <dgm:prSet presAssocID="{72916D97-4ECC-4E92-9DF3-E56C59277A3F}" presName="parTxOnlySpace" presStyleCnt="0"/>
@@ -17900,6 +18110,13 @@
         </dgm:presLayoutVars>
       </dgm:prSet>
       <dgm:spPr/>
+      <dgm:t>
+        <a:bodyPr/>
+        <a:lstStyle/>
+        <a:p>
+          <a:endParaRPr lang="en-US"/>
+        </a:p>
+      </dgm:t>
     </dgm:pt>
     <dgm:pt modelId="{1C8453D9-DA24-4FC1-A92C-AFB0E680289F}" type="pres">
       <dgm:prSet presAssocID="{21457D74-1F1D-4205-8224-5F9A64DB3922}" presName="parTxOnlySpace" presStyleCnt="0"/>
@@ -17914,6 +18131,13 @@
         </dgm:presLayoutVars>
       </dgm:prSet>
       <dgm:spPr/>
+      <dgm:t>
+        <a:bodyPr/>
+        <a:lstStyle/>
+        <a:p>
+          <a:endParaRPr lang="en-US"/>
+        </a:p>
+      </dgm:t>
     </dgm:pt>
     <dgm:pt modelId="{275F89BC-1267-453B-BAB6-FF2C8E582027}" type="pres">
       <dgm:prSet presAssocID="{3E4A6247-C4B6-4305-ACF0-918E74EA9590}" presName="parTxOnlySpace" presStyleCnt="0"/>
@@ -17928,6 +18152,13 @@
         </dgm:presLayoutVars>
       </dgm:prSet>
       <dgm:spPr/>
+      <dgm:t>
+        <a:bodyPr/>
+        <a:lstStyle/>
+        <a:p>
+          <a:endParaRPr lang="en-US"/>
+        </a:p>
+      </dgm:t>
     </dgm:pt>
     <dgm:pt modelId="{B7D7AF0F-22DE-452A-A891-B679AD10B68D}" type="pres">
       <dgm:prSet presAssocID="{7F128FE6-A70F-438D-861D-6AAEBE0E90BC}" presName="parTxOnlySpace" presStyleCnt="0"/>
@@ -17942,6 +18173,13 @@
         </dgm:presLayoutVars>
       </dgm:prSet>
       <dgm:spPr/>
+      <dgm:t>
+        <a:bodyPr/>
+        <a:lstStyle/>
+        <a:p>
+          <a:endParaRPr lang="en-US"/>
+        </a:p>
+      </dgm:t>
     </dgm:pt>
     <dgm:pt modelId="{96546C7D-5386-4B3D-BC79-78A402372FE8}" type="pres">
       <dgm:prSet presAssocID="{F95F529A-2F60-49B1-B102-D1B665A5F31B}" presName="parTxOnlySpace" presStyleCnt="0"/>
@@ -17956,27 +18194,34 @@
         </dgm:presLayoutVars>
       </dgm:prSet>
       <dgm:spPr/>
+      <dgm:t>
+        <a:bodyPr/>
+        <a:lstStyle/>
+        <a:p>
+          <a:endParaRPr lang="en-US"/>
+        </a:p>
+      </dgm:t>
     </dgm:pt>
   </dgm:ptLst>
   <dgm:cxnLst>
+    <dgm:cxn modelId="{8597C87E-29F9-4A83-9223-D0887A63ABF4}" srcId="{A99D1D09-03E3-455E-9E41-BE59FAF02762}" destId="{B0501635-1B1B-4492-92F4-E1042CB0B314}" srcOrd="6" destOrd="0" parTransId="{69A15BC2-819E-4A95-87B3-B55E8F9BE668}" sibTransId="{7F128FE6-A70F-438D-861D-6AAEBE0E90BC}"/>
+    <dgm:cxn modelId="{F37A9110-5E96-49F3-8E27-E94A82FA0CC9}" type="presOf" srcId="{A99D1D09-03E3-455E-9E41-BE59FAF02762}" destId="{65F9B252-E640-4161-B138-F04E133526C0}" srcOrd="0" destOrd="0" presId="urn:microsoft.com/office/officeart/2005/8/layout/chevron1"/>
+    <dgm:cxn modelId="{220C2FAB-6BDE-4D69-9A45-CFBBCAC7A426}" srcId="{A99D1D09-03E3-455E-9E41-BE59FAF02762}" destId="{470EF612-1B54-49B6-9F91-404187D132A4}" srcOrd="3" destOrd="0" parTransId="{634C704C-EB3E-4674-91BF-D2885C2E5B62}" sibTransId="{72916D97-4ECC-4E92-9DF3-E56C59277A3F}"/>
+    <dgm:cxn modelId="{F5299492-237A-42F4-B3E6-F1091FF99399}" type="presOf" srcId="{F9D68BCC-5AF2-41DB-9CD5-7AA8821CE046}" destId="{6E43E26A-2764-4383-A406-C871C15985C1}" srcOrd="0" destOrd="0" presId="urn:microsoft.com/office/officeart/2005/8/layout/chevron1"/>
+    <dgm:cxn modelId="{682FE2A6-C8DD-4AAF-A900-CD83A51FCBC9}" type="presOf" srcId="{2CF8F1A0-4B97-4722-AEBB-2C2E8316B131}" destId="{8D514460-20C7-4481-A68D-E32118F62623}" srcOrd="0" destOrd="0" presId="urn:microsoft.com/office/officeart/2005/8/layout/chevron1"/>
+    <dgm:cxn modelId="{D3DFB2EB-6CA1-47E9-813D-12A86EA2B1BE}" srcId="{A99D1D09-03E3-455E-9E41-BE59FAF02762}" destId="{72C872DB-F0C6-4F08-BA3C-CCE75FBE83EF}" srcOrd="1" destOrd="0" parTransId="{CC370FBC-5354-4996-B282-22A382319315}" sibTransId="{B58B001D-0E1C-4EE7-9313-A85CE125C84F}"/>
+    <dgm:cxn modelId="{A8B40AE0-DCF8-4E55-A82C-63F3290F7708}" srcId="{A99D1D09-03E3-455E-9E41-BE59FAF02762}" destId="{6B0FD9A0-3ED8-4A20-B2DF-21CD46431A14}" srcOrd="5" destOrd="0" parTransId="{9B4BEDA1-B0EC-4878-8BAD-62B008F747D2}" sibTransId="{3E4A6247-C4B6-4305-ACF0-918E74EA9590}"/>
     <dgm:cxn modelId="{AF622982-A9B8-4AAD-AB7C-389CBE0E1514}" type="presOf" srcId="{470EF612-1B54-49B6-9F91-404187D132A4}" destId="{F0F6352F-8D35-4871-9027-F8CEAD819E36}" srcOrd="0" destOrd="0" presId="urn:microsoft.com/office/officeart/2005/8/layout/chevron1"/>
+    <dgm:cxn modelId="{7D00669E-8A2A-49F1-9E64-93EF317BD38E}" srcId="{A99D1D09-03E3-455E-9E41-BE59FAF02762}" destId="{5B88DB7F-416C-4437-9805-0E7A0E6B32F9}" srcOrd="8" destOrd="0" parTransId="{6232351E-0D0E-4DEC-A56A-6F8862683D77}" sibTransId="{E43A090D-A5C4-468F-95AE-C274AB3C65F6}"/>
+    <dgm:cxn modelId="{51C5AEF8-1AD4-4FA9-8C85-CC8A3063FDC4}" type="presOf" srcId="{740D6ED4-47F5-483B-91D6-8776179783B6}" destId="{A92FF851-7452-4CD5-9F6A-26E4E21D1FA0}" srcOrd="0" destOrd="0" presId="urn:microsoft.com/office/officeart/2005/8/layout/chevron1"/>
+    <dgm:cxn modelId="{C80A1487-049C-41A7-907B-2C35ACED2A59}" type="presOf" srcId="{B0501635-1B1B-4492-92F4-E1042CB0B314}" destId="{71F7F0C2-C2E9-4835-997E-68BB4EABC128}" srcOrd="0" destOrd="0" presId="urn:microsoft.com/office/officeart/2005/8/layout/chevron1"/>
+    <dgm:cxn modelId="{5A83B523-3C39-4EE2-87D2-184B9325AAB7}" type="presOf" srcId="{5B88DB7F-416C-4437-9805-0E7A0E6B32F9}" destId="{3D3C3717-2EF2-4F34-8826-165E86D34FD4}" srcOrd="0" destOrd="0" presId="urn:microsoft.com/office/officeart/2005/8/layout/chevron1"/>
+    <dgm:cxn modelId="{0A172330-76F2-4CF5-B06A-AFBE24FC15EF}" type="presOf" srcId="{6B0FD9A0-3ED8-4A20-B2DF-21CD46431A14}" destId="{303F0450-BE55-4E4C-8F83-BA0A0AC4569E}" srcOrd="0" destOrd="0" presId="urn:microsoft.com/office/officeart/2005/8/layout/chevron1"/>
+    <dgm:cxn modelId="{0630E13E-B8BE-4DE4-94C8-1C52CF764C10}" srcId="{A99D1D09-03E3-455E-9E41-BE59FAF02762}" destId="{740D6ED4-47F5-483B-91D6-8776179783B6}" srcOrd="4" destOrd="0" parTransId="{0070A155-E415-4409-9CC3-89D20FE1D6B1}" sibTransId="{21457D74-1F1D-4205-8224-5F9A64DB3922}"/>
+    <dgm:cxn modelId="{28401C34-8144-48C3-8663-88699AAFA59E}" srcId="{A99D1D09-03E3-455E-9E41-BE59FAF02762}" destId="{A5DE5FCE-05D0-4EC3-A14D-D9BC20DCA643}" srcOrd="7" destOrd="0" parTransId="{00C27C34-3E66-4448-84C5-72A7B87F7230}" sibTransId="{F95F529A-2F60-49B1-B102-D1B665A5F31B}"/>
     <dgm:cxn modelId="{94DD70C2-F6BE-4870-8460-81A14C6BD458}" srcId="{A99D1D09-03E3-455E-9E41-BE59FAF02762}" destId="{F9D68BCC-5AF2-41DB-9CD5-7AA8821CE046}" srcOrd="0" destOrd="0" parTransId="{9630A188-0F96-4204-B171-E610CFB86D3F}" sibTransId="{19095084-7D7E-4D6B-9DDF-A14FB77E92F5}"/>
-    <dgm:cxn modelId="{C80A1487-049C-41A7-907B-2C35ACED2A59}" type="presOf" srcId="{B0501635-1B1B-4492-92F4-E1042CB0B314}" destId="{71F7F0C2-C2E9-4835-997E-68BB4EABC128}" srcOrd="0" destOrd="0" presId="urn:microsoft.com/office/officeart/2005/8/layout/chevron1"/>
-    <dgm:cxn modelId="{F37A9110-5E96-49F3-8E27-E94A82FA0CC9}" type="presOf" srcId="{A99D1D09-03E3-455E-9E41-BE59FAF02762}" destId="{65F9B252-E640-4161-B138-F04E133526C0}" srcOrd="0" destOrd="0" presId="urn:microsoft.com/office/officeart/2005/8/layout/chevron1"/>
-    <dgm:cxn modelId="{7D00669E-8A2A-49F1-9E64-93EF317BD38E}" srcId="{A99D1D09-03E3-455E-9E41-BE59FAF02762}" destId="{5B88DB7F-416C-4437-9805-0E7A0E6B32F9}" srcOrd="8" destOrd="0" parTransId="{6232351E-0D0E-4DEC-A56A-6F8862683D77}" sibTransId="{E43A090D-A5C4-468F-95AE-C274AB3C65F6}"/>
-    <dgm:cxn modelId="{A8B40AE0-DCF8-4E55-A82C-63F3290F7708}" srcId="{A99D1D09-03E3-455E-9E41-BE59FAF02762}" destId="{6B0FD9A0-3ED8-4A20-B2DF-21CD46431A14}" srcOrd="5" destOrd="0" parTransId="{9B4BEDA1-B0EC-4878-8BAD-62B008F747D2}" sibTransId="{3E4A6247-C4B6-4305-ACF0-918E74EA9590}"/>
-    <dgm:cxn modelId="{F5299492-237A-42F4-B3E6-F1091FF99399}" type="presOf" srcId="{F9D68BCC-5AF2-41DB-9CD5-7AA8821CE046}" destId="{6E43E26A-2764-4383-A406-C871C15985C1}" srcOrd="0" destOrd="0" presId="urn:microsoft.com/office/officeart/2005/8/layout/chevron1"/>
-    <dgm:cxn modelId="{0630E13E-B8BE-4DE4-94C8-1C52CF764C10}" srcId="{A99D1D09-03E3-455E-9E41-BE59FAF02762}" destId="{740D6ED4-47F5-483B-91D6-8776179783B6}" srcOrd="4" destOrd="0" parTransId="{0070A155-E415-4409-9CC3-89D20FE1D6B1}" sibTransId="{21457D74-1F1D-4205-8224-5F9A64DB3922}"/>
-    <dgm:cxn modelId="{8597C87E-29F9-4A83-9223-D0887A63ABF4}" srcId="{A99D1D09-03E3-455E-9E41-BE59FAF02762}" destId="{B0501635-1B1B-4492-92F4-E1042CB0B314}" srcOrd="6" destOrd="0" parTransId="{69A15BC2-819E-4A95-87B3-B55E8F9BE668}" sibTransId="{7F128FE6-A70F-438D-861D-6AAEBE0E90BC}"/>
-    <dgm:cxn modelId="{5A83B523-3C39-4EE2-87D2-184B9325AAB7}" type="presOf" srcId="{5B88DB7F-416C-4437-9805-0E7A0E6B32F9}" destId="{3D3C3717-2EF2-4F34-8826-165E86D34FD4}" srcOrd="0" destOrd="0" presId="urn:microsoft.com/office/officeart/2005/8/layout/chevron1"/>
-    <dgm:cxn modelId="{220C2FAB-6BDE-4D69-9A45-CFBBCAC7A426}" srcId="{A99D1D09-03E3-455E-9E41-BE59FAF02762}" destId="{470EF612-1B54-49B6-9F91-404187D132A4}" srcOrd="3" destOrd="0" parTransId="{634C704C-EB3E-4674-91BF-D2885C2E5B62}" sibTransId="{72916D97-4ECC-4E92-9DF3-E56C59277A3F}"/>
+    <dgm:cxn modelId="{A4254EE6-CB2C-4BFC-8903-2DAD2981B62C}" type="presOf" srcId="{A5DE5FCE-05D0-4EC3-A14D-D9BC20DCA643}" destId="{51A5CAF3-D493-45E7-92C5-0D4CB71C127F}" srcOrd="0" destOrd="0" presId="urn:microsoft.com/office/officeart/2005/8/layout/chevron1"/>
     <dgm:cxn modelId="{A2E68399-E2A5-4798-A482-C490F7088FC7}" srcId="{A99D1D09-03E3-455E-9E41-BE59FAF02762}" destId="{2CF8F1A0-4B97-4722-AEBB-2C2E8316B131}" srcOrd="2" destOrd="0" parTransId="{E7F3FEBD-10AF-4D8A-8308-5DC6C11C0916}" sibTransId="{969227A3-3654-45A3-8CD9-750CDA4978F4}"/>
-    <dgm:cxn modelId="{28401C34-8144-48C3-8663-88699AAFA59E}" srcId="{A99D1D09-03E3-455E-9E41-BE59FAF02762}" destId="{A5DE5FCE-05D0-4EC3-A14D-D9BC20DCA643}" srcOrd="7" destOrd="0" parTransId="{00C27C34-3E66-4448-84C5-72A7B87F7230}" sibTransId="{F95F529A-2F60-49B1-B102-D1B665A5F31B}"/>
-    <dgm:cxn modelId="{0A172330-76F2-4CF5-B06A-AFBE24FC15EF}" type="presOf" srcId="{6B0FD9A0-3ED8-4A20-B2DF-21CD46431A14}" destId="{303F0450-BE55-4E4C-8F83-BA0A0AC4569E}" srcOrd="0" destOrd="0" presId="urn:microsoft.com/office/officeart/2005/8/layout/chevron1"/>
-    <dgm:cxn modelId="{A4254EE6-CB2C-4BFC-8903-2DAD2981B62C}" type="presOf" srcId="{A5DE5FCE-05D0-4EC3-A14D-D9BC20DCA643}" destId="{51A5CAF3-D493-45E7-92C5-0D4CB71C127F}" srcOrd="0" destOrd="0" presId="urn:microsoft.com/office/officeart/2005/8/layout/chevron1"/>
-    <dgm:cxn modelId="{D3DFB2EB-6CA1-47E9-813D-12A86EA2B1BE}" srcId="{A99D1D09-03E3-455E-9E41-BE59FAF02762}" destId="{72C872DB-F0C6-4F08-BA3C-CCE75FBE83EF}" srcOrd="1" destOrd="0" parTransId="{CC370FBC-5354-4996-B282-22A382319315}" sibTransId="{B58B001D-0E1C-4EE7-9313-A85CE125C84F}"/>
-    <dgm:cxn modelId="{51C5AEF8-1AD4-4FA9-8C85-CC8A3063FDC4}" type="presOf" srcId="{740D6ED4-47F5-483B-91D6-8776179783B6}" destId="{A92FF851-7452-4CD5-9F6A-26E4E21D1FA0}" srcOrd="0" destOrd="0" presId="urn:microsoft.com/office/officeart/2005/8/layout/chevron1"/>
-    <dgm:cxn modelId="{682FE2A6-C8DD-4AAF-A900-CD83A51FCBC9}" type="presOf" srcId="{2CF8F1A0-4B97-4722-AEBB-2C2E8316B131}" destId="{8D514460-20C7-4481-A68D-E32118F62623}" srcOrd="0" destOrd="0" presId="urn:microsoft.com/office/officeart/2005/8/layout/chevron1"/>
     <dgm:cxn modelId="{56BD3045-8506-417E-9248-2A437885A55C}" type="presOf" srcId="{72C872DB-F0C6-4F08-BA3C-CCE75FBE83EF}" destId="{D9B62F81-3EAD-48DC-9C3A-FBC185DA405E}" srcOrd="0" destOrd="0" presId="urn:microsoft.com/office/officeart/2005/8/layout/chevron1"/>
     <dgm:cxn modelId="{DF65E985-DF7C-4008-BDF8-D5E156B0D107}" type="presParOf" srcId="{65F9B252-E640-4161-B138-F04E133526C0}" destId="{6E43E26A-2764-4383-A406-C871C15985C1}" srcOrd="0" destOrd="0" presId="urn:microsoft.com/office/officeart/2005/8/layout/chevron1"/>
     <dgm:cxn modelId="{7C576863-4A44-423F-91A4-9991EB1A420E}" type="presParOf" srcId="{65F9B252-E640-4161-B138-F04E133526C0}" destId="{0108244F-1797-4D7C-9CF4-86184348661B}" srcOrd="1" destOrd="0" presId="urn:microsoft.com/office/officeart/2005/8/layout/chevron1"/>
@@ -18400,6 +18645,13 @@
         </dgm:presLayoutVars>
       </dgm:prSet>
       <dgm:spPr/>
+      <dgm:t>
+        <a:bodyPr/>
+        <a:lstStyle/>
+        <a:p>
+          <a:endParaRPr lang="en-US"/>
+        </a:p>
+      </dgm:t>
     </dgm:pt>
     <dgm:pt modelId="{FC2A3403-782F-48F7-9BEB-85B2AF0A874C}" type="pres">
       <dgm:prSet presAssocID="{3126861A-10EB-444E-9C2E-F0DBD32F5207}" presName="parTxOnly" presStyleLbl="node1" presStyleIdx="0" presStyleCnt="9">
@@ -18410,6 +18662,13 @@
         </dgm:presLayoutVars>
       </dgm:prSet>
       <dgm:spPr/>
+      <dgm:t>
+        <a:bodyPr/>
+        <a:lstStyle/>
+        <a:p>
+          <a:endParaRPr lang="en-US"/>
+        </a:p>
+      </dgm:t>
     </dgm:pt>
     <dgm:pt modelId="{9E86C8C4-91CF-4BC5-A990-153F045EFD6F}" type="pres">
       <dgm:prSet presAssocID="{0EAC7370-CAE9-42C6-95D8-F64D712DF60E}" presName="parTxOnlySpace" presStyleCnt="0"/>
@@ -18424,6 +18683,13 @@
         </dgm:presLayoutVars>
       </dgm:prSet>
       <dgm:spPr/>
+      <dgm:t>
+        <a:bodyPr/>
+        <a:lstStyle/>
+        <a:p>
+          <a:endParaRPr lang="en-US"/>
+        </a:p>
+      </dgm:t>
     </dgm:pt>
     <dgm:pt modelId="{49540715-228E-43BE-B0B7-97E631388B12}" type="pres">
       <dgm:prSet presAssocID="{C1FDCDCE-BCD6-4DF8-8B5B-2C3011D16634}" presName="parTxOnlySpace" presStyleCnt="0"/>
@@ -18438,6 +18704,13 @@
         </dgm:presLayoutVars>
       </dgm:prSet>
       <dgm:spPr/>
+      <dgm:t>
+        <a:bodyPr/>
+        <a:lstStyle/>
+        <a:p>
+          <a:endParaRPr lang="en-US"/>
+        </a:p>
+      </dgm:t>
     </dgm:pt>
     <dgm:pt modelId="{C5F75F2D-5C3E-4DC8-8DF8-DA8346159319}" type="pres">
       <dgm:prSet presAssocID="{14E9CDE7-1AA3-4CD4-AC33-E48FEA0FD96B}" presName="parTxOnlySpace" presStyleCnt="0"/>
@@ -18452,6 +18725,13 @@
         </dgm:presLayoutVars>
       </dgm:prSet>
       <dgm:spPr/>
+      <dgm:t>
+        <a:bodyPr/>
+        <a:lstStyle/>
+        <a:p>
+          <a:endParaRPr lang="en-US"/>
+        </a:p>
+      </dgm:t>
     </dgm:pt>
     <dgm:pt modelId="{D3450FCB-CBDB-48AC-A15E-FED8961348DD}" type="pres">
       <dgm:prSet presAssocID="{7680E275-299A-4533-8E7D-3145DB8181A0}" presName="parTxOnlySpace" presStyleCnt="0"/>
@@ -18466,6 +18746,13 @@
         </dgm:presLayoutVars>
       </dgm:prSet>
       <dgm:spPr/>
+      <dgm:t>
+        <a:bodyPr/>
+        <a:lstStyle/>
+        <a:p>
+          <a:endParaRPr lang="en-US"/>
+        </a:p>
+      </dgm:t>
     </dgm:pt>
     <dgm:pt modelId="{542C941D-78CF-46C3-8D62-59AC3459C6F7}" type="pres">
       <dgm:prSet presAssocID="{06168984-5F0B-4233-9D3C-318361C4060F}" presName="parTxOnlySpace" presStyleCnt="0"/>
@@ -18480,6 +18767,13 @@
         </dgm:presLayoutVars>
       </dgm:prSet>
       <dgm:spPr/>
+      <dgm:t>
+        <a:bodyPr/>
+        <a:lstStyle/>
+        <a:p>
+          <a:endParaRPr lang="en-US"/>
+        </a:p>
+      </dgm:t>
     </dgm:pt>
     <dgm:pt modelId="{3D6F92B1-D295-4A19-8010-B88BA4AD6CB5}" type="pres">
       <dgm:prSet presAssocID="{EECDAE99-E206-4D2C-BB29-9FE1EA60977C}" presName="parTxOnlySpace" presStyleCnt="0"/>
@@ -18494,6 +18788,13 @@
         </dgm:presLayoutVars>
       </dgm:prSet>
       <dgm:spPr/>
+      <dgm:t>
+        <a:bodyPr/>
+        <a:lstStyle/>
+        <a:p>
+          <a:endParaRPr lang="en-US"/>
+        </a:p>
+      </dgm:t>
     </dgm:pt>
     <dgm:pt modelId="{4E723D39-5D4F-46B3-B17A-D369395D3DCF}" type="pres">
       <dgm:prSet presAssocID="{BE49F639-2655-4BA0-B161-FF5DD6DFBE2A}" presName="parTxOnlySpace" presStyleCnt="0"/>
@@ -18508,6 +18809,13 @@
         </dgm:presLayoutVars>
       </dgm:prSet>
       <dgm:spPr/>
+      <dgm:t>
+        <a:bodyPr/>
+        <a:lstStyle/>
+        <a:p>
+          <a:endParaRPr lang="en-US"/>
+        </a:p>
+      </dgm:t>
     </dgm:pt>
     <dgm:pt modelId="{63CA3066-24F9-4F64-9C46-E5253AEFB41D}" type="pres">
       <dgm:prSet presAssocID="{A52C79E6-5679-4FCD-A80C-699E9750A66C}" presName="parTxOnlySpace" presStyleCnt="0"/>
@@ -18522,28 +18830,35 @@
         </dgm:presLayoutVars>
       </dgm:prSet>
       <dgm:spPr/>
+      <dgm:t>
+        <a:bodyPr/>
+        <a:lstStyle/>
+        <a:p>
+          <a:endParaRPr lang="en-US"/>
+        </a:p>
+      </dgm:t>
     </dgm:pt>
   </dgm:ptLst>
   <dgm:cxnLst>
+    <dgm:cxn modelId="{DA23430A-4105-4C1E-8C78-32CC9C1581F4}" srcId="{A99D1D09-03E3-455E-9E41-BE59FAF02762}" destId="{91BC742D-679F-4EAA-9340-DF35FE36B56B}" srcOrd="4" destOrd="0" parTransId="{EB4A6AF4-07EB-4B6C-92C4-1CDCB3263457}" sibTransId="{06168984-5F0B-4233-9D3C-318361C4060F}"/>
+    <dgm:cxn modelId="{9F5AE63A-10E4-414F-91A4-F02A69C6976B}" type="presOf" srcId="{91BC742D-679F-4EAA-9340-DF35FE36B56B}" destId="{61E50436-D1CE-4728-9186-73394F3BFCF5}" srcOrd="0" destOrd="0" presId="urn:microsoft.com/office/officeart/2005/8/layout/chevron1"/>
+    <dgm:cxn modelId="{C88EF766-A34C-41DA-A67A-9FC05927A6C7}" type="presOf" srcId="{4163292F-A78E-400B-ADF8-A71C8FF499C2}" destId="{B097C4B5-3BBD-440E-9E75-035A97BD808C}" srcOrd="0" destOrd="0" presId="urn:microsoft.com/office/officeart/2005/8/layout/chevron1"/>
+    <dgm:cxn modelId="{C67B21F0-0011-436C-9D44-CF4C99DD3AE9}" type="presOf" srcId="{A99D1D09-03E3-455E-9E41-BE59FAF02762}" destId="{65F9B252-E640-4161-B138-F04E133526C0}" srcOrd="0" destOrd="0" presId="urn:microsoft.com/office/officeart/2005/8/layout/chevron1"/>
+    <dgm:cxn modelId="{94E92A26-2E4D-4498-AE7E-4E69CB66B2AD}" srcId="{A99D1D09-03E3-455E-9E41-BE59FAF02762}" destId="{02BF3724-D8F9-4BB6-8F7F-F0E2FCA5422D}" srcOrd="2" destOrd="0" parTransId="{8E10FA03-37F5-4CE0-BB1D-7C8200EC6EE3}" sibTransId="{14E9CDE7-1AA3-4CD4-AC33-E48FEA0FD96B}"/>
+    <dgm:cxn modelId="{D67EB6F8-4CFA-431E-A5D9-8AF663DD8707}" type="presOf" srcId="{C82359DE-F4E4-4A4C-BD08-FB1BADBE750E}" destId="{379EC71E-7B82-4AAB-A5CA-6ADE421628F6}" srcOrd="0" destOrd="0" presId="urn:microsoft.com/office/officeart/2005/8/layout/chevron1"/>
+    <dgm:cxn modelId="{9F88CE0C-796A-427C-B59E-A67FECEFF4C8}" type="presOf" srcId="{02BF3724-D8F9-4BB6-8F7F-F0E2FCA5422D}" destId="{59194609-0A86-4837-8A25-091303B33EEE}" srcOrd="0" destOrd="0" presId="urn:microsoft.com/office/officeart/2005/8/layout/chevron1"/>
+    <dgm:cxn modelId="{C581C9F2-AEB3-4201-9CF1-27B37AFA4F6E}" type="presOf" srcId="{252E6BC7-9A8D-4DF7-B027-BC3E70250723}" destId="{3BD1617B-FB62-4407-9B00-CBC2586F092F}" srcOrd="0" destOrd="0" presId="urn:microsoft.com/office/officeart/2005/8/layout/chevron1"/>
+    <dgm:cxn modelId="{1E01A316-E9FE-4255-B8CB-C979D568B84D}" type="presOf" srcId="{4C2ECB26-0BCC-4A82-87E4-234568B2FADD}" destId="{33B33A0B-C7B9-4F34-8118-E2FD8B31E553}" srcOrd="0" destOrd="0" presId="urn:microsoft.com/office/officeart/2005/8/layout/chevron1"/>
+    <dgm:cxn modelId="{1F703A7D-53DC-445D-89C5-1FB5397D9E82}" srcId="{A99D1D09-03E3-455E-9E41-BE59FAF02762}" destId="{4163292F-A78E-400B-ADF8-A71C8FF499C2}" srcOrd="6" destOrd="0" parTransId="{400B2668-55BF-46BE-AE89-10CAB49E9EC9}" sibTransId="{BE49F639-2655-4BA0-B161-FF5DD6DFBE2A}"/>
+    <dgm:cxn modelId="{9B3A7621-9260-4157-9D42-9D7E388C4769}" srcId="{A99D1D09-03E3-455E-9E41-BE59FAF02762}" destId="{C82359DE-F4E4-4A4C-BD08-FB1BADBE750E}" srcOrd="8" destOrd="0" parTransId="{B950773D-C690-453A-A2F2-4874E2901AE7}" sibTransId="{CC0B8DD4-7C11-48C0-8C18-8FC4518DCBFF}"/>
     <dgm:cxn modelId="{8CA05901-E5CE-44E8-B41F-CBF1AB976B2B}" srcId="{A99D1D09-03E3-455E-9E41-BE59FAF02762}" destId="{55CB30B7-0B55-468A-9461-517D81574E64}" srcOrd="1" destOrd="0" parTransId="{4FA69D02-8F69-4D0C-88D1-668349D8299A}" sibTransId="{C1FDCDCE-BCD6-4DF8-8B5B-2C3011D16634}"/>
-    <dgm:cxn modelId="{94E92A26-2E4D-4498-AE7E-4E69CB66B2AD}" srcId="{A99D1D09-03E3-455E-9E41-BE59FAF02762}" destId="{02BF3724-D8F9-4BB6-8F7F-F0E2FCA5422D}" srcOrd="2" destOrd="0" parTransId="{8E10FA03-37F5-4CE0-BB1D-7C8200EC6EE3}" sibTransId="{14E9CDE7-1AA3-4CD4-AC33-E48FEA0FD96B}"/>
-    <dgm:cxn modelId="{9F88CE0C-796A-427C-B59E-A67FECEFF4C8}" type="presOf" srcId="{02BF3724-D8F9-4BB6-8F7F-F0E2FCA5422D}" destId="{59194609-0A86-4837-8A25-091303B33EEE}" srcOrd="0" destOrd="0" presId="urn:microsoft.com/office/officeart/2005/8/layout/chevron1"/>
+    <dgm:cxn modelId="{BCD56EF3-1125-4945-BD12-57B8249B10AF}" srcId="{A99D1D09-03E3-455E-9E41-BE59FAF02762}" destId="{3126861A-10EB-444E-9C2E-F0DBD32F5207}" srcOrd="0" destOrd="0" parTransId="{9A0B393A-AF81-4BFF-BF7F-DCDA89D76097}" sibTransId="{0EAC7370-CAE9-42C6-95D8-F64D712DF60E}"/>
+    <dgm:cxn modelId="{9152212A-8684-4494-BE78-347A9E54C483}" type="presOf" srcId="{E24DFFD5-C0DB-4283-B93C-A4AF2174EFDC}" destId="{45685D99-B4F5-445A-9A78-53CF19963921}" srcOrd="0" destOrd="0" presId="urn:microsoft.com/office/officeart/2005/8/layout/chevron1"/>
+    <dgm:cxn modelId="{2D856460-1836-407A-AD3C-F3385356148E}" srcId="{A99D1D09-03E3-455E-9E41-BE59FAF02762}" destId="{E24DFFD5-C0DB-4283-B93C-A4AF2174EFDC}" srcOrd="3" destOrd="0" parTransId="{F07CBC50-4FFA-4E24-AD1B-E8ABB84E77EC}" sibTransId="{7680E275-299A-4533-8E7D-3145DB8181A0}"/>
     <dgm:cxn modelId="{254C4089-31E8-44CD-93D3-394A79566897}" srcId="{A99D1D09-03E3-455E-9E41-BE59FAF02762}" destId="{4C2ECB26-0BCC-4A82-87E4-234568B2FADD}" srcOrd="5" destOrd="0" parTransId="{D1FA2FCA-26E6-4B44-88BF-74F483B45D3F}" sibTransId="{EECDAE99-E206-4D2C-BB29-9FE1EA60977C}"/>
-    <dgm:cxn modelId="{9152212A-8684-4494-BE78-347A9E54C483}" type="presOf" srcId="{E24DFFD5-C0DB-4283-B93C-A4AF2174EFDC}" destId="{45685D99-B4F5-445A-9A78-53CF19963921}" srcOrd="0" destOrd="0" presId="urn:microsoft.com/office/officeart/2005/8/layout/chevron1"/>
-    <dgm:cxn modelId="{9B3A7621-9260-4157-9D42-9D7E388C4769}" srcId="{A99D1D09-03E3-455E-9E41-BE59FAF02762}" destId="{C82359DE-F4E4-4A4C-BD08-FB1BADBE750E}" srcOrd="8" destOrd="0" parTransId="{B950773D-C690-453A-A2F2-4874E2901AE7}" sibTransId="{CC0B8DD4-7C11-48C0-8C18-8FC4518DCBFF}"/>
-    <dgm:cxn modelId="{9F5AE63A-10E4-414F-91A4-F02A69C6976B}" type="presOf" srcId="{91BC742D-679F-4EAA-9340-DF35FE36B56B}" destId="{61E50436-D1CE-4728-9186-73394F3BFCF5}" srcOrd="0" destOrd="0" presId="urn:microsoft.com/office/officeart/2005/8/layout/chevron1"/>
-    <dgm:cxn modelId="{C67B21F0-0011-436C-9D44-CF4C99DD3AE9}" type="presOf" srcId="{A99D1D09-03E3-455E-9E41-BE59FAF02762}" destId="{65F9B252-E640-4161-B138-F04E133526C0}" srcOrd="0" destOrd="0" presId="urn:microsoft.com/office/officeart/2005/8/layout/chevron1"/>
-    <dgm:cxn modelId="{C88EF766-A34C-41DA-A67A-9FC05927A6C7}" type="presOf" srcId="{4163292F-A78E-400B-ADF8-A71C8FF499C2}" destId="{B097C4B5-3BBD-440E-9E75-035A97BD808C}" srcOrd="0" destOrd="0" presId="urn:microsoft.com/office/officeart/2005/8/layout/chevron1"/>
     <dgm:cxn modelId="{B1EB587D-91DB-428C-984B-2220AAA23E6A}" type="presOf" srcId="{3126861A-10EB-444E-9C2E-F0DBD32F5207}" destId="{FC2A3403-782F-48F7-9BEB-85B2AF0A874C}" srcOrd="0" destOrd="0" presId="urn:microsoft.com/office/officeart/2005/8/layout/chevron1"/>
-    <dgm:cxn modelId="{2D856460-1836-407A-AD3C-F3385356148E}" srcId="{A99D1D09-03E3-455E-9E41-BE59FAF02762}" destId="{E24DFFD5-C0DB-4283-B93C-A4AF2174EFDC}" srcOrd="3" destOrd="0" parTransId="{F07CBC50-4FFA-4E24-AD1B-E8ABB84E77EC}" sibTransId="{7680E275-299A-4533-8E7D-3145DB8181A0}"/>
-    <dgm:cxn modelId="{C581C9F2-AEB3-4201-9CF1-27B37AFA4F6E}" type="presOf" srcId="{252E6BC7-9A8D-4DF7-B027-BC3E70250723}" destId="{3BD1617B-FB62-4407-9B00-CBC2586F092F}" srcOrd="0" destOrd="0" presId="urn:microsoft.com/office/officeart/2005/8/layout/chevron1"/>
-    <dgm:cxn modelId="{1F703A7D-53DC-445D-89C5-1FB5397D9E82}" srcId="{A99D1D09-03E3-455E-9E41-BE59FAF02762}" destId="{4163292F-A78E-400B-ADF8-A71C8FF499C2}" srcOrd="6" destOrd="0" parTransId="{400B2668-55BF-46BE-AE89-10CAB49E9EC9}" sibTransId="{BE49F639-2655-4BA0-B161-FF5DD6DFBE2A}"/>
-    <dgm:cxn modelId="{DA23430A-4105-4C1E-8C78-32CC9C1581F4}" srcId="{A99D1D09-03E3-455E-9E41-BE59FAF02762}" destId="{91BC742D-679F-4EAA-9340-DF35FE36B56B}" srcOrd="4" destOrd="0" parTransId="{EB4A6AF4-07EB-4B6C-92C4-1CDCB3263457}" sibTransId="{06168984-5F0B-4233-9D3C-318361C4060F}"/>
+    <dgm:cxn modelId="{A443556B-482E-4EE1-A5B2-97B17E04EF4A}" srcId="{A99D1D09-03E3-455E-9E41-BE59FAF02762}" destId="{252E6BC7-9A8D-4DF7-B027-BC3E70250723}" srcOrd="7" destOrd="0" parTransId="{3DB4AFCA-EF28-4BBD-A582-B6122836A7FC}" sibTransId="{A52C79E6-5679-4FCD-A80C-699E9750A66C}"/>
     <dgm:cxn modelId="{C7374D8B-6ACF-41E4-AD8E-0427C8FCD43F}" type="presOf" srcId="{55CB30B7-0B55-468A-9461-517D81574E64}" destId="{64022F9A-EADD-4021-BDC0-9DB85A6D87E1}" srcOrd="0" destOrd="0" presId="urn:microsoft.com/office/officeart/2005/8/layout/chevron1"/>
-    <dgm:cxn modelId="{A443556B-482E-4EE1-A5B2-97B17E04EF4A}" srcId="{A99D1D09-03E3-455E-9E41-BE59FAF02762}" destId="{252E6BC7-9A8D-4DF7-B027-BC3E70250723}" srcOrd="7" destOrd="0" parTransId="{3DB4AFCA-EF28-4BBD-A582-B6122836A7FC}" sibTransId="{A52C79E6-5679-4FCD-A80C-699E9750A66C}"/>
-    <dgm:cxn modelId="{BCD56EF3-1125-4945-BD12-57B8249B10AF}" srcId="{A99D1D09-03E3-455E-9E41-BE59FAF02762}" destId="{3126861A-10EB-444E-9C2E-F0DBD32F5207}" srcOrd="0" destOrd="0" parTransId="{9A0B393A-AF81-4BFF-BF7F-DCDA89D76097}" sibTransId="{0EAC7370-CAE9-42C6-95D8-F64D712DF60E}"/>
-    <dgm:cxn modelId="{1E01A316-E9FE-4255-B8CB-C979D568B84D}" type="presOf" srcId="{4C2ECB26-0BCC-4A82-87E4-234568B2FADD}" destId="{33B33A0B-C7B9-4F34-8118-E2FD8B31E553}" srcOrd="0" destOrd="0" presId="urn:microsoft.com/office/officeart/2005/8/layout/chevron1"/>
-    <dgm:cxn modelId="{D67EB6F8-4CFA-431E-A5D9-8AF663DD8707}" type="presOf" srcId="{C82359DE-F4E4-4A4C-BD08-FB1BADBE750E}" destId="{379EC71E-7B82-4AAB-A5CA-6ADE421628F6}" srcOrd="0" destOrd="0" presId="urn:microsoft.com/office/officeart/2005/8/layout/chevron1"/>
     <dgm:cxn modelId="{B7047BC4-F4AC-4B6D-9953-87DA8079C681}" type="presParOf" srcId="{65F9B252-E640-4161-B138-F04E133526C0}" destId="{FC2A3403-782F-48F7-9BEB-85B2AF0A874C}" srcOrd="0" destOrd="0" presId="urn:microsoft.com/office/officeart/2005/8/layout/chevron1"/>
     <dgm:cxn modelId="{D0F73A22-6440-466F-99ED-C882C8853BDE}" type="presParOf" srcId="{65F9B252-E640-4161-B138-F04E133526C0}" destId="{9E86C8C4-91CF-4BC5-A990-153F045EFD6F}" srcOrd="1" destOrd="0" presId="urn:microsoft.com/office/officeart/2005/8/layout/chevron1"/>
     <dgm:cxn modelId="{F0B53DCF-5531-4D33-BEB7-629C1F002A92}" type="presParOf" srcId="{65F9B252-E640-4161-B138-F04E133526C0}" destId="{64022F9A-EADD-4021-BDC0-9DB85A6D87E1}" srcOrd="2" destOrd="0" presId="urn:microsoft.com/office/officeart/2005/8/layout/chevron1"/>
@@ -19188,8 +19503,8 @@
     <dgm:cxn modelId="{D40E0775-4B65-46B7-8981-44397FA5E09E}" srcId="{A99D1D09-03E3-455E-9E41-BE59FAF02762}" destId="{55EC8C21-D6E3-445B-8EF9-FB8FA072E4B9}" srcOrd="5" destOrd="0" parTransId="{D0485A62-01CB-45B6-B725-FAFAB1CB75F8}" sibTransId="{657F403B-9A95-4CD1-9FDC-967B64426117}"/>
     <dgm:cxn modelId="{E67037A8-DCDC-4220-B70A-84A79E78AA61}" type="presOf" srcId="{AB8A66D4-8228-4797-8D02-D84F6C09B23B}" destId="{B43E6527-5D9F-46F9-9BB1-E2E0CAEE9613}" srcOrd="0" destOrd="0" presId="urn:microsoft.com/office/officeart/2005/8/layout/chevron1"/>
     <dgm:cxn modelId="{0BA8E660-9974-4469-B166-04B725AC2478}" srcId="{A99D1D09-03E3-455E-9E41-BE59FAF02762}" destId="{34073B4A-510E-47BE-9DA1-BBB95DC65D58}" srcOrd="0" destOrd="0" parTransId="{CCEFF9A9-37F8-4F35-A132-635401313468}" sibTransId="{5654DA42-7522-44AD-BAE1-E81DACF0A806}"/>
+    <dgm:cxn modelId="{863C0BFE-0C97-447B-8561-DABD469A649B}" type="presOf" srcId="{2D98998A-E82F-41CA-BE93-12407322A55F}" destId="{C68FDA6D-46EF-40E6-ACF3-7589E599E632}" srcOrd="0" destOrd="0" presId="urn:microsoft.com/office/officeart/2005/8/layout/chevron1"/>
     <dgm:cxn modelId="{39AAFA6D-4B90-43BE-862E-E3370AAB489E}" type="presOf" srcId="{813B185B-F444-4EF6-BFC3-F8899DD0850E}" destId="{36031AA4-6A22-41A6-960B-AAEFAA333057}" srcOrd="0" destOrd="0" presId="urn:microsoft.com/office/officeart/2005/8/layout/chevron1"/>
-    <dgm:cxn modelId="{863C0BFE-0C97-447B-8561-DABD469A649B}" type="presOf" srcId="{2D98998A-E82F-41CA-BE93-12407322A55F}" destId="{C68FDA6D-46EF-40E6-ACF3-7589E599E632}" srcOrd="0" destOrd="0" presId="urn:microsoft.com/office/officeart/2005/8/layout/chevron1"/>
     <dgm:cxn modelId="{CE2FCC75-1407-4C7E-B47B-C07194D56EAE}" srcId="{A99D1D09-03E3-455E-9E41-BE59FAF02762}" destId="{F78B396B-1C09-4909-9584-CE9F66FE16B1}" srcOrd="2" destOrd="0" parTransId="{1D853CA7-E2B7-4972-8D8F-CC607821D288}" sibTransId="{BBB8C82F-FBD4-4F9B-BB97-3E41F3536A15}"/>
     <dgm:cxn modelId="{597578DB-F007-4C5C-97F7-04C4E8951A71}" type="presOf" srcId="{A99D1D09-03E3-455E-9E41-BE59FAF02762}" destId="{65F9B252-E640-4161-B138-F04E133526C0}" srcOrd="0" destOrd="0" presId="urn:microsoft.com/office/officeart/2005/8/layout/chevron1"/>
     <dgm:cxn modelId="{EDE15AB9-0026-4F2C-BB81-D431E88ACBB9}" type="presOf" srcId="{55EC8C21-D6E3-445B-8EF9-FB8FA072E4B9}" destId="{FEDE44A8-596C-47E9-B07C-06460A218DB2}" srcOrd="0" destOrd="0" presId="urn:microsoft.com/office/officeart/2005/8/layout/chevron1"/>
@@ -19622,6 +19937,13 @@
         </dgm:presLayoutVars>
       </dgm:prSet>
       <dgm:spPr/>
+      <dgm:t>
+        <a:bodyPr/>
+        <a:lstStyle/>
+        <a:p>
+          <a:endParaRPr lang="en-US"/>
+        </a:p>
+      </dgm:t>
     </dgm:pt>
     <dgm:pt modelId="{A8CE13D0-B6D0-4B39-A0B1-3D7A726F5A4D}" type="pres">
       <dgm:prSet presAssocID="{357E3B21-997C-4C6E-ABA4-BBAD12891520}" presName="parTxOnly" presStyleLbl="node1" presStyleIdx="0" presStyleCnt="9">
@@ -19632,6 +19954,13 @@
         </dgm:presLayoutVars>
       </dgm:prSet>
       <dgm:spPr/>
+      <dgm:t>
+        <a:bodyPr/>
+        <a:lstStyle/>
+        <a:p>
+          <a:endParaRPr lang="en-US"/>
+        </a:p>
+      </dgm:t>
     </dgm:pt>
     <dgm:pt modelId="{B08E3481-8569-446E-91CD-A99827E67E41}" type="pres">
       <dgm:prSet presAssocID="{303884A4-60CC-40B2-965F-6079DFD0DA86}" presName="parTxOnlySpace" presStyleCnt="0"/>
@@ -19646,6 +19975,13 @@
         </dgm:presLayoutVars>
       </dgm:prSet>
       <dgm:spPr/>
+      <dgm:t>
+        <a:bodyPr/>
+        <a:lstStyle/>
+        <a:p>
+          <a:endParaRPr lang="en-US"/>
+        </a:p>
+      </dgm:t>
     </dgm:pt>
     <dgm:pt modelId="{DDD17FA7-721B-4E4B-AFFD-F0A5CD857DF4}" type="pres">
       <dgm:prSet presAssocID="{92E226BA-7391-45ED-AF47-6C2EF586FB49}" presName="parTxOnlySpace" presStyleCnt="0"/>
@@ -19660,6 +19996,13 @@
         </dgm:presLayoutVars>
       </dgm:prSet>
       <dgm:spPr/>
+      <dgm:t>
+        <a:bodyPr/>
+        <a:lstStyle/>
+        <a:p>
+          <a:endParaRPr lang="en-US"/>
+        </a:p>
+      </dgm:t>
     </dgm:pt>
     <dgm:pt modelId="{EA86B01A-AFDA-4410-A8B6-498E08FA6331}" type="pres">
       <dgm:prSet presAssocID="{3B590487-B16F-439C-AA15-15F07D33E333}" presName="parTxOnlySpace" presStyleCnt="0"/>
@@ -19674,6 +20017,13 @@
         </dgm:presLayoutVars>
       </dgm:prSet>
       <dgm:spPr/>
+      <dgm:t>
+        <a:bodyPr/>
+        <a:lstStyle/>
+        <a:p>
+          <a:endParaRPr lang="en-US"/>
+        </a:p>
+      </dgm:t>
     </dgm:pt>
     <dgm:pt modelId="{3D889840-3935-4BDD-BD39-4478B03ECB47}" type="pres">
       <dgm:prSet presAssocID="{D7AF7D06-AD7B-42B4-9A36-9570C13DECEB}" presName="parTxOnlySpace" presStyleCnt="0"/>
@@ -19688,6 +20038,13 @@
         </dgm:presLayoutVars>
       </dgm:prSet>
       <dgm:spPr/>
+      <dgm:t>
+        <a:bodyPr/>
+        <a:lstStyle/>
+        <a:p>
+          <a:endParaRPr lang="en-US"/>
+        </a:p>
+      </dgm:t>
     </dgm:pt>
     <dgm:pt modelId="{EA84F895-3753-487F-840E-EF10E7E4BEA9}" type="pres">
       <dgm:prSet presAssocID="{4AF1FC4D-595A-430B-9AB9-9318417B172B}" presName="parTxOnlySpace" presStyleCnt="0"/>
@@ -19702,6 +20059,13 @@
         </dgm:presLayoutVars>
       </dgm:prSet>
       <dgm:spPr/>
+      <dgm:t>
+        <a:bodyPr/>
+        <a:lstStyle/>
+        <a:p>
+          <a:endParaRPr lang="en-US"/>
+        </a:p>
+      </dgm:t>
     </dgm:pt>
     <dgm:pt modelId="{5F6D5F60-C33E-4733-BE20-166E6B5DC3A7}" type="pres">
       <dgm:prSet presAssocID="{1DE313CF-52A9-400E-A7EA-591FA91485E6}" presName="parTxOnlySpace" presStyleCnt="0"/>
@@ -19716,6 +20080,13 @@
         </dgm:presLayoutVars>
       </dgm:prSet>
       <dgm:spPr/>
+      <dgm:t>
+        <a:bodyPr/>
+        <a:lstStyle/>
+        <a:p>
+          <a:endParaRPr lang="en-US"/>
+        </a:p>
+      </dgm:t>
     </dgm:pt>
     <dgm:pt modelId="{70C8FBB5-EBFA-4F20-AD40-899725D70CC5}" type="pres">
       <dgm:prSet presAssocID="{A0ECAFD1-63A2-472E-A9F4-EEAC7A6B0A44}" presName="parTxOnlySpace" presStyleCnt="0"/>
@@ -19730,6 +20101,13 @@
         </dgm:presLayoutVars>
       </dgm:prSet>
       <dgm:spPr/>
+      <dgm:t>
+        <a:bodyPr/>
+        <a:lstStyle/>
+        <a:p>
+          <a:endParaRPr lang="en-US"/>
+        </a:p>
+      </dgm:t>
     </dgm:pt>
     <dgm:pt modelId="{63030954-492A-4B89-B9DA-C88F832BBA3D}" type="pres">
       <dgm:prSet presAssocID="{692F2119-B066-4303-A6CF-33F300E41904}" presName="parTxOnlySpace" presStyleCnt="0"/>
@@ -19744,28 +20122,35 @@
         </dgm:presLayoutVars>
       </dgm:prSet>
       <dgm:spPr/>
+      <dgm:t>
+        <a:bodyPr/>
+        <a:lstStyle/>
+        <a:p>
+          <a:endParaRPr lang="en-US"/>
+        </a:p>
+      </dgm:t>
     </dgm:pt>
   </dgm:ptLst>
   <dgm:cxnLst>
+    <dgm:cxn modelId="{6BF5AC4B-F4C7-4E1E-AC12-736AE263874F}" srcId="{A99D1D09-03E3-455E-9E41-BE59FAF02762}" destId="{EEB16369-227A-4F73-99E8-3046BC2153CC}" srcOrd="3" destOrd="0" parTransId="{A1C9E283-FCA1-4B63-85FC-28EA3E1DC86B}" sibTransId="{D7AF7D06-AD7B-42B4-9A36-9570C13DECEB}"/>
+    <dgm:cxn modelId="{EB749BED-E0AC-49C4-815D-E1C39ABD390F}" type="presOf" srcId="{D20EA25F-4E78-45B9-BADA-2C047A660FE5}" destId="{E79756B4-BDE4-4A97-88AB-FE5D1E732813}" srcOrd="0" destOrd="0" presId="urn:microsoft.com/office/officeart/2005/8/layout/chevron1"/>
+    <dgm:cxn modelId="{97D929A6-3113-464C-8E34-B4C0C2279ADC}" srcId="{A99D1D09-03E3-455E-9E41-BE59FAF02762}" destId="{425F72D4-B01A-4688-855B-1113EEBEABEF}" srcOrd="7" destOrd="0" parTransId="{F1C7930F-F8E7-481C-907F-5CEEE4C63A42}" sibTransId="{692F2119-B066-4303-A6CF-33F300E41904}"/>
+    <dgm:cxn modelId="{AB2AF633-8A6F-40D7-A904-D99DD3BF4BD6}" type="presOf" srcId="{A99D1D09-03E3-455E-9E41-BE59FAF02762}" destId="{65F9B252-E640-4161-B138-F04E133526C0}" srcOrd="0" destOrd="0" presId="urn:microsoft.com/office/officeart/2005/8/layout/chevron1"/>
+    <dgm:cxn modelId="{7AD3C438-CDCB-4536-859E-1CE77B1548CB}" srcId="{A99D1D09-03E3-455E-9E41-BE59FAF02762}" destId="{357E3B21-997C-4C6E-ABA4-BBAD12891520}" srcOrd="0" destOrd="0" parTransId="{AAD9265D-EF4C-443B-BC4B-532C97D8A4C3}" sibTransId="{303884A4-60CC-40B2-965F-6079DFD0DA86}"/>
+    <dgm:cxn modelId="{44549331-21DF-4F7D-8C4E-F5E8A14C19C7}" srcId="{A99D1D09-03E3-455E-9E41-BE59FAF02762}" destId="{D20EA25F-4E78-45B9-BADA-2C047A660FE5}" srcOrd="2" destOrd="0" parTransId="{9E08477F-F84A-4B7D-8A16-B32065E04F86}" sibTransId="{3B590487-B16F-439C-AA15-15F07D33E333}"/>
     <dgm:cxn modelId="{5DB07E0A-C29C-46A5-85A2-E3F5B74A6BE1}" srcId="{A99D1D09-03E3-455E-9E41-BE59FAF02762}" destId="{B589BAAF-1177-4FA2-B99D-921E6294EE94}" srcOrd="6" destOrd="0" parTransId="{5DEDDB59-17F1-44EC-8384-F3EF15C6971F}" sibTransId="{A0ECAFD1-63A2-472E-A9F4-EEAC7A6B0A44}"/>
-    <dgm:cxn modelId="{65421511-FF5A-4304-8D18-0DFBFE6D5078}" type="presOf" srcId="{2D3B605F-1124-4397-98F7-3A9644976722}" destId="{117742F7-1B9C-48BA-817E-7F1FF325B170}" srcOrd="0" destOrd="0" presId="urn:microsoft.com/office/officeart/2005/8/layout/chevron1"/>
-    <dgm:cxn modelId="{B87995E0-A872-43D3-9146-C0E89214F812}" srcId="{A99D1D09-03E3-455E-9E41-BE59FAF02762}" destId="{AE48939D-9BAF-4E3C-A48D-05B67E3699A4}" srcOrd="1" destOrd="0" parTransId="{7DB4422B-E8CD-4F4C-8AD3-6D71A7408302}" sibTransId="{92E226BA-7391-45ED-AF47-6C2EF586FB49}"/>
-    <dgm:cxn modelId="{44549331-21DF-4F7D-8C4E-F5E8A14C19C7}" srcId="{A99D1D09-03E3-455E-9E41-BE59FAF02762}" destId="{D20EA25F-4E78-45B9-BADA-2C047A660FE5}" srcOrd="2" destOrd="0" parTransId="{9E08477F-F84A-4B7D-8A16-B32065E04F86}" sibTransId="{3B590487-B16F-439C-AA15-15F07D33E333}"/>
-    <dgm:cxn modelId="{A7F6821E-13F4-45B6-A47A-398BEF695A4E}" type="presOf" srcId="{B589BAAF-1177-4FA2-B99D-921E6294EE94}" destId="{D7286C2B-CFA9-46A5-98D2-F1AEAAD85EEE}" srcOrd="0" destOrd="0" presId="urn:microsoft.com/office/officeart/2005/8/layout/chevron1"/>
     <dgm:cxn modelId="{9B3E91E1-FDBC-44E6-90B0-1DB5D1D1EF26}" type="presOf" srcId="{D11A6A48-2CCE-488D-804E-B869CA04C699}" destId="{A3568ACC-247E-493B-BFA0-06172138FD55}" srcOrd="0" destOrd="0" presId="urn:microsoft.com/office/officeart/2005/8/layout/chevron1"/>
-    <dgm:cxn modelId="{46964920-34EF-475E-BA5E-FFE3B13E642B}" srcId="{A99D1D09-03E3-455E-9E41-BE59FAF02762}" destId="{C24745D5-9F64-4EDB-9E95-40B42CF900B3}" srcOrd="8" destOrd="0" parTransId="{B2801335-F9DD-432B-ADFC-612F1D2D1E37}" sibTransId="{39662C58-4904-4440-9C65-DC7648AB3A36}"/>
-    <dgm:cxn modelId="{1D4B69FB-7612-4D3D-AEE7-93685BBE2EBF}" type="presOf" srcId="{357E3B21-997C-4C6E-ABA4-BBAD12891520}" destId="{A8CE13D0-B6D0-4B39-A0B1-3D7A726F5A4D}" srcOrd="0" destOrd="0" presId="urn:microsoft.com/office/officeart/2005/8/layout/chevron1"/>
+    <dgm:cxn modelId="{41B317CD-3A0C-4ED1-8C22-DCB656A4E9B1}" srcId="{A99D1D09-03E3-455E-9E41-BE59FAF02762}" destId="{D11A6A48-2CCE-488D-804E-B869CA04C699}" srcOrd="5" destOrd="0" parTransId="{A4CAF9C2-7D40-49A4-9CD7-627500FC5188}" sibTransId="{1DE313CF-52A9-400E-A7EA-591FA91485E6}"/>
     <dgm:cxn modelId="{6263C976-F2AA-4F55-82F4-6A70EE94D9F5}" type="presOf" srcId="{425F72D4-B01A-4688-855B-1113EEBEABEF}" destId="{BA355B09-6484-4695-8ECB-FCF6C60F12DB}" srcOrd="0" destOrd="0" presId="urn:microsoft.com/office/officeart/2005/8/layout/chevron1"/>
     <dgm:cxn modelId="{2F92DFED-FF08-449B-92B2-B1E386BDCDAA}" srcId="{A99D1D09-03E3-455E-9E41-BE59FAF02762}" destId="{2D3B605F-1124-4397-98F7-3A9644976722}" srcOrd="4" destOrd="0" parTransId="{6AE31FFE-88B3-4D04-B94E-C3F16CC9FEC6}" sibTransId="{4AF1FC4D-595A-430B-9AB9-9318417B172B}"/>
-    <dgm:cxn modelId="{EB749BED-E0AC-49C4-815D-E1C39ABD390F}" type="presOf" srcId="{D20EA25F-4E78-45B9-BADA-2C047A660FE5}" destId="{E79756B4-BDE4-4A97-88AB-FE5D1E732813}" srcOrd="0" destOrd="0" presId="urn:microsoft.com/office/officeart/2005/8/layout/chevron1"/>
-    <dgm:cxn modelId="{6BF5AC4B-F4C7-4E1E-AC12-736AE263874F}" srcId="{A99D1D09-03E3-455E-9E41-BE59FAF02762}" destId="{EEB16369-227A-4F73-99E8-3046BC2153CC}" srcOrd="3" destOrd="0" parTransId="{A1C9E283-FCA1-4B63-85FC-28EA3E1DC86B}" sibTransId="{D7AF7D06-AD7B-42B4-9A36-9570C13DECEB}"/>
-    <dgm:cxn modelId="{97D929A6-3113-464C-8E34-B4C0C2279ADC}" srcId="{A99D1D09-03E3-455E-9E41-BE59FAF02762}" destId="{425F72D4-B01A-4688-855B-1113EEBEABEF}" srcOrd="7" destOrd="0" parTransId="{F1C7930F-F8E7-481C-907F-5CEEE4C63A42}" sibTransId="{692F2119-B066-4303-A6CF-33F300E41904}"/>
-    <dgm:cxn modelId="{41B317CD-3A0C-4ED1-8C22-DCB656A4E9B1}" srcId="{A99D1D09-03E3-455E-9E41-BE59FAF02762}" destId="{D11A6A48-2CCE-488D-804E-B869CA04C699}" srcOrd="5" destOrd="0" parTransId="{A4CAF9C2-7D40-49A4-9CD7-627500FC5188}" sibTransId="{1DE313CF-52A9-400E-A7EA-591FA91485E6}"/>
+    <dgm:cxn modelId="{A7F6821E-13F4-45B6-A47A-398BEF695A4E}" type="presOf" srcId="{B589BAAF-1177-4FA2-B99D-921E6294EE94}" destId="{D7286C2B-CFA9-46A5-98D2-F1AEAAD85EEE}" srcOrd="0" destOrd="0" presId="urn:microsoft.com/office/officeart/2005/8/layout/chevron1"/>
     <dgm:cxn modelId="{68D1C15C-80F9-4464-AE66-4264D9D2F3D2}" type="presOf" srcId="{C24745D5-9F64-4EDB-9E95-40B42CF900B3}" destId="{00F2912C-0F4D-48A7-95B6-9E37D201E222}" srcOrd="0" destOrd="0" presId="urn:microsoft.com/office/officeart/2005/8/layout/chevron1"/>
+    <dgm:cxn modelId="{B87995E0-A872-43D3-9146-C0E89214F812}" srcId="{A99D1D09-03E3-455E-9E41-BE59FAF02762}" destId="{AE48939D-9BAF-4E3C-A48D-05B67E3699A4}" srcOrd="1" destOrd="0" parTransId="{7DB4422B-E8CD-4F4C-8AD3-6D71A7408302}" sibTransId="{92E226BA-7391-45ED-AF47-6C2EF586FB49}"/>
+    <dgm:cxn modelId="{46964920-34EF-475E-BA5E-FFE3B13E642B}" srcId="{A99D1D09-03E3-455E-9E41-BE59FAF02762}" destId="{C24745D5-9F64-4EDB-9E95-40B42CF900B3}" srcOrd="8" destOrd="0" parTransId="{B2801335-F9DD-432B-ADFC-612F1D2D1E37}" sibTransId="{39662C58-4904-4440-9C65-DC7648AB3A36}"/>
+    <dgm:cxn modelId="{996B6111-D208-4741-BB19-7C4FC326A7AB}" type="presOf" srcId="{EEB16369-227A-4F73-99E8-3046BC2153CC}" destId="{00AEE490-3D42-45B7-BA7B-777DC8754998}" srcOrd="0" destOrd="0" presId="urn:microsoft.com/office/officeart/2005/8/layout/chevron1"/>
     <dgm:cxn modelId="{7965BF95-7D02-4908-B7F7-55F9024189EB}" type="presOf" srcId="{AE48939D-9BAF-4E3C-A48D-05B67E3699A4}" destId="{A6FB3438-2F4B-42A7-AD06-17696C15D6BE}" srcOrd="0" destOrd="0" presId="urn:microsoft.com/office/officeart/2005/8/layout/chevron1"/>
-    <dgm:cxn modelId="{AB2AF633-8A6F-40D7-A904-D99DD3BF4BD6}" type="presOf" srcId="{A99D1D09-03E3-455E-9E41-BE59FAF02762}" destId="{65F9B252-E640-4161-B138-F04E133526C0}" srcOrd="0" destOrd="0" presId="urn:microsoft.com/office/officeart/2005/8/layout/chevron1"/>
-    <dgm:cxn modelId="{7AD3C438-CDCB-4536-859E-1CE77B1548CB}" srcId="{A99D1D09-03E3-455E-9E41-BE59FAF02762}" destId="{357E3B21-997C-4C6E-ABA4-BBAD12891520}" srcOrd="0" destOrd="0" parTransId="{AAD9265D-EF4C-443B-BC4B-532C97D8A4C3}" sibTransId="{303884A4-60CC-40B2-965F-6079DFD0DA86}"/>
-    <dgm:cxn modelId="{996B6111-D208-4741-BB19-7C4FC326A7AB}" type="presOf" srcId="{EEB16369-227A-4F73-99E8-3046BC2153CC}" destId="{00AEE490-3D42-45B7-BA7B-777DC8754998}" srcOrd="0" destOrd="0" presId="urn:microsoft.com/office/officeart/2005/8/layout/chevron1"/>
+    <dgm:cxn modelId="{65421511-FF5A-4304-8D18-0DFBFE6D5078}" type="presOf" srcId="{2D3B605F-1124-4397-98F7-3A9644976722}" destId="{117742F7-1B9C-48BA-817E-7F1FF325B170}" srcOrd="0" destOrd="0" presId="urn:microsoft.com/office/officeart/2005/8/layout/chevron1"/>
+    <dgm:cxn modelId="{1D4B69FB-7612-4D3D-AEE7-93685BBE2EBF}" type="presOf" srcId="{357E3B21-997C-4C6E-ABA4-BBAD12891520}" destId="{A8CE13D0-B6D0-4B39-A0B1-3D7A726F5A4D}" srcOrd="0" destOrd="0" presId="urn:microsoft.com/office/officeart/2005/8/layout/chevron1"/>
     <dgm:cxn modelId="{5BC13A04-2D82-40BF-9532-FC4D24D38348}" type="presParOf" srcId="{65F9B252-E640-4161-B138-F04E133526C0}" destId="{A8CE13D0-B6D0-4B39-A0B1-3D7A726F5A4D}" srcOrd="0" destOrd="0" presId="urn:microsoft.com/office/officeart/2005/8/layout/chevron1"/>
     <dgm:cxn modelId="{C8840FD6-9480-4DE3-975B-674A8A02F9A3}" type="presParOf" srcId="{65F9B252-E640-4161-B138-F04E133526C0}" destId="{B08E3481-8569-446E-91CD-A99827E67E41}" srcOrd="1" destOrd="0" presId="urn:microsoft.com/office/officeart/2005/8/layout/chevron1"/>
     <dgm:cxn modelId="{4B07ABEF-5F25-46ED-B94B-F2C3764C7B40}" type="presParOf" srcId="{65F9B252-E640-4161-B138-F04E133526C0}" destId="{A6FB3438-2F4B-42A7-AD06-17696C15D6BE}" srcOrd="2" destOrd="0" presId="urn:microsoft.com/office/officeart/2005/8/layout/chevron1"/>
@@ -20192,6 +20577,13 @@
         </dgm:presLayoutVars>
       </dgm:prSet>
       <dgm:spPr/>
+      <dgm:t>
+        <a:bodyPr/>
+        <a:lstStyle/>
+        <a:p>
+          <a:endParaRPr lang="en-US"/>
+        </a:p>
+      </dgm:t>
     </dgm:pt>
     <dgm:pt modelId="{A8CE13D0-B6D0-4B39-A0B1-3D7A726F5A4D}" type="pres">
       <dgm:prSet presAssocID="{357E3B21-997C-4C6E-ABA4-BBAD12891520}" presName="parTxOnly" presStyleLbl="node1" presStyleIdx="0" presStyleCnt="9">
@@ -20202,6 +20594,13 @@
         </dgm:presLayoutVars>
       </dgm:prSet>
       <dgm:spPr/>
+      <dgm:t>
+        <a:bodyPr/>
+        <a:lstStyle/>
+        <a:p>
+          <a:endParaRPr lang="en-US"/>
+        </a:p>
+      </dgm:t>
     </dgm:pt>
     <dgm:pt modelId="{B08E3481-8569-446E-91CD-A99827E67E41}" type="pres">
       <dgm:prSet presAssocID="{303884A4-60CC-40B2-965F-6079DFD0DA86}" presName="parTxOnlySpace" presStyleCnt="0"/>
@@ -20216,6 +20615,13 @@
         </dgm:presLayoutVars>
       </dgm:prSet>
       <dgm:spPr/>
+      <dgm:t>
+        <a:bodyPr/>
+        <a:lstStyle/>
+        <a:p>
+          <a:endParaRPr lang="en-US"/>
+        </a:p>
+      </dgm:t>
     </dgm:pt>
     <dgm:pt modelId="{DDD17FA7-721B-4E4B-AFFD-F0A5CD857DF4}" type="pres">
       <dgm:prSet presAssocID="{92E226BA-7391-45ED-AF47-6C2EF586FB49}" presName="parTxOnlySpace" presStyleCnt="0"/>
@@ -20230,6 +20636,13 @@
         </dgm:presLayoutVars>
       </dgm:prSet>
       <dgm:spPr/>
+      <dgm:t>
+        <a:bodyPr/>
+        <a:lstStyle/>
+        <a:p>
+          <a:endParaRPr lang="en-US"/>
+        </a:p>
+      </dgm:t>
     </dgm:pt>
     <dgm:pt modelId="{EA86B01A-AFDA-4410-A8B6-498E08FA6331}" type="pres">
       <dgm:prSet presAssocID="{3B590487-B16F-439C-AA15-15F07D33E333}" presName="parTxOnlySpace" presStyleCnt="0"/>
@@ -20244,6 +20657,13 @@
         </dgm:presLayoutVars>
       </dgm:prSet>
       <dgm:spPr/>
+      <dgm:t>
+        <a:bodyPr/>
+        <a:lstStyle/>
+        <a:p>
+          <a:endParaRPr lang="en-US"/>
+        </a:p>
+      </dgm:t>
     </dgm:pt>
     <dgm:pt modelId="{3D889840-3935-4BDD-BD39-4478B03ECB47}" type="pres">
       <dgm:prSet presAssocID="{D7AF7D06-AD7B-42B4-9A36-9570C13DECEB}" presName="parTxOnlySpace" presStyleCnt="0"/>
@@ -20258,6 +20678,13 @@
         </dgm:presLayoutVars>
       </dgm:prSet>
       <dgm:spPr/>
+      <dgm:t>
+        <a:bodyPr/>
+        <a:lstStyle/>
+        <a:p>
+          <a:endParaRPr lang="en-US"/>
+        </a:p>
+      </dgm:t>
     </dgm:pt>
     <dgm:pt modelId="{EA84F895-3753-487F-840E-EF10E7E4BEA9}" type="pres">
       <dgm:prSet presAssocID="{4AF1FC4D-595A-430B-9AB9-9318417B172B}" presName="parTxOnlySpace" presStyleCnt="0"/>
@@ -20272,6 +20699,13 @@
         </dgm:presLayoutVars>
       </dgm:prSet>
       <dgm:spPr/>
+      <dgm:t>
+        <a:bodyPr/>
+        <a:lstStyle/>
+        <a:p>
+          <a:endParaRPr lang="en-US"/>
+        </a:p>
+      </dgm:t>
     </dgm:pt>
     <dgm:pt modelId="{5F6D5F60-C33E-4733-BE20-166E6B5DC3A7}" type="pres">
       <dgm:prSet presAssocID="{1DE313CF-52A9-400E-A7EA-591FA91485E6}" presName="parTxOnlySpace" presStyleCnt="0"/>
@@ -20286,6 +20720,13 @@
         </dgm:presLayoutVars>
       </dgm:prSet>
       <dgm:spPr/>
+      <dgm:t>
+        <a:bodyPr/>
+        <a:lstStyle/>
+        <a:p>
+          <a:endParaRPr lang="en-US"/>
+        </a:p>
+      </dgm:t>
     </dgm:pt>
     <dgm:pt modelId="{70C8FBB5-EBFA-4F20-AD40-899725D70CC5}" type="pres">
       <dgm:prSet presAssocID="{A0ECAFD1-63A2-472E-A9F4-EEAC7A6B0A44}" presName="parTxOnlySpace" presStyleCnt="0"/>
@@ -20300,6 +20741,13 @@
         </dgm:presLayoutVars>
       </dgm:prSet>
       <dgm:spPr/>
+      <dgm:t>
+        <a:bodyPr/>
+        <a:lstStyle/>
+        <a:p>
+          <a:endParaRPr lang="en-US"/>
+        </a:p>
+      </dgm:t>
     </dgm:pt>
     <dgm:pt modelId="{63030954-492A-4B89-B9DA-C88F832BBA3D}" type="pres">
       <dgm:prSet presAssocID="{692F2119-B066-4303-A6CF-33F300E41904}" presName="parTxOnlySpace" presStyleCnt="0"/>
@@ -20314,13 +20762,20 @@
         </dgm:presLayoutVars>
       </dgm:prSet>
       <dgm:spPr/>
+      <dgm:t>
+        <a:bodyPr/>
+        <a:lstStyle/>
+        <a:p>
+          <a:endParaRPr lang="en-US"/>
+        </a:p>
+      </dgm:t>
     </dgm:pt>
   </dgm:ptLst>
   <dgm:cxnLst>
     <dgm:cxn modelId="{8B27B5E1-831D-4B4A-85EC-4BA7690D60AB}" type="presOf" srcId="{B589BAAF-1177-4FA2-B99D-921E6294EE94}" destId="{D7286C2B-CFA9-46A5-98D2-F1AEAAD85EEE}" srcOrd="0" destOrd="0" presId="urn:microsoft.com/office/officeart/2005/8/layout/chevron1"/>
     <dgm:cxn modelId="{6BF5AC4B-F4C7-4E1E-AC12-736AE263874F}" srcId="{A99D1D09-03E3-455E-9E41-BE59FAF02762}" destId="{EEB16369-227A-4F73-99E8-3046BC2153CC}" srcOrd="3" destOrd="0" parTransId="{A1C9E283-FCA1-4B63-85FC-28EA3E1DC86B}" sibTransId="{D7AF7D06-AD7B-42B4-9A36-9570C13DECEB}"/>
+    <dgm:cxn modelId="{5063B162-18C8-49AC-9A23-6D6EEE46C78F}" type="presOf" srcId="{D11A6A48-2CCE-488D-804E-B869CA04C699}" destId="{A3568ACC-247E-493B-BFA0-06172138FD55}" srcOrd="0" destOrd="0" presId="urn:microsoft.com/office/officeart/2005/8/layout/chevron1"/>
     <dgm:cxn modelId="{97D929A6-3113-464C-8E34-B4C0C2279ADC}" srcId="{A99D1D09-03E3-455E-9E41-BE59FAF02762}" destId="{425F72D4-B01A-4688-855B-1113EEBEABEF}" srcOrd="7" destOrd="0" parTransId="{F1C7930F-F8E7-481C-907F-5CEEE4C63A42}" sibTransId="{692F2119-B066-4303-A6CF-33F300E41904}"/>
-    <dgm:cxn modelId="{5063B162-18C8-49AC-9A23-6D6EEE46C78F}" type="presOf" srcId="{D11A6A48-2CCE-488D-804E-B869CA04C699}" destId="{A3568ACC-247E-493B-BFA0-06172138FD55}" srcOrd="0" destOrd="0" presId="urn:microsoft.com/office/officeart/2005/8/layout/chevron1"/>
     <dgm:cxn modelId="{87A656ED-0160-403C-9D39-6A28C3108446}" type="presOf" srcId="{A99D1D09-03E3-455E-9E41-BE59FAF02762}" destId="{65F9B252-E640-4161-B138-F04E133526C0}" srcOrd="0" destOrd="0" presId="urn:microsoft.com/office/officeart/2005/8/layout/chevron1"/>
     <dgm:cxn modelId="{FAB10739-DF42-45F0-890A-96257C3A3AE7}" type="presOf" srcId="{357E3B21-997C-4C6E-ABA4-BBAD12891520}" destId="{A8CE13D0-B6D0-4B39-A0B1-3D7A726F5A4D}" srcOrd="0" destOrd="0" presId="urn:microsoft.com/office/officeart/2005/8/layout/chevron1"/>
     <dgm:cxn modelId="{7AD3C438-CDCB-4536-859E-1CE77B1548CB}" srcId="{A99D1D09-03E3-455E-9E41-BE59FAF02762}" destId="{357E3B21-997C-4C6E-ABA4-BBAD12891520}" srcOrd="0" destOrd="0" parTransId="{AAD9265D-EF4C-443B-BC4B-532C97D8A4C3}" sibTransId="{303884A4-60CC-40B2-965F-6079DFD0DA86}"/>
@@ -50514,7 +50969,8 @@
           <a:p>
             <a:fld id="{83773FCA-FBF3-4265-B64E-F316C1FABF21}" type="datetimeFigureOut">
               <a:rPr lang="he-IL" smtClean="0"/>
-              <a:t>כ"ד/אייר/תשע"א</a:t>
+              <a:pPr/>
+              <a:t>כ"ו/אייר/תשע"א</a:t>
             </a:fld>
             <a:endParaRPr lang="he-IL"/>
           </a:p>
@@ -50675,6 +51131,7 @@
           <a:p>
             <a:fld id="{BB6BF8CD-CC32-47B4-A474-6C65C7C8C16F}" type="slidenum">
               <a:rPr lang="he-IL" smtClean="0"/>
+              <a:pPr/>
               <a:t>‹#›</a:t>
             </a:fld>
             <a:endParaRPr lang="he-IL"/>
@@ -50846,6 +51303,7 @@
           <a:p>
             <a:fld id="{BB6BF8CD-CC32-47B4-A474-6C65C7C8C16F}" type="slidenum">
               <a:rPr lang="he-IL" smtClean="0"/>
+              <a:pPr/>
               <a:t>2</a:t>
             </a:fld>
             <a:endParaRPr lang="he-IL"/>
@@ -50927,6 +51385,7 @@
           <a:p>
             <a:fld id="{BB6BF8CD-CC32-47B4-A474-6C65C7C8C16F}" type="slidenum">
               <a:rPr lang="he-IL" smtClean="0"/>
+              <a:pPr/>
               <a:t>9</a:t>
             </a:fld>
             <a:endParaRPr lang="he-IL"/>
@@ -51161,7 +51620,8 @@
           <a:p>
             <a:fld id="{99DFD6EC-BE12-40E1-9F28-4DAFDB276D6F}" type="datetimeFigureOut">
               <a:rPr lang="he-IL" smtClean="0"/>
-              <a:t>כ"ד/אייר/תשע"א</a:t>
+              <a:pPr/>
+              <a:t>כ"ו/אייר/תשע"א</a:t>
             </a:fld>
             <a:endParaRPr lang="he-IL"/>
           </a:p>
@@ -51203,6 +51663,7 @@
           <a:p>
             <a:fld id="{93630005-8CF6-4837-A995-EE79FF54D50E}" type="slidenum">
               <a:rPr lang="he-IL" smtClean="0"/>
+              <a:pPr/>
               <a:t>‹#›</a:t>
             </a:fld>
             <a:endParaRPr lang="he-IL"/>
@@ -51326,7 +51787,8 @@
           <a:p>
             <a:fld id="{99DFD6EC-BE12-40E1-9F28-4DAFDB276D6F}" type="datetimeFigureOut">
               <a:rPr lang="he-IL" smtClean="0"/>
-              <a:t>כ"ד/אייר/תשע"א</a:t>
+              <a:pPr/>
+              <a:t>כ"ו/אייר/תשע"א</a:t>
             </a:fld>
             <a:endParaRPr lang="he-IL"/>
           </a:p>
@@ -51368,6 +51830,7 @@
           <a:p>
             <a:fld id="{93630005-8CF6-4837-A995-EE79FF54D50E}" type="slidenum">
               <a:rPr lang="he-IL" smtClean="0"/>
+              <a:pPr/>
               <a:t>‹#›</a:t>
             </a:fld>
             <a:endParaRPr lang="he-IL"/>
@@ -51501,7 +51964,8 @@
           <a:p>
             <a:fld id="{99DFD6EC-BE12-40E1-9F28-4DAFDB276D6F}" type="datetimeFigureOut">
               <a:rPr lang="he-IL" smtClean="0"/>
-              <a:t>כ"ד/אייר/תשע"א</a:t>
+              <a:pPr/>
+              <a:t>כ"ו/אייר/תשע"א</a:t>
             </a:fld>
             <a:endParaRPr lang="he-IL"/>
           </a:p>
@@ -51543,6 +52007,7 @@
           <a:p>
             <a:fld id="{93630005-8CF6-4837-A995-EE79FF54D50E}" type="slidenum">
               <a:rPr lang="he-IL" smtClean="0"/>
+              <a:pPr/>
               <a:t>‹#›</a:t>
             </a:fld>
             <a:endParaRPr lang="he-IL"/>
@@ -51614,7 +52079,8 @@
           <a:p>
             <a:fld id="{99DFD6EC-BE12-40E1-9F28-4DAFDB276D6F}" type="datetimeFigureOut">
               <a:rPr lang="he-IL" smtClean="0"/>
-              <a:t>כ"ד/אייר/תשע"א</a:t>
+              <a:pPr/>
+              <a:t>כ"ו/אייר/תשע"א</a:t>
             </a:fld>
             <a:endParaRPr lang="he-IL"/>
           </a:p>
@@ -51656,6 +52122,7 @@
           <a:p>
             <a:fld id="{93630005-8CF6-4837-A995-EE79FF54D50E}" type="slidenum">
               <a:rPr lang="he-IL" smtClean="0"/>
+              <a:pPr/>
               <a:t>‹#›</a:t>
             </a:fld>
             <a:endParaRPr lang="he-IL"/>
@@ -51827,7 +52294,8 @@
           <a:p>
             <a:fld id="{99DFD6EC-BE12-40E1-9F28-4DAFDB276D6F}" type="datetimeFigureOut">
               <a:rPr lang="he-IL" smtClean="0"/>
-              <a:t>כ"ד/אייר/תשע"א</a:t>
+              <a:pPr/>
+              <a:t>כ"ו/אייר/תשע"א</a:t>
             </a:fld>
             <a:endParaRPr lang="he-IL"/>
           </a:p>
@@ -51874,6 +52342,7 @@
           <a:p>
             <a:fld id="{93630005-8CF6-4837-A995-EE79FF54D50E}" type="slidenum">
               <a:rPr lang="he-IL" smtClean="0"/>
+              <a:pPr/>
               <a:t>‹#›</a:t>
             </a:fld>
             <a:endParaRPr lang="he-IL"/>
@@ -52115,7 +52584,8 @@
           <a:p>
             <a:fld id="{99DFD6EC-BE12-40E1-9F28-4DAFDB276D6F}" type="datetimeFigureOut">
               <a:rPr lang="he-IL" smtClean="0"/>
-              <a:t>כ"ד/אייר/תשע"א</a:t>
+              <a:pPr/>
+              <a:t>כ"ו/אייר/תשע"א</a:t>
             </a:fld>
             <a:endParaRPr lang="he-IL"/>
           </a:p>
@@ -52157,6 +52627,7 @@
           <a:p>
             <a:fld id="{93630005-8CF6-4837-A995-EE79FF54D50E}" type="slidenum">
               <a:rPr lang="he-IL" smtClean="0"/>
+              <a:pPr/>
               <a:t>‹#›</a:t>
             </a:fld>
             <a:endParaRPr lang="he-IL"/>
@@ -52398,7 +52869,8 @@
           <a:p>
             <a:fld id="{99DFD6EC-BE12-40E1-9F28-4DAFDB276D6F}" type="datetimeFigureOut">
               <a:rPr lang="he-IL" smtClean="0"/>
-              <a:t>כ"ד/אייר/תשע"א</a:t>
+              <a:pPr/>
+              <a:t>כ"ו/אייר/תשע"א</a:t>
             </a:fld>
             <a:endParaRPr lang="he-IL"/>
           </a:p>
@@ -52440,6 +52912,7 @@
           <a:p>
             <a:fld id="{93630005-8CF6-4837-A995-EE79FF54D50E}" type="slidenum">
               <a:rPr lang="he-IL" smtClean="0"/>
+              <a:pPr/>
               <a:t>‹#›</a:t>
             </a:fld>
             <a:endParaRPr lang="he-IL"/>
@@ -52815,7 +53288,8 @@
           <a:p>
             <a:fld id="{99DFD6EC-BE12-40E1-9F28-4DAFDB276D6F}" type="datetimeFigureOut">
               <a:rPr lang="he-IL" smtClean="0"/>
-              <a:t>כ"ד/אייר/תשע"א</a:t>
+              <a:pPr/>
+              <a:t>כ"ו/אייר/תשע"א</a:t>
             </a:fld>
             <a:endParaRPr lang="he-IL"/>
           </a:p>
@@ -52857,6 +53331,7 @@
           <a:p>
             <a:fld id="{93630005-8CF6-4837-A995-EE79FF54D50E}" type="slidenum">
               <a:rPr lang="he-IL" smtClean="0"/>
+              <a:pPr/>
               <a:t>‹#›</a:t>
             </a:fld>
             <a:endParaRPr lang="he-IL"/>
@@ -52928,7 +53403,8 @@
           <a:p>
             <a:fld id="{99DFD6EC-BE12-40E1-9F28-4DAFDB276D6F}" type="datetimeFigureOut">
               <a:rPr lang="he-IL" smtClean="0"/>
-              <a:t>כ"ד/אייר/תשע"א</a:t>
+              <a:pPr/>
+              <a:t>כ"ו/אייר/תשע"א</a:t>
             </a:fld>
             <a:endParaRPr lang="he-IL"/>
           </a:p>
@@ -52970,6 +53446,7 @@
           <a:p>
             <a:fld id="{93630005-8CF6-4837-A995-EE79FF54D50E}" type="slidenum">
               <a:rPr lang="he-IL" smtClean="0"/>
+              <a:pPr/>
               <a:t>‹#›</a:t>
             </a:fld>
             <a:endParaRPr lang="he-IL"/>
@@ -53018,7 +53495,8 @@
           <a:p>
             <a:fld id="{99DFD6EC-BE12-40E1-9F28-4DAFDB276D6F}" type="datetimeFigureOut">
               <a:rPr lang="he-IL" smtClean="0"/>
-              <a:t>כ"ד/אייר/תשע"א</a:t>
+              <a:pPr/>
+              <a:t>כ"ו/אייר/תשע"א</a:t>
             </a:fld>
             <a:endParaRPr lang="he-IL"/>
           </a:p>
@@ -53060,6 +53538,7 @@
           <a:p>
             <a:fld id="{93630005-8CF6-4837-A995-EE79FF54D50E}" type="slidenum">
               <a:rPr lang="he-IL" smtClean="0"/>
+              <a:pPr/>
               <a:t>‹#›</a:t>
             </a:fld>
             <a:endParaRPr lang="he-IL"/>
@@ -53290,7 +53769,8 @@
           <a:p>
             <a:fld id="{99DFD6EC-BE12-40E1-9F28-4DAFDB276D6F}" type="datetimeFigureOut">
               <a:rPr lang="he-IL" smtClean="0"/>
-              <a:t>כ"ד/אייר/תשע"א</a:t>
+              <a:pPr/>
+              <a:t>כ"ו/אייר/תשע"א</a:t>
             </a:fld>
             <a:endParaRPr lang="he-IL"/>
           </a:p>
@@ -53332,6 +53812,7 @@
           <a:p>
             <a:fld id="{93630005-8CF6-4837-A995-EE79FF54D50E}" type="slidenum">
               <a:rPr lang="he-IL" smtClean="0"/>
+              <a:pPr/>
               <a:t>‹#›</a:t>
             </a:fld>
             <a:endParaRPr lang="he-IL"/>
@@ -53538,7 +54019,8 @@
           <a:p>
             <a:fld id="{99DFD6EC-BE12-40E1-9F28-4DAFDB276D6F}" type="datetimeFigureOut">
               <a:rPr lang="he-IL" smtClean="0"/>
-              <a:t>כ"ד/אייר/תשע"א</a:t>
+              <a:pPr/>
+              <a:t>כ"ו/אייר/תשע"א</a:t>
             </a:fld>
             <a:endParaRPr lang="he-IL"/>
           </a:p>
@@ -53580,6 +54062,7 @@
           <a:p>
             <a:fld id="{93630005-8CF6-4837-A995-EE79FF54D50E}" type="slidenum">
               <a:rPr lang="he-IL" smtClean="0"/>
+              <a:pPr/>
               <a:t>‹#›</a:t>
             </a:fld>
             <a:endParaRPr lang="he-IL"/>
@@ -53789,7 +54272,8 @@
           <a:p>
             <a:fld id="{99DFD6EC-BE12-40E1-9F28-4DAFDB276D6F}" type="datetimeFigureOut">
               <a:rPr lang="he-IL" smtClean="0"/>
-              <a:t>כ"ד/אייר/תשע"א</a:t>
+              <a:pPr/>
+              <a:t>כ"ו/אייר/תשע"א</a:t>
             </a:fld>
             <a:endParaRPr lang="he-IL"/>
           </a:p>
@@ -53867,6 +54351,7 @@
           <a:p>
             <a:fld id="{93630005-8CF6-4837-A995-EE79FF54D50E}" type="slidenum">
               <a:rPr lang="he-IL" smtClean="0"/>
+              <a:pPr/>
               <a:t>‹#›</a:t>
             </a:fld>
             <a:endParaRPr lang="he-IL"/>
@@ -54688,7 +55173,15 @@
           <a:p>
             <a:r>
               <a:rPr lang="he-IL" dirty="0" smtClean="0"/>
-              <a:t>תיאור הבעיות המצב הקיים </a:t>
+              <a:t>תיאור הבעיות </a:t>
+            </a:r>
+            <a:r>
+              <a:rPr lang="he-IL" dirty="0" smtClean="0"/>
+              <a:t>במצב </a:t>
+            </a:r>
+            <a:r>
+              <a:rPr lang="he-IL" dirty="0" smtClean="0"/>
+              <a:t>הקיים </a:t>
             </a:r>
             <a:endParaRPr lang="he-IL" dirty="0"/>
           </a:p>
@@ -54704,7 +55197,12 @@
             <p:ph idx="1"/>
           </p:nvPr>
         </p:nvSpPr>
-        <p:spPr/>
+        <p:spPr>
+          <a:xfrm>
+            <a:off x="0" y="1453816"/>
+            <a:ext cx="9144000" cy="4999520"/>
+          </a:xfrm>
+        </p:spPr>
         <p:txBody>
           <a:bodyPr>
             <a:normAutofit/>
@@ -54717,15 +55215,15 @@
               <a:defRPr/>
             </a:pPr>
             <a:r>
-              <a:rPr lang="he-IL" sz="2000" dirty="0"/>
+              <a:rPr lang="he-IL" sz="2400" dirty="0"/>
               <a:t>אין תיעוד הולם לבקשות המגיעות לצוות </a:t>
             </a:r>
             <a:r>
-              <a:rPr lang="en-US" sz="2000" dirty="0"/>
+              <a:rPr lang="en-US" sz="2400" dirty="0"/>
               <a:t>SCM</a:t>
             </a:r>
             <a:r>
-              <a:rPr lang="he-IL" sz="2000" dirty="0"/>
+              <a:rPr lang="he-IL" sz="2400" dirty="0"/>
               <a:t> - נשמר בתיקייה במייל.</a:t>
             </a:r>
           </a:p>
@@ -54736,23 +55234,23 @@
               <a:defRPr/>
             </a:pPr>
             <a:r>
-              <a:rPr lang="he-IL" sz="2000" dirty="0"/>
+              <a:rPr lang="he-IL" sz="2400" dirty="0"/>
               <a:t>תהליך בנית ה-</a:t>
             </a:r>
             <a:r>
-              <a:rPr lang="en-US" sz="2000" dirty="0"/>
+              <a:rPr lang="en-US" sz="2400" dirty="0"/>
               <a:t>Build</a:t>
             </a:r>
             <a:r>
-              <a:rPr lang="he-IL" sz="2000" dirty="0"/>
+              <a:rPr lang="he-IL" sz="2400" dirty="0"/>
               <a:t> לא מתבצע בצורה אוטומטית - איסוף החומר הרלוונטי מתבצע ע"י איש צוות </a:t>
             </a:r>
             <a:r>
-              <a:rPr lang="en-US" sz="2000" dirty="0"/>
+              <a:rPr lang="en-US" sz="2400" dirty="0"/>
               <a:t>SCM</a:t>
             </a:r>
             <a:r>
-              <a:rPr lang="he-IL" sz="2000" dirty="0"/>
+              <a:rPr lang="he-IL" sz="2400" dirty="0"/>
               <a:t>.</a:t>
             </a:r>
           </a:p>
@@ -54763,23 +55261,23 @@
               <a:defRPr/>
             </a:pPr>
             <a:r>
-              <a:rPr lang="he-IL" sz="2000" dirty="0"/>
+              <a:rPr lang="he-IL" sz="2400" dirty="0"/>
               <a:t>יידוע הגורמים הרלוונטים לאחר יצירת ה-</a:t>
             </a:r>
             <a:r>
-              <a:rPr lang="en-US" sz="2000" dirty="0"/>
+              <a:rPr lang="en-US" sz="2400" dirty="0"/>
               <a:t>Build</a:t>
             </a:r>
             <a:r>
-              <a:rPr lang="he-IL" sz="2000" dirty="0"/>
+              <a:rPr lang="he-IL" sz="2400" dirty="0"/>
               <a:t> - לא מתבצע באופן אוטומטי, אלא ע"י איש צוות </a:t>
             </a:r>
             <a:r>
-              <a:rPr lang="en-US" sz="2000" dirty="0"/>
+              <a:rPr lang="en-US" sz="2400" dirty="0"/>
               <a:t>SCM</a:t>
             </a:r>
             <a:r>
-              <a:rPr lang="he-IL" sz="2000" dirty="0"/>
+              <a:rPr lang="he-IL" sz="2400" dirty="0"/>
               <a:t>.</a:t>
             </a:r>
           </a:p>
@@ -54790,7 +55288,7 @@
               <a:defRPr/>
             </a:pPr>
             <a:r>
-              <a:rPr lang="he-IL" sz="2000" dirty="0"/>
+              <a:rPr lang="he-IL" sz="2400" dirty="0"/>
               <a:t>ניהול מעקב אחר בקשות זהות - לא מתבצע במערכת ייעודית, אלא באקסל.</a:t>
             </a:r>
           </a:p>
@@ -54801,16 +55299,14 @@
               <a:defRPr/>
             </a:pPr>
             <a:r>
-              <a:rPr lang="he-IL" sz="2000" dirty="0"/>
+              <a:rPr lang="he-IL" sz="2400" dirty="0"/>
               <a:t>אין מעקב אחר מס' הפעמים בהם התהליך לא עמד בסטנדרטים שנקבעו</a:t>
             </a:r>
             <a:r>
-              <a:rPr lang="he-IL" dirty="0"/>
+              <a:rPr lang="he-IL" sz="3600" dirty="0" smtClean="0"/>
               <a:t>.</a:t>
             </a:r>
-          </a:p>
-          <a:p>
-            <a:endParaRPr lang="he-IL" dirty="0"/>
+            <a:endParaRPr lang="he-IL" sz="3600" dirty="0"/>
           </a:p>
         </p:txBody>
       </p:sp>
@@ -54879,28 +55375,9 @@
           <a:p>
             <a:r>
               <a:rPr lang="he-IL" dirty="0" smtClean="0"/>
-              <a:t>פיתרון מוצע – אייל תוסיף  </a:t>
+              <a:t>עיקרי פיתרון מוצע</a:t>
             </a:r>
             <a:endParaRPr lang="he-IL" dirty="0"/>
-          </a:p>
-        </p:txBody>
-      </p:sp>
-      <p:sp>
-        <p:nvSpPr>
-          <p:cNvPr id="3" name="Content Placeholder 2"/>
-          <p:cNvSpPr>
-            <a:spLocks noGrp="1"/>
-          </p:cNvSpPr>
-          <p:nvPr>
-            <p:ph idx="1"/>
-          </p:nvPr>
-        </p:nvSpPr>
-        <p:spPr/>
-        <p:txBody>
-          <a:bodyPr/>
-          <a:lstStyle/>
-          <a:p>
-            <a:endParaRPr lang="he-IL"/>
           </a:p>
         </p:txBody>
       </p:sp>
@@ -54920,11 +55397,183 @@
           </a:graphicData>
         </a:graphic>
       </p:graphicFrame>
+      <p:sp>
+        <p:nvSpPr>
+          <p:cNvPr id="5" name="Content Placeholder 2"/>
+          <p:cNvSpPr>
+            <a:spLocks noGrp="1"/>
+          </p:cNvSpPr>
+          <p:nvPr>
+            <p:ph idx="1"/>
+          </p:nvPr>
+        </p:nvSpPr>
+        <p:spPr>
+          <a:xfrm>
+            <a:off x="0" y="1196752"/>
+            <a:ext cx="9144000" cy="5256584"/>
+          </a:xfrm>
+        </p:spPr>
+        <p:txBody>
+          <a:bodyPr>
+            <a:normAutofit/>
+          </a:bodyPr>
+          <a:lstStyle/>
+          <a:p>
+            <a:pPr marL="274320" indent="-274320">
+              <a:buFont typeface="Wingdings"/>
+              <a:buChar char=""/>
+              <a:defRPr/>
+            </a:pPr>
+            <a:r>
+              <a:rPr lang="he-IL" sz="2400" dirty="0" smtClean="0"/>
+              <a:t>מערכת להזנת נתוני ה </a:t>
+            </a:r>
+            <a:r>
+              <a:rPr lang="en-US" sz="2400" dirty="0" smtClean="0"/>
+              <a:t>Build</a:t>
+            </a:r>
+            <a:r>
+              <a:rPr lang="he-IL" sz="2400" dirty="0" smtClean="0"/>
+              <a:t> הנדרש, מבוססת </a:t>
+            </a:r>
+            <a:r>
+              <a:rPr lang="en-US" sz="2400" dirty="0" smtClean="0"/>
+              <a:t>WEB</a:t>
+            </a:r>
+            <a:endParaRPr lang="he-IL" sz="2400" dirty="0" smtClean="0"/>
+          </a:p>
+          <a:p>
+            <a:pPr marL="274320" indent="-274320">
+              <a:buFont typeface="Wingdings"/>
+              <a:buChar char=""/>
+              <a:defRPr/>
+            </a:pPr>
+            <a:r>
+              <a:rPr lang="he-IL" sz="2400" dirty="0" smtClean="0"/>
+              <a:t>טופס קבוע המכיל את כל פרטי המידע הנדרשים להתחלת התהליך</a:t>
+            </a:r>
+          </a:p>
+          <a:p>
+            <a:pPr marL="274320" indent="-274320">
+              <a:buFont typeface="Wingdings"/>
+              <a:buChar char=""/>
+              <a:defRPr/>
+            </a:pPr>
+            <a:r>
+              <a:rPr lang="he-IL" sz="2400" dirty="0" smtClean="0"/>
+              <a:t>בדיקת הנתונים שהוזנו למניעת מקרים של:</a:t>
+            </a:r>
+          </a:p>
+          <a:p>
+            <a:pPr marL="674370" lvl="1" indent="-274320">
+              <a:defRPr/>
+            </a:pPr>
+            <a:r>
+              <a:rPr lang="he-IL" sz="2000" dirty="0" smtClean="0"/>
+              <a:t>	היעדר קבצים ביעד שהוזן / נתיב לא נכון</a:t>
+            </a:r>
+            <a:endParaRPr lang="he-IL" sz="2000" dirty="0" smtClean="0"/>
+          </a:p>
+          <a:p>
+            <a:pPr marL="674370" lvl="1" indent="-274320">
+              <a:defRPr/>
+            </a:pPr>
+            <a:r>
+              <a:rPr lang="he-IL" sz="2000" dirty="0" smtClean="0"/>
+              <a:t>	סוג הקבצים בנתיב שהוזן אינם תואמים לבקשה (מהודרים/לפני הידור)</a:t>
+            </a:r>
+            <a:endParaRPr lang="he-IL" sz="2000" dirty="0" smtClean="0"/>
+          </a:p>
+          <a:p>
+            <a:pPr marL="674370" lvl="1" indent="-274320">
+              <a:defRPr/>
+            </a:pPr>
+            <a:r>
+              <a:rPr lang="he-IL" sz="2000" dirty="0" smtClean="0"/>
+              <a:t>	בקשת הידור לקובץ שכבר נעשה בעבר</a:t>
+            </a:r>
+          </a:p>
+          <a:p>
+            <a:pPr marL="274320" indent="-274320">
+              <a:buFont typeface="Wingdings"/>
+              <a:buChar char=""/>
+              <a:defRPr/>
+            </a:pPr>
+            <a:r>
+              <a:rPr lang="he-IL" sz="2400" dirty="0" smtClean="0"/>
+              <a:t>ביצוע הבקשה באופן אוטומטי (התממשקות למערכת ההידור)</a:t>
+            </a:r>
+          </a:p>
+          <a:p>
+            <a:pPr marL="274320" indent="-274320">
+              <a:buFont typeface="Wingdings"/>
+              <a:buChar char=""/>
+              <a:defRPr/>
+            </a:pPr>
+            <a:r>
+              <a:rPr lang="he-IL" sz="2400" dirty="0" smtClean="0"/>
+              <a:t>התראות בדואר אלקטרוני לבעלי עניין: תחילת תהליך, סיום תהליך, עצירת תהליך וסיבות לכך עם </a:t>
+            </a:r>
+            <a:r>
+              <a:rPr lang="he-IL" sz="2400" dirty="0" smtClean="0"/>
+              <a:t>ב</a:t>
+            </a:r>
+            <a:r>
+              <a:rPr lang="he-IL" sz="2400" dirty="0" smtClean="0"/>
+              <a:t>קשה לתיקון</a:t>
+            </a:r>
+          </a:p>
+          <a:p>
+            <a:pPr marL="274320" indent="-274320">
+              <a:buFont typeface="Wingdings"/>
+              <a:buChar char=""/>
+              <a:defRPr/>
+            </a:pPr>
+            <a:r>
+              <a:rPr lang="he-IL" sz="2400" dirty="0" smtClean="0"/>
+              <a:t>תיעוד הבקשות בדגש על:</a:t>
+            </a:r>
+          </a:p>
+          <a:p>
+            <a:pPr marL="674370" lvl="1" indent="-274320">
+              <a:defRPr/>
+            </a:pPr>
+            <a:r>
+              <a:rPr lang="he-IL" sz="2000" dirty="0" smtClean="0"/>
+              <a:t>תיעוד תקלות ועצירות תהליך </a:t>
+            </a:r>
+          </a:p>
+          <a:p>
+            <a:pPr marL="674370" lvl="1" indent="-274320">
+              <a:defRPr/>
+            </a:pPr>
+            <a:r>
+              <a:rPr lang="he-IL" sz="2000" dirty="0" smtClean="0"/>
+              <a:t>תיעוד חריגות: רכיבים שבוצע להם הידור שלא לצורך, בקשות שזמן הטיפול בהן חרג ממסגרת 72 שעות וסיבות לכך (לדוגמת שרת תפוס, חלק שלא ניתן להידור)</a:t>
+            </a:r>
+          </a:p>
+          <a:p>
+            <a:pPr marL="274320" indent="-274320">
+              <a:buFont typeface="Wingdings"/>
+              <a:buChar char=""/>
+              <a:defRPr/>
+            </a:pPr>
+            <a:endParaRPr lang="he-IL" sz="2400" dirty="0" smtClean="0"/>
+          </a:p>
+        </p:txBody>
+      </p:sp>
     </p:spTree>
   </p:cSld>
   <p:clrMapOvr>
     <a:masterClrMapping/>
   </p:clrMapOvr>
+  <p:timing>
+    <p:tnLst>
+      <p:par>
+        <p:cTn id="1" dur="indefinite" restart="never" nodeType="tmRoot"/>
+      </p:par>
+    </p:tnLst>
+  </p:timing>
 </p:sld>
 </file>
 
@@ -54962,30 +55611,40 @@
           <a:p>
             <a:r>
               <a:rPr lang="he-IL" dirty="0"/>
-              <a:t>פיתרון מוצע – אייל תוסיף </a:t>
+              <a:t>פיתרון מוצע – </a:t>
             </a:r>
+            <a:r>
+              <a:rPr lang="en-US" dirty="0" smtClean="0"/>
+              <a:t>use case</a:t>
+            </a:r>
+            <a:endParaRPr lang="he-IL" dirty="0"/>
           </a:p>
         </p:txBody>
       </p:sp>
-      <p:sp>
-        <p:nvSpPr>
-          <p:cNvPr id="3" name="Content Placeholder 2"/>
-          <p:cNvSpPr>
-            <a:spLocks noGrp="1"/>
-          </p:cNvSpPr>
+      <p:pic>
+        <p:nvPicPr>
+          <p:cNvPr id="5" name="Content Placeholder 4" descr="BuildbyRequest.jpg"/>
+          <p:cNvPicPr>
+            <a:picLocks noGrp="1" noChangeAspect="1"/>
+          </p:cNvPicPr>
           <p:nvPr>
             <p:ph idx="1"/>
           </p:nvPr>
-        </p:nvSpPr>
-        <p:spPr/>
-        <p:txBody>
-          <a:bodyPr/>
-          <a:lstStyle/>
-          <a:p>
-            <a:endParaRPr lang="he-IL"/>
-          </a:p>
-        </p:txBody>
-      </p:sp>
+        </p:nvPicPr>
+        <p:blipFill>
+          <a:blip r:embed="rId2" cstate="print"/>
+          <a:srcRect l="2473" t="1056" r="22276" b="55545"/>
+          <a:stretch>
+            <a:fillRect/>
+          </a:stretch>
+        </p:blipFill>
+        <p:spPr>
+          <a:xfrm>
+            <a:off x="1545341" y="1268760"/>
+            <a:ext cx="6267019" cy="5112568"/>
+          </a:xfrm>
+        </p:spPr>
+      </p:pic>
       <p:graphicFrame>
         <p:nvGraphicFramePr>
           <p:cNvPr id="4" name="דיאגרמה 6"/>
@@ -54998,7 +55657,7 @@
         </p:xfrm>
         <a:graphic>
           <a:graphicData uri="http://schemas.openxmlformats.org/drawingml/2006/diagram">
-            <dgm:relIds xmlns:dgm="http://schemas.openxmlformats.org/drawingml/2006/diagram" xmlns:r="http://schemas.openxmlformats.org/officeDocument/2006/relationships" r:dm="rId2" r:lo="rId3" r:qs="rId4" r:cs="rId5"/>
+            <dgm:relIds xmlns:dgm="http://schemas.openxmlformats.org/drawingml/2006/diagram" xmlns:r="http://schemas.openxmlformats.org/officeDocument/2006/relationships" r:dm="rId3" r:lo="rId4" r:qs="rId5" r:cs="rId6"/>
           </a:graphicData>
         </a:graphic>
       </p:graphicFrame>
@@ -55007,6 +55666,13 @@
   <p:clrMapOvr>
     <a:masterClrMapping/>
   </p:clrMapOvr>
+  <p:timing>
+    <p:tnLst>
+      <p:par>
+        <p:cTn id="1" dur="indefinite" restart="never" nodeType="tmRoot"/>
+      </p:par>
+    </p:tnLst>
+  </p:timing>
 </p:sld>
 </file>
 
@@ -55060,7 +55726,12 @@
             <p:ph idx="1"/>
           </p:nvPr>
         </p:nvSpPr>
-        <p:spPr/>
+        <p:spPr>
+          <a:xfrm>
+            <a:off x="-252536" y="1214422"/>
+            <a:ext cx="9144000" cy="5143536"/>
+          </a:xfrm>
+        </p:spPr>
         <p:txBody>
           <a:bodyPr/>
           <a:lstStyle/>
@@ -55085,10 +55756,10 @@
               <a:defRPr/>
             </a:pPr>
             <a:r>
-              <a:rPr lang="he-IL" b="1" dirty="0"/>
+              <a:rPr lang="he-IL" sz="2800" dirty="0"/>
               <a:t>השארת המצב הקיים</a:t>
             </a:r>
-            <a:endParaRPr lang="en-US" b="1" dirty="0"/>
+            <a:endParaRPr lang="en-US" sz="2800" dirty="0"/>
           </a:p>
           <a:p>
             <a:pPr marL="274320" indent="-274320">
@@ -55097,10 +55768,10 @@
               <a:defRPr/>
             </a:pPr>
             <a:r>
-              <a:rPr lang="he-IL" b="1" dirty="0"/>
+              <a:rPr lang="he-IL" sz="2800" dirty="0"/>
               <a:t>פיתוח עצמי ע"י סטודנטים</a:t>
             </a:r>
-            <a:endParaRPr lang="en-US" b="1" dirty="0"/>
+            <a:endParaRPr lang="en-US" sz="2800" dirty="0"/>
           </a:p>
           <a:p>
             <a:pPr marL="274320" indent="-274320">
@@ -55109,11 +55780,11 @@
               <a:defRPr/>
             </a:pPr>
             <a:r>
-              <a:rPr lang="he-IL" b="1" dirty="0"/>
+              <a:rPr lang="he-IL" sz="2800" dirty="0"/>
               <a:t>פיתוח עצמי של המערכת ע"י אנשי ארגון </a:t>
             </a:r>
             <a:r>
-              <a:rPr lang="en-US" b="1" dirty="0"/>
+              <a:rPr lang="en-US" sz="2800" dirty="0"/>
               <a:t>MWG</a:t>
             </a:r>
           </a:p>
@@ -55124,10 +55795,10 @@
               <a:defRPr/>
             </a:pPr>
             <a:r>
-              <a:rPr lang="he-IL" b="1" dirty="0"/>
+              <a:rPr lang="he-IL" sz="2800" dirty="0"/>
               <a:t>מיקור חוץ של הפרויקט לחברה חיצונית</a:t>
             </a:r>
-            <a:endParaRPr lang="en-US" b="1" dirty="0"/>
+            <a:endParaRPr lang="en-US" sz="2800" dirty="0"/>
           </a:p>
           <a:p>
             <a:endParaRPr lang="he-IL" dirty="0"/>
@@ -55222,7 +55893,7 @@
         </p:blipFill>
         <p:spPr bwMode="auto">
           <a:xfrm>
-            <a:off x="714348" y="1285860"/>
+            <a:off x="683568" y="1285860"/>
             <a:ext cx="7848600" cy="5003800"/>
           </a:xfrm>
           <a:prstGeom prst="rect">
@@ -55326,7 +55997,7 @@
         </p:blipFill>
         <p:spPr bwMode="auto">
           <a:xfrm>
-            <a:off x="3286116" y="1285860"/>
+            <a:off x="1979712" y="1466751"/>
             <a:ext cx="5124450" cy="4554537"/>
           </a:xfrm>
           <a:prstGeom prst="rect">
@@ -55430,7 +56101,7 @@
         </p:blipFill>
         <p:spPr bwMode="auto">
           <a:xfrm>
-            <a:off x="2285984" y="1357298"/>
+            <a:off x="1763688" y="1357298"/>
             <a:ext cx="5349875" cy="1393825"/>
           </a:xfrm>
           <a:prstGeom prst="rect">
@@ -55463,7 +56134,7 @@
         </p:blipFill>
         <p:spPr bwMode="auto">
           <a:xfrm>
-            <a:off x="2285984" y="2857496"/>
+            <a:off x="1475656" y="2857496"/>
             <a:ext cx="5889625" cy="3429024"/>
           </a:xfrm>
           <a:prstGeom prst="rect">
@@ -55553,7 +56224,12 @@
             <p:ph idx="1"/>
           </p:nvPr>
         </p:nvSpPr>
-        <p:spPr/>
+        <p:spPr>
+          <a:xfrm>
+            <a:off x="0" y="1700808"/>
+            <a:ext cx="8460432" cy="4657150"/>
+          </a:xfrm>
+        </p:spPr>
         <p:txBody>
           <a:bodyPr/>
           <a:lstStyle/>
@@ -55563,11 +56239,48 @@
             </a:pPr>
             <a:r>
               <a:rPr lang="he-IL" b="1" dirty="0" smtClean="0"/>
-              <a:t>לאחר החישובים של הערכת חלופות  ההמלצה שלנו היא הצעה ג' פיתוח עצמי ע"י אחת מקבוצות התוכנה ב </a:t>
+              <a:t>לאחר החישובים של הערכת </a:t>
+            </a:r>
+            <a:r>
+              <a:rPr lang="he-IL" b="1" dirty="0" smtClean="0"/>
+              <a:t>חלופות, ההמלצה </a:t>
+            </a:r>
+            <a:r>
+              <a:rPr lang="he-IL" b="1" dirty="0" smtClean="0"/>
+              <a:t>שלנו היא הצעה ג</a:t>
+            </a:r>
+            <a:r>
+              <a:rPr lang="he-IL" b="1" dirty="0" smtClean="0"/>
+              <a:t>':</a:t>
             </a:r>
             <a:r>
               <a:rPr lang="en-US" b="1" dirty="0" smtClean="0"/>
-              <a:t>MWG </a:t>
+              <a:t/>
+            </a:r>
+            <a:br>
+              <a:rPr lang="en-US" b="1" dirty="0" smtClean="0"/>
+            </a:br>
+            <a:endParaRPr lang="he-IL" b="1" dirty="0" smtClean="0"/>
+          </a:p>
+          <a:p>
+            <a:pPr marL="0" indent="0">
+              <a:buNone/>
+            </a:pPr>
+            <a:r>
+              <a:rPr lang="he-IL" b="1" dirty="0" smtClean="0"/>
+              <a:t>פיתוח </a:t>
+            </a:r>
+            <a:r>
+              <a:rPr lang="he-IL" b="1" dirty="0" smtClean="0"/>
+              <a:t>עצמי ע"י אחת מקבוצות התוכנה </a:t>
+            </a:r>
+            <a:r>
+              <a:rPr lang="he-IL" b="1" dirty="0" smtClean="0"/>
+              <a:t>ב </a:t>
+            </a:r>
+            <a:r>
+              <a:rPr lang="en-US" b="1" dirty="0" smtClean="0"/>
+              <a:t>MWG</a:t>
             </a:r>
             <a:endParaRPr lang="he-IL" b="1" dirty="0" smtClean="0"/>
           </a:p>
@@ -55665,7 +56378,7 @@
         </p:blipFill>
         <p:spPr>
           <a:xfrm>
-            <a:off x="357158" y="1928802"/>
+            <a:off x="-796032" y="1563216"/>
             <a:ext cx="5080000" cy="3810000"/>
           </a:xfrm>
           <a:prstGeom prst="rect">
@@ -55681,7 +56394,7 @@
         </p:nvSpPr>
         <p:spPr>
           <a:xfrm>
-            <a:off x="4143372" y="2928934"/>
+            <a:off x="2915816" y="2924944"/>
             <a:ext cx="4535217" cy="1569660"/>
           </a:xfrm>
           <a:prstGeom prst="rect">
@@ -55774,8 +56487,8 @@
         </p:nvSpPr>
         <p:spPr>
           <a:xfrm>
-            <a:off x="3500430" y="5214950"/>
-            <a:ext cx="5328703" cy="923330"/>
+            <a:off x="2618768" y="3284984"/>
+            <a:ext cx="5841664" cy="923330"/>
           </a:xfrm>
           <a:prstGeom prst="rect">
             <a:avLst/>
@@ -55804,7 +56517,7 @@
           <a:p>
             <a:pPr algn="ctr"/>
             <a:r>
-              <a:rPr lang="en-US" sz="5400" b="1" cap="none" spc="50" dirty="0" smtClean="0">
+              <a:rPr lang="he-IL" sz="5400" b="1" cap="none" spc="50" dirty="0" smtClean="0">
                 <a:ln w="11430"/>
                 <a:gradFill>
                   <a:gsLst>
@@ -55830,7 +56543,7 @@
                   </a:outerShdw>
                 </a:effectLst>
               </a:rPr>
-              <a:t> ! </a:t>
+              <a:t>תודה </a:t>
             </a:r>
             <a:r>
               <a:rPr lang="he-IL" sz="5400" b="1" cap="none" spc="50" dirty="0" smtClean="0">
@@ -55859,7 +56572,36 @@
                   </a:outerShdw>
                 </a:effectLst>
               </a:rPr>
-              <a:t>תודה על ההקשבה</a:t>
+              <a:t>על </a:t>
+            </a:r>
+            <a:r>
+              <a:rPr lang="he-IL" sz="5400" b="1" cap="none" spc="50" dirty="0" smtClean="0">
+                <a:ln w="11430"/>
+                <a:gradFill>
+                  <a:gsLst>
+                    <a:gs pos="25000">
+                      <a:schemeClr val="accent2">
+                        <a:satMod val="155000"/>
+                      </a:schemeClr>
+                    </a:gs>
+                    <a:gs pos="100000">
+                      <a:schemeClr val="accent2">
+                        <a:shade val="45000"/>
+                        <a:satMod val="165000"/>
+                      </a:schemeClr>
+                    </a:gs>
+                  </a:gsLst>
+                  <a:lin ang="5400000"/>
+                </a:gradFill>
+                <a:effectLst>
+                  <a:outerShdw blurRad="76200" dist="50800" dir="5400000" algn="tl" rotWithShape="0">
+                    <a:srgbClr val="000000">
+                      <a:alpha val="65000"/>
+                    </a:srgbClr>
+                  </a:outerShdw>
+                </a:effectLst>
+              </a:rPr>
+              <a:t>ההקשבה !</a:t>
             </a:r>
             <a:endParaRPr lang="he-IL" sz="5400" b="1" cap="none" spc="50" dirty="0">
               <a:ln w="11430"/>
@@ -55898,9 +56640,143 @@
   <p:timing>
     <p:tnLst>
       <p:par>
-        <p:cTn id="1" dur="indefinite" restart="never" nodeType="tmRoot"/>
+        <p:cTn id="1" dur="indefinite" restart="never" nodeType="tmRoot">
+          <p:childTnLst>
+            <p:seq concurrent="1" nextAc="seek">
+              <p:cTn id="2" dur="indefinite" nodeType="mainSeq">
+                <p:childTnLst>
+                  <p:par>
+                    <p:cTn id="3" fill="hold">
+                      <p:stCondLst>
+                        <p:cond delay="indefinite"/>
+                      </p:stCondLst>
+                      <p:childTnLst>
+                        <p:par>
+                          <p:cTn id="4" fill="hold">
+                            <p:stCondLst>
+                              <p:cond delay="0"/>
+                            </p:stCondLst>
+                            <p:childTnLst>
+                              <p:par>
+                                <p:cTn id="5" presetID="1" presetClass="entr" presetSubtype="0" fill="hold" grpId="0" nodeType="clickEffect">
+                                  <p:stCondLst>
+                                    <p:cond delay="0"/>
+                                  </p:stCondLst>
+                                  <p:childTnLst>
+                                    <p:set>
+                                      <p:cBhvr>
+                                        <p:cTn id="6" dur="1" fill="hold">
+                                          <p:stCondLst>
+                                            <p:cond delay="0"/>
+                                          </p:stCondLst>
+                                        </p:cTn>
+                                        <p:tgtEl>
+                                          <p:spTgt spid="6"/>
+                                        </p:tgtEl>
+                                        <p:attrNameLst>
+                                          <p:attrName>style.visibility</p:attrName>
+                                        </p:attrNameLst>
+                                      </p:cBhvr>
+                                      <p:to>
+                                        <p:strVal val="visible"/>
+                                      </p:to>
+                                    </p:set>
+                                  </p:childTnLst>
+                                </p:cTn>
+                              </p:par>
+                              <p:par>
+                                <p:cTn id="7" presetID="1" presetClass="exit" presetSubtype="0" fill="hold" grpId="0" nodeType="withEffect">
+                                  <p:stCondLst>
+                                    <p:cond delay="0"/>
+                                  </p:stCondLst>
+                                  <p:childTnLst>
+                                    <p:set>
+                                      <p:cBhvr>
+                                        <p:cTn id="8" dur="1" fill="hold">
+                                          <p:stCondLst>
+                                            <p:cond delay="0"/>
+                                          </p:stCondLst>
+                                        </p:cTn>
+                                        <p:tgtEl>
+                                          <p:spTgt spid="5"/>
+                                        </p:tgtEl>
+                                        <p:attrNameLst>
+                                          <p:attrName>style.visibility</p:attrName>
+                                        </p:attrNameLst>
+                                      </p:cBhvr>
+                                      <p:to>
+                                        <p:strVal val="hidden"/>
+                                      </p:to>
+                                    </p:set>
+                                  </p:childTnLst>
+                                </p:cTn>
+                              </p:par>
+                              <p:par>
+                                <p:cTn id="9" presetID="10" presetClass="exit" presetSubtype="0" fill="hold" nodeType="withEffect">
+                                  <p:stCondLst>
+                                    <p:cond delay="0"/>
+                                  </p:stCondLst>
+                                  <p:childTnLst>
+                                    <p:animEffect transition="out" filter="fade">
+                                      <p:cBhvr>
+                                        <p:cTn id="10" dur="2000"/>
+                                        <p:tgtEl>
+                                          <p:spTgt spid="4"/>
+                                        </p:tgtEl>
+                                      </p:cBhvr>
+                                    </p:animEffect>
+                                    <p:set>
+                                      <p:cBhvr>
+                                        <p:cTn id="11" dur="1" fill="hold">
+                                          <p:stCondLst>
+                                            <p:cond delay="1999"/>
+                                          </p:stCondLst>
+                                        </p:cTn>
+                                        <p:tgtEl>
+                                          <p:spTgt spid="4"/>
+                                        </p:tgtEl>
+                                        <p:attrNameLst>
+                                          <p:attrName>style.visibility</p:attrName>
+                                        </p:attrNameLst>
+                                      </p:cBhvr>
+                                      <p:to>
+                                        <p:strVal val="hidden"/>
+                                      </p:to>
+                                    </p:set>
+                                  </p:childTnLst>
+                                </p:cTn>
+                              </p:par>
+                            </p:childTnLst>
+                          </p:cTn>
+                        </p:par>
+                      </p:childTnLst>
+                    </p:cTn>
+                  </p:par>
+                </p:childTnLst>
+              </p:cTn>
+              <p:prevCondLst>
+                <p:cond evt="onPrev" delay="0">
+                  <p:tgtEl>
+                    <p:sldTgt/>
+                  </p:tgtEl>
+                </p:cond>
+              </p:prevCondLst>
+              <p:nextCondLst>
+                <p:cond evt="onNext" delay="0">
+                  <p:tgtEl>
+                    <p:sldTgt/>
+                  </p:tgtEl>
+                </p:cond>
+              </p:nextCondLst>
+            </p:seq>
+          </p:childTnLst>
+        </p:cTn>
       </p:par>
     </p:tnLst>
+    <p:bldLst>
+      <p:bldP spid="5" grpId="0"/>
+      <p:bldP spid="6" grpId="0"/>
+    </p:bldLst>
   </p:timing>
 </p:sld>
 </file>
@@ -55955,10 +56831,15 @@
             <p:ph idx="1"/>
           </p:nvPr>
         </p:nvSpPr>
-        <p:spPr/>
+        <p:spPr>
+          <a:xfrm>
+            <a:off x="3059832" y="1340768"/>
+            <a:ext cx="5508104" cy="5143536"/>
+          </a:xfrm>
+        </p:spPr>
         <p:txBody>
           <a:bodyPr>
-            <a:normAutofit/>
+            <a:normAutofit lnSpcReduction="10000"/>
           </a:bodyPr>
           <a:lstStyle/>
           <a:p>
@@ -55993,6 +56874,13 @@
             <a:r>
               <a:rPr lang="en-US" b="1" dirty="0" smtClean="0"/>
               <a:t>EPC</a:t>
+            </a:r>
+            <a:endParaRPr lang="he-IL" b="1" dirty="0" smtClean="0"/>
+          </a:p>
+          <a:p>
+            <a:r>
+              <a:rPr lang="he-IL" b="1" dirty="0" smtClean="0"/>
+              <a:t>הצעת פיתרון</a:t>
             </a:r>
             <a:endParaRPr lang="he-IL" b="1" dirty="0" smtClean="0"/>
           </a:p>
@@ -56165,14 +57053,30 @@
           <a:p>
             <a:r>
               <a:rPr lang="he-IL" b="1" u="sng" dirty="0" smtClean="0"/>
-              <a:t>מטרת מטרת משימת הניתוח </a:t>
+              <a:t>מטרת </a:t>
+            </a:r>
+            <a:r>
+              <a:rPr lang="he-IL" b="1" u="sng" dirty="0" smtClean="0"/>
+              <a:t>משימת </a:t>
+            </a:r>
+            <a:r>
+              <a:rPr lang="he-IL" b="1" u="sng" dirty="0" smtClean="0"/>
+              <a:t>הניתוח </a:t>
             </a:r>
           </a:p>
           <a:p>
             <a:pPr lvl="1"/>
             <a:r>
               <a:rPr lang="he-IL" dirty="0" smtClean="0"/>
-              <a:t>שיפור תהליך יצירת מנהלי התקן פרטיים.</a:t>
+              <a:t>שיפור </a:t>
+            </a:r>
+            <a:r>
+              <a:rPr lang="he-IL" dirty="0" smtClean="0"/>
+              <a:t>איכות תהליך </a:t>
+            </a:r>
+            <a:r>
+              <a:rPr lang="he-IL" dirty="0" smtClean="0"/>
+              <a:t>יצירת מנהלי התקן פרטיים.</a:t>
             </a:r>
           </a:p>
           <a:p>
@@ -56287,7 +57191,9 @@
         </p:nvSpPr>
         <p:spPr/>
         <p:txBody>
-          <a:bodyPr/>
+          <a:bodyPr>
+            <a:normAutofit/>
+          </a:bodyPr>
           <a:lstStyle/>
           <a:p>
             <a:pPr lvl="1">
@@ -56295,12 +57201,13 @@
             </a:pPr>
             <a:r>
               <a:rPr lang="he-IL" b="1" u="sng" dirty="0" smtClean="0"/>
-              <a:t>ראיונות </a:t>
+              <a:t>ראיונות</a:t>
             </a:r>
             <a:r>
               <a:rPr lang="he-IL" dirty="0" smtClean="0"/>
               <a:t>:</a:t>
             </a:r>
+            <a:endParaRPr lang="he-IL" dirty="0" smtClean="0"/>
           </a:p>
           <a:p>
             <a:pPr lvl="1"/>
@@ -56311,6 +57218,21 @@
             <a:r>
               <a:rPr lang="en-US" dirty="0" smtClean="0"/>
               <a:t>SCM</a:t>
+            </a:r>
+            <a:r>
+              <a:rPr lang="he-IL" dirty="0" smtClean="0"/>
+              <a:t>:</a:t>
+            </a:r>
+            <a:r>
+              <a:rPr lang="en-US" dirty="0" smtClean="0"/>
+              <a:t/>
+            </a:r>
+            <a:br>
+              <a:rPr lang="en-US" dirty="0" smtClean="0"/>
+            </a:br>
+            <a:r>
+              <a:rPr lang="he-IL" sz="2400" dirty="0" smtClean="0"/>
+              <a:t>תיאור תהליך העבודה הקיים ומציאת בעיות נפוצות בהן נתקלים</a:t>
             </a:r>
             <a:endParaRPr lang="he-IL" dirty="0" smtClean="0"/>
           </a:p>
@@ -56324,14 +57246,90 @@
               <a:rPr lang="en-US" dirty="0" smtClean="0"/>
               <a:t>SCM</a:t>
             </a:r>
+            <a:r>
+              <a:rPr lang="he-IL" dirty="0" smtClean="0"/>
+              <a:t>:</a:t>
+            </a:r>
+            <a:r>
+              <a:rPr lang="en-US" dirty="0" smtClean="0"/>
+              <a:t/>
+            </a:r>
+            <a:br>
+              <a:rPr lang="en-US" dirty="0" smtClean="0"/>
+            </a:br>
+            <a:r>
+              <a:rPr lang="he-IL" sz="2400" dirty="0" smtClean="0"/>
+              <a:t>תיאור תהליך העבודה הרצוי ונקודות מפתח בתהליך</a:t>
+            </a:r>
             <a:endParaRPr lang="he-IL" dirty="0" smtClean="0"/>
           </a:p>
           <a:p>
             <a:pPr lvl="1"/>
             <a:r>
               <a:rPr lang="he-IL" dirty="0" smtClean="0"/>
-              <a:t>מפיתחי תכנה מקבוצות שונות.</a:t>
+              <a:t>מפתחי </a:t>
             </a:r>
+            <a:r>
+              <a:rPr lang="he-IL" dirty="0" smtClean="0"/>
+              <a:t>תכנה מקבוצות </a:t>
+            </a:r>
+            <a:r>
+              <a:rPr lang="he-IL" dirty="0" smtClean="0"/>
+              <a:t>שונות:</a:t>
+            </a:r>
+            <a:r>
+              <a:rPr lang="en-US" dirty="0" smtClean="0"/>
+              <a:t/>
+            </a:r>
+            <a:br>
+              <a:rPr lang="en-US" dirty="0" smtClean="0"/>
+            </a:br>
+            <a:r>
+              <a:rPr lang="he-IL" sz="2400" dirty="0" smtClean="0"/>
+              <a:t>ציפיות מהתהליך מנקודת מבטם של לקוחות</a:t>
+            </a:r>
+            <a:endParaRPr lang="he-IL" dirty="0" smtClean="0"/>
+          </a:p>
+          <a:p>
+            <a:pPr lvl="1">
+              <a:buNone/>
+            </a:pPr>
+            <a:r>
+              <a:rPr lang="he-IL" b="1" u="sng" dirty="0" smtClean="0"/>
+              <a:t>תצפית</a:t>
+            </a:r>
+            <a:r>
+              <a:rPr lang="he-IL" dirty="0" smtClean="0"/>
+              <a:t>:</a:t>
+            </a:r>
+            <a:endParaRPr lang="he-IL" dirty="0" smtClean="0"/>
+          </a:p>
+          <a:p>
+            <a:pPr lvl="1"/>
+            <a:r>
+              <a:rPr lang="he-IL" dirty="0" smtClean="0"/>
+              <a:t>תהליך יצירת </a:t>
+            </a:r>
+            <a:r>
+              <a:rPr lang="en-US" dirty="0" smtClean="0"/>
+              <a:t>Build</a:t>
+            </a:r>
+            <a:r>
+              <a:rPr lang="he-IL" dirty="0" smtClean="0"/>
+              <a:t>:</a:t>
+            </a:r>
+            <a:r>
+              <a:rPr lang="en-US" dirty="0" smtClean="0"/>
+              <a:t/>
+            </a:r>
+            <a:br>
+              <a:rPr lang="en-US" dirty="0" smtClean="0"/>
+            </a:br>
+            <a:r>
+              <a:rPr lang="he-IL" sz="2400" dirty="0" smtClean="0"/>
+              <a:t>מספר בניות שונות במקביל, עם דגש על תהליכים פגומים</a:t>
+            </a:r>
+            <a:endParaRPr lang="he-IL" dirty="0" smtClean="0"/>
           </a:p>
           <a:p>
             <a:endParaRPr lang="he-IL" dirty="0"/>
@@ -56419,7 +57417,12 @@
             <p:ph idx="1"/>
           </p:nvPr>
         </p:nvSpPr>
-        <p:spPr/>
+        <p:spPr>
+          <a:xfrm>
+            <a:off x="-108520" y="1286430"/>
+            <a:ext cx="9145016" cy="5382930"/>
+          </a:xfrm>
+        </p:spPr>
         <p:txBody>
           <a:bodyPr>
             <a:normAutofit fontScale="70000" lnSpcReduction="20000"/>
@@ -56432,7 +57435,7 @@
               <a:defRPr/>
             </a:pPr>
             <a:r>
-              <a:rPr lang="he-IL" u="sng" dirty="0"/>
+              <a:rPr lang="he-IL" b="1" u="sng" dirty="0"/>
               <a:t>תהליכי עבודה</a:t>
             </a:r>
           </a:p>
@@ -56533,17 +57536,18 @@
               <a:defRPr/>
             </a:pPr>
             <a:r>
-              <a:rPr lang="he-IL" u="sng" dirty="0"/>
+              <a:rPr lang="he-IL" b="1" u="sng" dirty="0"/>
               <a:t>תהליך בניית ה </a:t>
             </a:r>
             <a:r>
-              <a:rPr lang="en-US" u="sng" dirty="0"/>
+              <a:rPr lang="en-US" b="1" u="sng" dirty="0"/>
               <a:t>Build</a:t>
             </a:r>
             <a:r>
-              <a:rPr lang="he-IL" u="sng" dirty="0"/>
+              <a:rPr lang="he-IL" b="1" u="sng" dirty="0"/>
               <a:t> מורכב ממספר שלבים: </a:t>
             </a:r>
+            <a:endParaRPr lang="he-IL" b="1" u="sng" dirty="0" smtClean="0"/>
           </a:p>
           <a:p>
             <a:pPr marL="640080" lvl="1" indent="-274320">
@@ -56561,7 +57565,15 @@
             </a:r>
             <a:r>
               <a:rPr lang="he-IL" dirty="0" smtClean="0"/>
-              <a:t> (רשימות מקורות , ורכיבים) ובדיקת תקינותם ע"י המבקש.</a:t>
+              <a:t> (רשימות </a:t>
+            </a:r>
+            <a:r>
+              <a:rPr lang="he-IL" dirty="0" smtClean="0"/>
+              <a:t>מקורות, רכיבים</a:t>
+            </a:r>
+            <a:r>
+              <a:rPr lang="he-IL" dirty="0" smtClean="0"/>
+              <a:t>) ובדיקת תקינותם ע"י המבקש.</a:t>
             </a:r>
           </a:p>
           <a:p>
@@ -56574,7 +57586,6 @@
               <a:rPr lang="he-IL" dirty="0" smtClean="0"/>
               <a:t>הגשת בקשה עם פרטי הבקשה.</a:t>
             </a:r>
-            <a:endParaRPr lang="he-IL" dirty="0"/>
           </a:p>
           <a:p>
             <a:pPr marL="640080" lvl="1" indent="-274320">
@@ -56583,24 +57594,20 @@
               <a:defRPr/>
             </a:pPr>
             <a:r>
-              <a:rPr lang="he-IL" dirty="0"/>
-              <a:t>בדיקות שונות </a:t>
+              <a:rPr lang="he-IL" dirty="0" smtClean="0"/>
+              <a:t>בדיקות שונות ע"י איש צוות </a:t>
+            </a:r>
+            <a:r>
+              <a:rPr lang="en-US" dirty="0" smtClean="0"/>
+              <a:t>SCM</a:t>
             </a:r>
             <a:r>
               <a:rPr lang="he-IL" dirty="0" smtClean="0"/>
-              <a:t>ע"י איש צוות </a:t>
-            </a:r>
-            <a:r>
-              <a:rPr lang="en-US" dirty="0" err="1" smtClean="0"/>
-              <a:t>scm</a:t>
+              <a:t> (נכונות </a:t>
             </a:r>
             <a:r>
               <a:rPr lang="he-IL" dirty="0" smtClean="0"/>
-              <a:t> (</a:t>
-            </a:r>
-            <a:r>
-              <a:rPr lang="he-IL" dirty="0"/>
-              <a:t>נכונות פרמטרים, בניות עבר, ביטול חזרות ותקינות)</a:t>
+              <a:t>פרמטרים, בניות עבר, ביטול חזרות ותקינות)</a:t>
             </a:r>
           </a:p>
           <a:p>
@@ -56610,53 +57617,44 @@
               <a:defRPr/>
             </a:pPr>
             <a:r>
-              <a:rPr lang="he-IL" dirty="0"/>
-              <a:t>ביצוע הבקשה </a:t>
+              <a:rPr lang="he-IL" dirty="0" smtClean="0"/>
+              <a:t>ביצוע הבקשה ושליחת מייל לבעלי עניין על פי הנדרש.</a:t>
             </a:r>
-            <a:r>
-              <a:rPr lang="he-IL" dirty="0" smtClean="0"/>
-              <a:t>ושליחת מייל לבעלי </a:t>
-            </a:r>
-            <a:r>
-              <a:rPr lang="he-IL" dirty="0"/>
-              <a:t>עניין על פי הנדרש</a:t>
-            </a:r>
-            <a:r>
-              <a:rPr lang="he-IL" dirty="0" smtClean="0"/>
-              <a:t>.</a:t>
-            </a:r>
-          </a:p>
-          <a:p>
-            <a:pPr marL="640080" lvl="1" indent="-274320">
-              <a:buNone/>
-              <a:defRPr/>
-            </a:pPr>
-            <a:endParaRPr lang="he-IL" dirty="0" smtClean="0"/>
           </a:p>
           <a:p>
             <a:pPr marL="274320" indent="-274320">
               <a:buNone/>
               <a:defRPr/>
             </a:pPr>
+            <a:endParaRPr lang="he-IL" b="1" u="sng" dirty="0" smtClean="0"/>
+          </a:p>
+          <a:p>
+            <a:pPr marL="274320" indent="-274320">
+              <a:buFont typeface="Wingdings"/>
+              <a:buChar char=""/>
+              <a:defRPr/>
+            </a:pPr>
             <a:r>
-              <a:rPr lang="he-IL" sz="1900" dirty="0" smtClean="0"/>
+              <a:rPr lang="he-IL" sz="2900" dirty="0" smtClean="0"/>
               <a:t>בתהליך </a:t>
             </a:r>
             <a:r>
-              <a:rPr lang="he-IL" sz="1900" dirty="0"/>
+              <a:rPr lang="he-IL" sz="2900" dirty="0"/>
               <a:t>מעורבים חברי צוות </a:t>
             </a:r>
             <a:r>
-              <a:rPr lang="en-US" sz="1900" dirty="0"/>
+              <a:rPr lang="en-US" sz="2900" dirty="0"/>
               <a:t>SCM</a:t>
             </a:r>
             <a:r>
-              <a:rPr lang="he-IL" sz="1900" dirty="0"/>
-              <a:t> ומהנדסי התכנה אשר מהווים את הלקוחות של תוצרי התהליך.</a:t>
+              <a:rPr lang="he-IL" sz="2900" dirty="0"/>
+              <a:t> ומהנדסי התכנה אשר מהווים את הלקוחות של תוצרי </a:t>
             </a:r>
-          </a:p>
-          <a:p>
-            <a:endParaRPr lang="he-IL" dirty="0"/>
+            <a:r>
+              <a:rPr lang="he-IL" sz="2900" dirty="0" smtClean="0"/>
+              <a:t>התהליך.</a:t>
+            </a:r>
+            <a:endParaRPr lang="he-IL" sz="2900" dirty="0"/>
           </a:p>
         </p:txBody>
       </p:sp>
@@ -56748,12 +57746,17 @@
           <a:p>
             <a:r>
               <a:rPr lang="he-IL" b="1" u="sng" dirty="0" smtClean="0"/>
-              <a:t>מערכות ארגוניות קיימות  </a:t>
+              <a:t>מערכות ארגוניות </a:t>
+            </a:r>
+            <a:r>
+              <a:rPr lang="he-IL" b="1" u="sng" dirty="0" smtClean="0"/>
+              <a:t>קיימות</a:t>
             </a:r>
             <a:r>
               <a:rPr lang="he-IL" b="1" dirty="0" smtClean="0"/>
               <a:t>:</a:t>
             </a:r>
+            <a:endParaRPr lang="he-IL" b="1" dirty="0" smtClean="0"/>
           </a:p>
           <a:p>
             <a:pPr lvl="1"/>
@@ -56765,16 +57768,62 @@
               <a:rPr lang="en-US" b="1" dirty="0" smtClean="0"/>
               <a:t>build forge </a:t>
             </a:r>
+            <a:r>
+              <a:rPr lang="en-US" b="1" dirty="0" smtClean="0"/>
+              <a:t/>
+            </a:r>
+            <a:br>
+              <a:rPr lang="en-US" b="1" dirty="0" smtClean="0"/>
+            </a:br>
+            <a:r>
+              <a:rPr lang="he-IL" dirty="0" smtClean="0"/>
+              <a:t>מערכת שהיא "מוצר מדף" של חברת </a:t>
+            </a:r>
+            <a:r>
+              <a:rPr lang="en-US" dirty="0" smtClean="0"/>
+              <a:t>IBM</a:t>
+            </a:r>
+            <a:r>
+              <a:rPr lang="he-IL" dirty="0" smtClean="0"/>
+              <a:t>. זוהי מערכת לביצוע הידורים מתקדמים, מרובי חלקים ותלויות.</a:t>
+            </a:r>
+            <a:endParaRPr lang="he-IL" dirty="0" smtClean="0"/>
+          </a:p>
+          <a:p>
             <a:endParaRPr lang="he-IL" b="1" dirty="0" smtClean="0"/>
           </a:p>
           <a:p>
             <a:r>
-              <a:rPr lang="he-IL" b="1" dirty="0" smtClean="0"/>
-              <a:t>אנו התמקדנו בתהליך של בקשת מהנדס התכנה ליצירת </a:t>
+              <a:rPr lang="he-IL" dirty="0" smtClean="0"/>
+              <a:t>אנו </a:t>
             </a:r>
             <a:r>
-              <a:rPr lang="en-US" b="1" dirty="0" smtClean="0"/>
+              <a:rPr lang="he-IL" dirty="0" smtClean="0"/>
+              <a:t>התמקדנו בתהליך של בקשת מהנדס התכנה ליצירת </a:t>
+            </a:r>
+            <a:r>
+              <a:rPr lang="en-US" dirty="0" smtClean="0"/>
               <a:t>Build</a:t>
+            </a:r>
+            <a:r>
+              <a:rPr lang="he-IL" dirty="0" smtClean="0"/>
+              <a:t> - </a:t>
+            </a:r>
+            <a:r>
+              <a:rPr lang="he-IL" dirty="0" smtClean="0"/>
+              <a:t>יצירת </a:t>
+            </a:r>
+            <a:r>
+              <a:rPr lang="he-IL" dirty="0" smtClean="0"/>
+              <a:t>מנהל </a:t>
+            </a:r>
+            <a:r>
+              <a:rPr lang="he-IL" dirty="0" smtClean="0"/>
+              <a:t>התקן </a:t>
+            </a:r>
+            <a:r>
+              <a:rPr lang="he-IL" dirty="0" smtClean="0"/>
+              <a:t>פרטי (מיוחד), בניגוד ליצירות של מנהלי התקן גנריות ואוטומטיות.</a:t>
             </a:r>
             <a:endParaRPr lang="he-IL" b="1" dirty="0" smtClean="0"/>
           </a:p>
@@ -57034,14 +58083,14 @@
         <p:spPr bwMode="auto">
           <a:extLst>
             <a:ext uri="{909E8E84-426E-40DD-AFC4-6F175D3DCCD1}">
-              <a14:hiddenFill xmlns:a14="http://schemas.microsoft.com/office/drawing/2010/main" xmlns="">
+              <a14:hiddenFill xmlns="" xmlns:a14="http://schemas.microsoft.com/office/drawing/2010/main">
                 <a:solidFill>
                   <a:srgbClr val="FFFFFF"/>
                 </a:solidFill>
               </a14:hiddenFill>
             </a:ext>
             <a:ext uri="{91240B29-F687-4F45-9708-019B960494DF}">
-              <a14:hiddenLine xmlns:a14="http://schemas.microsoft.com/office/drawing/2010/main" xmlns="" w="9525">
+              <a14:hiddenLine xmlns="" xmlns:a14="http://schemas.microsoft.com/office/drawing/2010/main" w="9525">
                 <a:solidFill>
                   <a:srgbClr val="000000"/>
                 </a:solidFill>
@@ -57414,14 +58463,14 @@
         <p:spPr bwMode="auto">
           <a:extLst>
             <a:ext uri="{909E8E84-426E-40DD-AFC4-6F175D3DCCD1}">
-              <a14:hiddenFill xmlns:a14="http://schemas.microsoft.com/office/drawing/2010/main" xmlns="">
+              <a14:hiddenFill xmlns="" xmlns:a14="http://schemas.microsoft.com/office/drawing/2010/main">
                 <a:solidFill>
                   <a:srgbClr val="FFFFFF"/>
                 </a:solidFill>
               </a14:hiddenFill>
             </a:ext>
             <a:ext uri="{91240B29-F687-4F45-9708-019B960494DF}">
-              <a14:hiddenLine xmlns:a14="http://schemas.microsoft.com/office/drawing/2010/main" xmlns="" w="9525">
+              <a14:hiddenLine xmlns="" xmlns:a14="http://schemas.microsoft.com/office/drawing/2010/main" w="9525">
                 <a:solidFill>
                   <a:srgbClr val="000000"/>
                 </a:solidFill>

--- a/trunk/School/AnalysisProject/BuildByRequest.pptx
+++ b/trunk/School/AnalysisProject/BuildByRequest.pptx
@@ -18855,9 +18855,9 @@
     <dgm:cxn modelId="{BCD56EF3-1125-4945-BD12-57B8249B10AF}" srcId="{A99D1D09-03E3-455E-9E41-BE59FAF02762}" destId="{3126861A-10EB-444E-9C2E-F0DBD32F5207}" srcOrd="0" destOrd="0" parTransId="{9A0B393A-AF81-4BFF-BF7F-DCDA89D76097}" sibTransId="{0EAC7370-CAE9-42C6-95D8-F64D712DF60E}"/>
     <dgm:cxn modelId="{9152212A-8684-4494-BE78-347A9E54C483}" type="presOf" srcId="{E24DFFD5-C0DB-4283-B93C-A4AF2174EFDC}" destId="{45685D99-B4F5-445A-9A78-53CF19963921}" srcOrd="0" destOrd="0" presId="urn:microsoft.com/office/officeart/2005/8/layout/chevron1"/>
     <dgm:cxn modelId="{2D856460-1836-407A-AD3C-F3385356148E}" srcId="{A99D1D09-03E3-455E-9E41-BE59FAF02762}" destId="{E24DFFD5-C0DB-4283-B93C-A4AF2174EFDC}" srcOrd="3" destOrd="0" parTransId="{F07CBC50-4FFA-4E24-AD1B-E8ABB84E77EC}" sibTransId="{7680E275-299A-4533-8E7D-3145DB8181A0}"/>
+    <dgm:cxn modelId="{A443556B-482E-4EE1-A5B2-97B17E04EF4A}" srcId="{A99D1D09-03E3-455E-9E41-BE59FAF02762}" destId="{252E6BC7-9A8D-4DF7-B027-BC3E70250723}" srcOrd="7" destOrd="0" parTransId="{3DB4AFCA-EF28-4BBD-A582-B6122836A7FC}" sibTransId="{A52C79E6-5679-4FCD-A80C-699E9750A66C}"/>
+    <dgm:cxn modelId="{B1EB587D-91DB-428C-984B-2220AAA23E6A}" type="presOf" srcId="{3126861A-10EB-444E-9C2E-F0DBD32F5207}" destId="{FC2A3403-782F-48F7-9BEB-85B2AF0A874C}" srcOrd="0" destOrd="0" presId="urn:microsoft.com/office/officeart/2005/8/layout/chevron1"/>
     <dgm:cxn modelId="{254C4089-31E8-44CD-93D3-394A79566897}" srcId="{A99D1D09-03E3-455E-9E41-BE59FAF02762}" destId="{4C2ECB26-0BCC-4A82-87E4-234568B2FADD}" srcOrd="5" destOrd="0" parTransId="{D1FA2FCA-26E6-4B44-88BF-74F483B45D3F}" sibTransId="{EECDAE99-E206-4D2C-BB29-9FE1EA60977C}"/>
-    <dgm:cxn modelId="{B1EB587D-91DB-428C-984B-2220AAA23E6A}" type="presOf" srcId="{3126861A-10EB-444E-9C2E-F0DBD32F5207}" destId="{FC2A3403-782F-48F7-9BEB-85B2AF0A874C}" srcOrd="0" destOrd="0" presId="urn:microsoft.com/office/officeart/2005/8/layout/chevron1"/>
-    <dgm:cxn modelId="{A443556B-482E-4EE1-A5B2-97B17E04EF4A}" srcId="{A99D1D09-03E3-455E-9E41-BE59FAF02762}" destId="{252E6BC7-9A8D-4DF7-B027-BC3E70250723}" srcOrd="7" destOrd="0" parTransId="{3DB4AFCA-EF28-4BBD-A582-B6122836A7FC}" sibTransId="{A52C79E6-5679-4FCD-A80C-699E9750A66C}"/>
     <dgm:cxn modelId="{C7374D8B-6ACF-41E4-AD8E-0427C8FCD43F}" type="presOf" srcId="{55CB30B7-0B55-468A-9461-517D81574E64}" destId="{64022F9A-EADD-4021-BDC0-9DB85A6D87E1}" srcOrd="0" destOrd="0" presId="urn:microsoft.com/office/officeart/2005/8/layout/chevron1"/>
     <dgm:cxn modelId="{B7047BC4-F4AC-4B6D-9953-87DA8079C681}" type="presParOf" srcId="{65F9B252-E640-4161-B138-F04E133526C0}" destId="{FC2A3403-782F-48F7-9BEB-85B2AF0A874C}" srcOrd="0" destOrd="0" presId="urn:microsoft.com/office/officeart/2005/8/layout/chevron1"/>
     <dgm:cxn modelId="{D0F73A22-6440-466F-99ED-C882C8853BDE}" type="presParOf" srcId="{65F9B252-E640-4161-B138-F04E133526C0}" destId="{9E86C8C4-91CF-4BC5-A990-153F045EFD6F}" srcOrd="1" destOrd="0" presId="urn:microsoft.com/office/officeart/2005/8/layout/chevron1"/>
@@ -55173,15 +55173,7 @@
           <a:p>
             <a:r>
               <a:rPr lang="he-IL" dirty="0" smtClean="0"/>
-              <a:t>תיאור הבעיות </a:t>
-            </a:r>
-            <a:r>
-              <a:rPr lang="he-IL" dirty="0" smtClean="0"/>
-              <a:t>במצב </a:t>
-            </a:r>
-            <a:r>
-              <a:rPr lang="he-IL" dirty="0" smtClean="0"/>
-              <a:t>הקיים </a:t>
+              <a:t>תיאור הבעיות במצב הקיים </a:t>
             </a:r>
             <a:endParaRPr lang="he-IL" dirty="0"/>
           </a:p>
@@ -55472,7 +55464,6 @@
               <a:rPr lang="he-IL" sz="2000" dirty="0" smtClean="0"/>
               <a:t>	היעדר קבצים ביעד שהוזן / נתיב לא נכון</a:t>
             </a:r>
-            <a:endParaRPr lang="he-IL" sz="2000" dirty="0" smtClean="0"/>
           </a:p>
           <a:p>
             <a:pPr marL="674370" lvl="1" indent="-274320">
@@ -55482,7 +55473,6 @@
               <a:rPr lang="he-IL" sz="2000" dirty="0" smtClean="0"/>
               <a:t>	סוג הקבצים בנתיב שהוזן אינם תואמים לבקשה (מהודרים/לפני הידור)</a:t>
             </a:r>
-            <a:endParaRPr lang="he-IL" sz="2000" dirty="0" smtClean="0"/>
           </a:p>
           <a:p>
             <a:pPr marL="674370" lvl="1" indent="-274320">
@@ -55512,15 +55502,7 @@
             </a:pPr>
             <a:r>
               <a:rPr lang="he-IL" sz="2400" dirty="0" smtClean="0"/>
-              <a:t>התראות בדואר אלקטרוני לבעלי עניין: תחילת תהליך, סיום תהליך, עצירת תהליך וסיבות לכך עם </a:t>
-            </a:r>
-            <a:r>
-              <a:rPr lang="he-IL" sz="2400" dirty="0" smtClean="0"/>
-              <a:t>ב</a:t>
-            </a:r>
-            <a:r>
-              <a:rPr lang="he-IL" sz="2400" dirty="0" smtClean="0"/>
-              <a:t>קשה לתיקון</a:t>
+              <a:t>התראות בדואר אלקטרוני לבעלי עניין: תחילת תהליך, סיום תהליך, עצירת תהליך וסיבות לכך עם בקשה לתיקון</a:t>
             </a:r>
           </a:p>
           <a:p>
@@ -56239,19 +56221,7 @@
             </a:pPr>
             <a:r>
               <a:rPr lang="he-IL" b="1" dirty="0" smtClean="0"/>
-              <a:t>לאחר החישובים של הערכת </a:t>
-            </a:r>
-            <a:r>
-              <a:rPr lang="he-IL" b="1" dirty="0" smtClean="0"/>
-              <a:t>חלופות, ההמלצה </a:t>
-            </a:r>
-            <a:r>
-              <a:rPr lang="he-IL" b="1" dirty="0" smtClean="0"/>
-              <a:t>שלנו היא הצעה ג</a:t>
-            </a:r>
-            <a:r>
-              <a:rPr lang="he-IL" b="1" dirty="0" smtClean="0"/>
-              <a:t>':</a:t>
+              <a:t>לאחר החישובים של הערכת חלופות, ההמלצה שלנו היא הצעה ג':</a:t>
             </a:r>
             <a:r>
               <a:rPr lang="en-US" b="1" dirty="0" smtClean="0"/>
@@ -56268,15 +56238,7 @@
             </a:pPr>
             <a:r>
               <a:rPr lang="he-IL" b="1" dirty="0" smtClean="0"/>
-              <a:t>פיתוח </a:t>
-            </a:r>
-            <a:r>
-              <a:rPr lang="he-IL" b="1" dirty="0" smtClean="0"/>
-              <a:t>עצמי ע"י אחת מקבוצות התוכנה </a:t>
-            </a:r>
-            <a:r>
-              <a:rPr lang="he-IL" b="1" dirty="0" smtClean="0"/>
-              <a:t>ב </a:t>
+              <a:t>פיתוח עצמי ע"י אחת מקבוצות התוכנה ב </a:t>
             </a:r>
             <a:r>
               <a:rPr lang="en-US" b="1" dirty="0" smtClean="0"/>
@@ -56543,65 +56505,7 @@
                   </a:outerShdw>
                 </a:effectLst>
               </a:rPr>
-              <a:t>תודה </a:t>
-            </a:r>
-            <a:r>
-              <a:rPr lang="he-IL" sz="5400" b="1" cap="none" spc="50" dirty="0" smtClean="0">
-                <a:ln w="11430"/>
-                <a:gradFill>
-                  <a:gsLst>
-                    <a:gs pos="25000">
-                      <a:schemeClr val="accent2">
-                        <a:satMod val="155000"/>
-                      </a:schemeClr>
-                    </a:gs>
-                    <a:gs pos="100000">
-                      <a:schemeClr val="accent2">
-                        <a:shade val="45000"/>
-                        <a:satMod val="165000"/>
-                      </a:schemeClr>
-                    </a:gs>
-                  </a:gsLst>
-                  <a:lin ang="5400000"/>
-                </a:gradFill>
-                <a:effectLst>
-                  <a:outerShdw blurRad="76200" dist="50800" dir="5400000" algn="tl" rotWithShape="0">
-                    <a:srgbClr val="000000">
-                      <a:alpha val="65000"/>
-                    </a:srgbClr>
-                  </a:outerShdw>
-                </a:effectLst>
-              </a:rPr>
-              <a:t>על </a:t>
-            </a:r>
-            <a:r>
-              <a:rPr lang="he-IL" sz="5400" b="1" cap="none" spc="50" dirty="0" smtClean="0">
-                <a:ln w="11430"/>
-                <a:gradFill>
-                  <a:gsLst>
-                    <a:gs pos="25000">
-                      <a:schemeClr val="accent2">
-                        <a:satMod val="155000"/>
-                      </a:schemeClr>
-                    </a:gs>
-                    <a:gs pos="100000">
-                      <a:schemeClr val="accent2">
-                        <a:shade val="45000"/>
-                        <a:satMod val="165000"/>
-                      </a:schemeClr>
-                    </a:gs>
-                  </a:gsLst>
-                  <a:lin ang="5400000"/>
-                </a:gradFill>
-                <a:effectLst>
-                  <a:outerShdw blurRad="76200" dist="50800" dir="5400000" algn="tl" rotWithShape="0">
-                    <a:srgbClr val="000000">
-                      <a:alpha val="65000"/>
-                    </a:srgbClr>
-                  </a:outerShdw>
-                </a:effectLst>
-              </a:rPr>
-              <a:t>ההקשבה !</a:t>
+              <a:t>תודה על ההקשבה !</a:t>
             </a:r>
             <a:endParaRPr lang="he-IL" sz="5400" b="1" cap="none" spc="50" dirty="0">
               <a:ln w="11430"/>
@@ -56882,7 +56786,6 @@
               <a:rPr lang="he-IL" b="1" dirty="0" smtClean="0"/>
               <a:t>הצעת פיתרון</a:t>
             </a:r>
-            <a:endParaRPr lang="he-IL" b="1" dirty="0" smtClean="0"/>
           </a:p>
           <a:p>
             <a:r>
@@ -57053,30 +56956,14 @@
           <a:p>
             <a:r>
               <a:rPr lang="he-IL" b="1" u="sng" dirty="0" smtClean="0"/>
-              <a:t>מטרת </a:t>
-            </a:r>
-            <a:r>
-              <a:rPr lang="he-IL" b="1" u="sng" dirty="0" smtClean="0"/>
-              <a:t>משימת </a:t>
-            </a:r>
-            <a:r>
-              <a:rPr lang="he-IL" b="1" u="sng" dirty="0" smtClean="0"/>
-              <a:t>הניתוח </a:t>
+              <a:t>מטרת משימת הניתוח </a:t>
             </a:r>
           </a:p>
           <a:p>
             <a:pPr lvl="1"/>
             <a:r>
               <a:rPr lang="he-IL" dirty="0" smtClean="0"/>
-              <a:t>שיפור </a:t>
-            </a:r>
-            <a:r>
-              <a:rPr lang="he-IL" dirty="0" smtClean="0"/>
-              <a:t>איכות תהליך </a:t>
-            </a:r>
-            <a:r>
-              <a:rPr lang="he-IL" dirty="0" smtClean="0"/>
-              <a:t>יצירת מנהלי התקן פרטיים.</a:t>
+              <a:t>שיפור איכות תהליך יצירת מנהלי התקן פרטיים.</a:t>
             </a:r>
           </a:p>
           <a:p>
@@ -57207,7 +57094,6 @@
               <a:rPr lang="he-IL" dirty="0" smtClean="0"/>
               <a:t>:</a:t>
             </a:r>
-            <a:endParaRPr lang="he-IL" dirty="0" smtClean="0"/>
           </a:p>
           <a:p>
             <a:pPr lvl="1"/>
@@ -57267,15 +57153,7 @@
             <a:pPr lvl="1"/>
             <a:r>
               <a:rPr lang="he-IL" dirty="0" smtClean="0"/>
-              <a:t>מפתחי </a:t>
-            </a:r>
-            <a:r>
-              <a:rPr lang="he-IL" dirty="0" smtClean="0"/>
-              <a:t>תכנה מקבוצות </a:t>
-            </a:r>
-            <a:r>
-              <a:rPr lang="he-IL" dirty="0" smtClean="0"/>
-              <a:t>שונות:</a:t>
+              <a:t>מפתחי תכנה מקבוצות שונות:</a:t>
             </a:r>
             <a:r>
               <a:rPr lang="en-US" dirty="0" smtClean="0"/>
@@ -57302,7 +57180,6 @@
               <a:rPr lang="he-IL" dirty="0" smtClean="0"/>
               <a:t>:</a:t>
             </a:r>
-            <a:endParaRPr lang="he-IL" dirty="0" smtClean="0"/>
           </a:p>
           <a:p>
             <a:pPr lvl="1"/>
@@ -57565,15 +57442,7 @@
             </a:r>
             <a:r>
               <a:rPr lang="he-IL" dirty="0" smtClean="0"/>
-              <a:t> (רשימות </a:t>
-            </a:r>
-            <a:r>
-              <a:rPr lang="he-IL" dirty="0" smtClean="0"/>
-              <a:t>מקורות, רכיבים</a:t>
-            </a:r>
-            <a:r>
-              <a:rPr lang="he-IL" dirty="0" smtClean="0"/>
-              <a:t>) ובדיקת תקינותם ע"י המבקש.</a:t>
+              <a:t> (רשימות מקורות, רכיבים) ובדיקת תקינותם ע"י המבקש.</a:t>
             </a:r>
           </a:p>
           <a:p>
@@ -57603,11 +57472,7 @@
             </a:r>
             <a:r>
               <a:rPr lang="he-IL" dirty="0" smtClean="0"/>
-              <a:t> (נכונות </a:t>
-            </a:r>
-            <a:r>
-              <a:rPr lang="he-IL" dirty="0" smtClean="0"/>
-              <a:t>פרמטרים, בניות עבר, ביטול חזרות ותקינות)</a:t>
+              <a:t> (נכונות פרמטרים, בניות עבר, ביטול חזרות ותקינות)</a:t>
             </a:r>
           </a:p>
           <a:p>
@@ -57746,17 +57611,12 @@
           <a:p>
             <a:r>
               <a:rPr lang="he-IL" b="1" u="sng" dirty="0" smtClean="0"/>
-              <a:t>מערכות ארגוניות </a:t>
-            </a:r>
-            <a:r>
-              <a:rPr lang="he-IL" b="1" u="sng" dirty="0" smtClean="0"/>
-              <a:t>קיימות</a:t>
+              <a:t>מערכות ארגוניות קיימות</a:t>
             </a:r>
             <a:r>
               <a:rPr lang="he-IL" b="1" dirty="0" smtClean="0"/>
               <a:t>:</a:t>
             </a:r>
-            <a:endParaRPr lang="he-IL" b="1" dirty="0" smtClean="0"/>
           </a:p>
           <a:p>
             <a:pPr lvl="1"/>
@@ -57767,10 +57627,6 @@
             <a:r>
               <a:rPr lang="en-US" b="1" dirty="0" smtClean="0"/>
               <a:t>build forge </a:t>
-            </a:r>
-            <a:r>
-              <a:rPr lang="en-US" b="1" dirty="0" smtClean="0"/>
-              <a:t/>
             </a:r>
             <a:br>
               <a:rPr lang="en-US" b="1" dirty="0" smtClean="0"/>
@@ -57787,7 +57643,6 @@
               <a:rPr lang="he-IL" dirty="0" smtClean="0"/>
               <a:t>. זוהי מערכת לביצוע הידורים מתקדמים, מרובי חלקים ותלויות.</a:t>
             </a:r>
-            <a:endParaRPr lang="he-IL" dirty="0" smtClean="0"/>
           </a:p>
           <a:p>
             <a:endParaRPr lang="he-IL" b="1" dirty="0" smtClean="0"/>
@@ -57795,11 +57650,7 @@
           <a:p>
             <a:r>
               <a:rPr lang="he-IL" dirty="0" smtClean="0"/>
-              <a:t>אנו </a:t>
-            </a:r>
-            <a:r>
-              <a:rPr lang="he-IL" dirty="0" smtClean="0"/>
-              <a:t>התמקדנו בתהליך של בקשת מהנדס התכנה ליצירת </a:t>
+              <a:t>אנו התמקדנו בתהליך של בקשת מהנדס התכנה ליצירת </a:t>
             </a:r>
             <a:r>
               <a:rPr lang="en-US" dirty="0" smtClean="0"/>
@@ -57807,23 +57658,7 @@
             </a:r>
             <a:r>
               <a:rPr lang="he-IL" dirty="0" smtClean="0"/>
-              <a:t> - </a:t>
-            </a:r>
-            <a:r>
-              <a:rPr lang="he-IL" dirty="0" smtClean="0"/>
-              <a:t>יצירת </a:t>
-            </a:r>
-            <a:r>
-              <a:rPr lang="he-IL" dirty="0" smtClean="0"/>
-              <a:t>מנהל </a:t>
-            </a:r>
-            <a:r>
-              <a:rPr lang="he-IL" dirty="0" smtClean="0"/>
-              <a:t>התקן </a:t>
-            </a:r>
-            <a:r>
-              <a:rPr lang="he-IL" dirty="0" smtClean="0"/>
-              <a:t>פרטי (מיוחד), בניגוד ליצירות של מנהלי התקן גנריות ואוטומטיות.</a:t>
+              <a:t> - יצירת מנהל התקן פרטי (מיוחד), בניגוד ליצירות של מנהלי התקן גנריות ואוטומטיות.</a:t>
             </a:r>
             <a:endParaRPr lang="he-IL" b="1" dirty="0" smtClean="0"/>
           </a:p>
@@ -57926,7 +57761,7 @@
         </p:blipFill>
         <p:spPr bwMode="auto">
           <a:xfrm>
-            <a:off x="3571837" y="1214422"/>
+            <a:off x="2096181" y="1214422"/>
             <a:ext cx="5572163" cy="5214974"/>
           </a:xfrm>
           <a:prstGeom prst="rect">
@@ -57988,7 +57823,7 @@
                                     <p:cond delay="0"/>
                                   </p:stCondLst>
                                   <p:childTnLst>
-                                    <p:animMotion origin="layout" path="M 5.55556E-7 0 L -0.00243 0.44097 " pathEditMode="relative" rAng="0" ptsTypes="AA">
+                                    <p:animMotion origin="layout" path="M -0.00243 -0.09908 L 0.06059 0.18426 " pathEditMode="relative" rAng="0" ptsTypes="AA">
                                       <p:cBhvr>
                                         <p:cTn id="6" dur="1000" fill="hold"/>
                                         <p:tgtEl>
@@ -57999,7 +57834,7 @@
                                           <p:attrName>ppt_y</p:attrName>
                                         </p:attrNameLst>
                                       </p:cBhvr>
-                                      <p:rCtr x="-1" y="220"/>
+                                      <p:rCtr x="31" y="142"/>
                                     </p:animMotion>
                                   </p:childTnLst>
                                 </p:cTn>
@@ -58083,14 +57918,14 @@
         <p:spPr bwMode="auto">
           <a:extLst>
             <a:ext uri="{909E8E84-426E-40DD-AFC4-6F175D3DCCD1}">
-              <a14:hiddenFill xmlns="" xmlns:a14="http://schemas.microsoft.com/office/drawing/2010/main">
+              <a14:hiddenFill xmlns:a14="http://schemas.microsoft.com/office/drawing/2010/main" xmlns="">
                 <a:solidFill>
                   <a:srgbClr val="FFFFFF"/>
                 </a:solidFill>
               </a14:hiddenFill>
             </a:ext>
             <a:ext uri="{91240B29-F687-4F45-9708-019B960494DF}">
-              <a14:hiddenLine xmlns="" xmlns:a14="http://schemas.microsoft.com/office/drawing/2010/main" w="9525">
+              <a14:hiddenLine xmlns:a14="http://schemas.microsoft.com/office/drawing/2010/main" xmlns="" w="9525">
                 <a:solidFill>
                   <a:srgbClr val="000000"/>
                 </a:solidFill>
@@ -58463,14 +58298,14 @@
         <p:spPr bwMode="auto">
           <a:extLst>
             <a:ext uri="{909E8E84-426E-40DD-AFC4-6F175D3DCCD1}">
-              <a14:hiddenFill xmlns="" xmlns:a14="http://schemas.microsoft.com/office/drawing/2010/main">
+              <a14:hiddenFill xmlns:a14="http://schemas.microsoft.com/office/drawing/2010/main" xmlns="">
                 <a:solidFill>
                   <a:srgbClr val="FFFFFF"/>
                 </a:solidFill>
               </a14:hiddenFill>
             </a:ext>
             <a:ext uri="{91240B29-F687-4F45-9708-019B960494DF}">
-              <a14:hiddenLine xmlns="" xmlns:a14="http://schemas.microsoft.com/office/drawing/2010/main" w="9525">
+              <a14:hiddenLine xmlns:a14="http://schemas.microsoft.com/office/drawing/2010/main" xmlns="" w="9525">
                 <a:solidFill>
                   <a:srgbClr val="000000"/>
                 </a:solidFill>
